--- a/doc/présentation V2.pptx
+++ b/doc/présentation V2.pptx
@@ -277,7 +277,7 @@
           <a:p>
             <a:fld id="{AA70F276-1833-4A75-9C1D-A56E2295A68D}" type="datetimeFigureOut">
               <a:rPr lang="en-US" smtClean="0"/>
-              <a:t>10/19/2022</a:t>
+              <a:t>10/20/2022</a:t>
             </a:fld>
             <a:endParaRPr lang="en-US"/>
           </a:p>
@@ -475,7 +475,7 @@
           <a:p>
             <a:fld id="{AA70F276-1833-4A75-9C1D-A56E2295A68D}" type="datetimeFigureOut">
               <a:rPr lang="en-US" smtClean="0"/>
-              <a:t>10/19/2022</a:t>
+              <a:t>10/20/2022</a:t>
             </a:fld>
             <a:endParaRPr lang="en-US"/>
           </a:p>
@@ -683,7 +683,7 @@
           <a:p>
             <a:fld id="{AA70F276-1833-4A75-9C1D-A56E2295A68D}" type="datetimeFigureOut">
               <a:rPr lang="en-US" smtClean="0"/>
-              <a:t>10/19/2022</a:t>
+              <a:t>10/20/2022</a:t>
             </a:fld>
             <a:endParaRPr lang="en-US"/>
           </a:p>
@@ -908,7 +908,7 @@
           <a:p>
             <a:fld id="{AA70F276-1833-4A75-9C1D-A56E2295A68D}" type="datetimeFigureOut">
               <a:rPr lang="en-US" smtClean="0"/>
-              <a:t>10/19/2022</a:t>
+              <a:t>10/20/2022</a:t>
             </a:fld>
             <a:endParaRPr lang="en-US"/>
           </a:p>
@@ -1184,7 +1184,7 @@
           <a:p>
             <a:fld id="{AA70F276-1833-4A75-9C1D-A56E2295A68D}" type="datetimeFigureOut">
               <a:rPr lang="en-US" smtClean="0"/>
-              <a:t>10/19/2022</a:t>
+              <a:t>10/20/2022</a:t>
             </a:fld>
             <a:endParaRPr lang="en-US"/>
           </a:p>
@@ -1454,7 +1454,7 @@
           <a:p>
             <a:fld id="{AA70F276-1833-4A75-9C1D-A56E2295A68D}" type="datetimeFigureOut">
               <a:rPr lang="en-US" smtClean="0"/>
-              <a:t>10/19/2022</a:t>
+              <a:t>10/20/2022</a:t>
             </a:fld>
             <a:endParaRPr lang="en-US"/>
           </a:p>
@@ -1866,7 +1866,7 @@
           <a:p>
             <a:fld id="{AA70F276-1833-4A75-9C1D-A56E2295A68D}" type="datetimeFigureOut">
               <a:rPr lang="en-US" smtClean="0"/>
-              <a:t>10/19/2022</a:t>
+              <a:t>10/20/2022</a:t>
             </a:fld>
             <a:endParaRPr lang="en-US"/>
           </a:p>
@@ -2007,7 +2007,7 @@
           <a:p>
             <a:fld id="{AA70F276-1833-4A75-9C1D-A56E2295A68D}" type="datetimeFigureOut">
               <a:rPr lang="en-US" smtClean="0"/>
-              <a:t>10/19/2022</a:t>
+              <a:t>10/20/2022</a:t>
             </a:fld>
             <a:endParaRPr lang="en-US"/>
           </a:p>
@@ -2120,7 +2120,7 @@
           <a:p>
             <a:fld id="{AA70F276-1833-4A75-9C1D-A56E2295A68D}" type="datetimeFigureOut">
               <a:rPr lang="en-US" smtClean="0"/>
-              <a:t>10/19/2022</a:t>
+              <a:t>10/20/2022</a:t>
             </a:fld>
             <a:endParaRPr lang="en-US"/>
           </a:p>
@@ -2431,7 +2431,7 @@
           <a:p>
             <a:fld id="{AA70F276-1833-4A75-9C1D-A56E2295A68D}" type="datetimeFigureOut">
               <a:rPr lang="en-US" smtClean="0"/>
-              <a:t>10/19/2022</a:t>
+              <a:t>10/20/2022</a:t>
             </a:fld>
             <a:endParaRPr lang="en-US"/>
           </a:p>
@@ -2722,7 +2722,7 @@
           <a:p>
             <a:fld id="{AA70F276-1833-4A75-9C1D-A56E2295A68D}" type="datetimeFigureOut">
               <a:rPr lang="en-US" smtClean="0"/>
-              <a:t>10/19/2022</a:t>
+              <a:t>10/20/2022</a:t>
             </a:fld>
             <a:endParaRPr lang="en-US"/>
           </a:p>
@@ -3030,7 +3030,7 @@
             <a:fld id="{AA70F276-1833-4A75-9C1D-A56E2295A68D}" type="datetimeFigureOut">
               <a:rPr lang="en-US" smtClean="0"/>
               <a:pPr/>
-              <a:t>10/19/2022</a:t>
+              <a:t>10/20/2022</a:t>
             </a:fld>
             <a:endParaRPr lang="en-US" dirty="0"/>
           </a:p>
@@ -5985,6 +5985,36 @@
           </a:prstGeom>
         </p:spPr>
       </p:pic>
+      <p:pic>
+        <p:nvPicPr>
+          <p:cNvPr id="5" name="Image 4">
+            <a:extLst>
+              <a:ext uri="{FF2B5EF4-FFF2-40B4-BE49-F238E27FC236}">
+                <a16:creationId xmlns:a16="http://schemas.microsoft.com/office/drawing/2014/main" id="{8238E0A7-56CA-75BF-3B07-6398CD20DF9A}"/>
+              </a:ext>
+            </a:extLst>
+          </p:cNvPr>
+          <p:cNvPicPr>
+            <a:picLocks noChangeAspect="1"/>
+          </p:cNvPicPr>
+          <p:nvPr/>
+        </p:nvPicPr>
+        <p:blipFill>
+          <a:blip r:embed="rId6"/>
+          <a:stretch>
+            <a:fillRect/>
+          </a:stretch>
+        </p:blipFill>
+        <p:spPr>
+          <a:xfrm>
+            <a:off x="519112" y="2826956"/>
+            <a:ext cx="6824663" cy="3292856"/>
+          </a:xfrm>
+          <a:prstGeom prst="rect">
+            <a:avLst/>
+          </a:prstGeom>
+        </p:spPr>
+      </p:pic>
     </p:spTree>
     <p:extLst>
       <p:ext uri="{BB962C8B-B14F-4D97-AF65-F5344CB8AC3E}">

--- a/doc/présentation V2.pptx
+++ b/doc/présentation V2.pptx
@@ -277,7 +277,7 @@
           <a:p>
             <a:fld id="{AA70F276-1833-4A75-9C1D-A56E2295A68D}" type="datetimeFigureOut">
               <a:rPr lang="en-US" smtClean="0"/>
-              <a:t>10/20/2022</a:t>
+              <a:t>10/21/2022</a:t>
             </a:fld>
             <a:endParaRPr lang="en-US"/>
           </a:p>
@@ -475,7 +475,7 @@
           <a:p>
             <a:fld id="{AA70F276-1833-4A75-9C1D-A56E2295A68D}" type="datetimeFigureOut">
               <a:rPr lang="en-US" smtClean="0"/>
-              <a:t>10/20/2022</a:t>
+              <a:t>10/21/2022</a:t>
             </a:fld>
             <a:endParaRPr lang="en-US"/>
           </a:p>
@@ -683,7 +683,7 @@
           <a:p>
             <a:fld id="{AA70F276-1833-4A75-9C1D-A56E2295A68D}" type="datetimeFigureOut">
               <a:rPr lang="en-US" smtClean="0"/>
-              <a:t>10/20/2022</a:t>
+              <a:t>10/21/2022</a:t>
             </a:fld>
             <a:endParaRPr lang="en-US"/>
           </a:p>
@@ -908,7 +908,7 @@
           <a:p>
             <a:fld id="{AA70F276-1833-4A75-9C1D-A56E2295A68D}" type="datetimeFigureOut">
               <a:rPr lang="en-US" smtClean="0"/>
-              <a:t>10/20/2022</a:t>
+              <a:t>10/21/2022</a:t>
             </a:fld>
             <a:endParaRPr lang="en-US"/>
           </a:p>
@@ -1184,7 +1184,7 @@
           <a:p>
             <a:fld id="{AA70F276-1833-4A75-9C1D-A56E2295A68D}" type="datetimeFigureOut">
               <a:rPr lang="en-US" smtClean="0"/>
-              <a:t>10/20/2022</a:t>
+              <a:t>10/21/2022</a:t>
             </a:fld>
             <a:endParaRPr lang="en-US"/>
           </a:p>
@@ -1454,7 +1454,7 @@
           <a:p>
             <a:fld id="{AA70F276-1833-4A75-9C1D-A56E2295A68D}" type="datetimeFigureOut">
               <a:rPr lang="en-US" smtClean="0"/>
-              <a:t>10/20/2022</a:t>
+              <a:t>10/21/2022</a:t>
             </a:fld>
             <a:endParaRPr lang="en-US"/>
           </a:p>
@@ -1866,7 +1866,7 @@
           <a:p>
             <a:fld id="{AA70F276-1833-4A75-9C1D-A56E2295A68D}" type="datetimeFigureOut">
               <a:rPr lang="en-US" smtClean="0"/>
-              <a:t>10/20/2022</a:t>
+              <a:t>10/21/2022</a:t>
             </a:fld>
             <a:endParaRPr lang="en-US"/>
           </a:p>
@@ -2007,7 +2007,7 @@
           <a:p>
             <a:fld id="{AA70F276-1833-4A75-9C1D-A56E2295A68D}" type="datetimeFigureOut">
               <a:rPr lang="en-US" smtClean="0"/>
-              <a:t>10/20/2022</a:t>
+              <a:t>10/21/2022</a:t>
             </a:fld>
             <a:endParaRPr lang="en-US"/>
           </a:p>
@@ -2120,7 +2120,7 @@
           <a:p>
             <a:fld id="{AA70F276-1833-4A75-9C1D-A56E2295A68D}" type="datetimeFigureOut">
               <a:rPr lang="en-US" smtClean="0"/>
-              <a:t>10/20/2022</a:t>
+              <a:t>10/21/2022</a:t>
             </a:fld>
             <a:endParaRPr lang="en-US"/>
           </a:p>
@@ -2431,7 +2431,7 @@
           <a:p>
             <a:fld id="{AA70F276-1833-4A75-9C1D-A56E2295A68D}" type="datetimeFigureOut">
               <a:rPr lang="en-US" smtClean="0"/>
-              <a:t>10/20/2022</a:t>
+              <a:t>10/21/2022</a:t>
             </a:fld>
             <a:endParaRPr lang="en-US"/>
           </a:p>
@@ -2722,7 +2722,7 @@
           <a:p>
             <a:fld id="{AA70F276-1833-4A75-9C1D-A56E2295A68D}" type="datetimeFigureOut">
               <a:rPr lang="en-US" smtClean="0"/>
-              <a:t>10/20/2022</a:t>
+              <a:t>10/21/2022</a:t>
             </a:fld>
             <a:endParaRPr lang="en-US"/>
           </a:p>
@@ -3030,7 +3030,7 @@
             <a:fld id="{AA70F276-1833-4A75-9C1D-A56E2295A68D}" type="datetimeFigureOut">
               <a:rPr lang="en-US" smtClean="0"/>
               <a:pPr/>
-              <a:t>10/20/2022</a:t>
+              <a:t>10/21/2022</a:t>
             </a:fld>
             <a:endParaRPr lang="en-US" dirty="0"/>
           </a:p>
@@ -5977,7 +5977,7 @@
         </p:blipFill>
         <p:spPr>
           <a:xfrm>
-            <a:off x="6183206" y="3835026"/>
+            <a:off x="2680301" y="4029507"/>
             <a:ext cx="2057400" cy="1666875"/>
           </a:xfrm>
           <a:prstGeom prst="rect">
@@ -5987,10 +5987,10 @@
       </p:pic>
       <p:pic>
         <p:nvPicPr>
-          <p:cNvPr id="5" name="Image 4">
-            <a:extLst>
-              <a:ext uri="{FF2B5EF4-FFF2-40B4-BE49-F238E27FC236}">
-                <a16:creationId xmlns:a16="http://schemas.microsoft.com/office/drawing/2014/main" id="{8238E0A7-56CA-75BF-3B07-6398CD20DF9A}"/>
+          <p:cNvPr id="6" name="Image 5">
+            <a:extLst>
+              <a:ext uri="{FF2B5EF4-FFF2-40B4-BE49-F238E27FC236}">
+                <a16:creationId xmlns:a16="http://schemas.microsoft.com/office/drawing/2014/main" id="{649BB2DA-788A-E445-58FB-0CA69F55B61E}"/>
               </a:ext>
             </a:extLst>
           </p:cNvPr>
@@ -6007,14 +6007,176 @@
         </p:blipFill>
         <p:spPr>
           <a:xfrm>
-            <a:off x="519112" y="2826956"/>
-            <a:ext cx="6824663" cy="3292856"/>
+            <a:off x="6894479" y="4029507"/>
+            <a:ext cx="2263180" cy="1705468"/>
           </a:xfrm>
           <a:prstGeom prst="rect">
             <a:avLst/>
           </a:prstGeom>
         </p:spPr>
       </p:pic>
+      <p:sp>
+        <p:nvSpPr>
+          <p:cNvPr id="7" name="ZoneTexte 6">
+            <a:extLst>
+              <a:ext uri="{FF2B5EF4-FFF2-40B4-BE49-F238E27FC236}">
+                <a16:creationId xmlns:a16="http://schemas.microsoft.com/office/drawing/2014/main" id="{3DD82431-573B-CC46-70D0-FF4D5003B73D}"/>
+              </a:ext>
+            </a:extLst>
+          </p:cNvPr>
+          <p:cNvSpPr txBox="1"/>
+          <p:nvPr/>
+        </p:nvSpPr>
+        <p:spPr>
+          <a:xfrm>
+            <a:off x="2523404" y="3421643"/>
+            <a:ext cx="2356735" cy="338554"/>
+          </a:xfrm>
+          <a:prstGeom prst="rect">
+            <a:avLst/>
+          </a:prstGeom>
+          <a:noFill/>
+        </p:spPr>
+        <p:txBody>
+          <a:bodyPr wrap="none" rtlCol="0">
+            <a:spAutoFit/>
+          </a:bodyPr>
+          <a:lstStyle/>
+          <a:p>
+            <a:r>
+              <a:rPr lang="fr-FR" sz="1600" dirty="0"/>
+              <a:t>Front        tests unitaires</a:t>
+            </a:r>
+          </a:p>
+        </p:txBody>
+      </p:sp>
+      <p:sp>
+        <p:nvSpPr>
+          <p:cNvPr id="8" name="Flèche : droite à entaille 7">
+            <a:extLst>
+              <a:ext uri="{FF2B5EF4-FFF2-40B4-BE49-F238E27FC236}">
+                <a16:creationId xmlns:a16="http://schemas.microsoft.com/office/drawing/2014/main" id="{CD06097B-4338-B765-6B93-826D05B33B5A}"/>
+              </a:ext>
+            </a:extLst>
+          </p:cNvPr>
+          <p:cNvSpPr/>
+          <p:nvPr/>
+        </p:nvSpPr>
+        <p:spPr>
+          <a:xfrm>
+            <a:off x="3177373" y="3522856"/>
+            <a:ext cx="276040" cy="169625"/>
+          </a:xfrm>
+          <a:prstGeom prst="notchedRightArrow">
+            <a:avLst/>
+          </a:prstGeom>
+        </p:spPr>
+        <p:style>
+          <a:lnRef idx="2">
+            <a:schemeClr val="accent1">
+              <a:shade val="50000"/>
+            </a:schemeClr>
+          </a:lnRef>
+          <a:fillRef idx="1">
+            <a:schemeClr val="accent1"/>
+          </a:fillRef>
+          <a:effectRef idx="0">
+            <a:schemeClr val="accent1"/>
+          </a:effectRef>
+          <a:fontRef idx="minor">
+            <a:schemeClr val="lt1"/>
+          </a:fontRef>
+        </p:style>
+        <p:txBody>
+          <a:bodyPr rtlCol="0" anchor="ctr"/>
+          <a:lstStyle/>
+          <a:p>
+            <a:pPr algn="ctr"/>
+            <a:endParaRPr lang="fr-FR" sz="1600"/>
+          </a:p>
+        </p:txBody>
+      </p:sp>
+      <p:sp>
+        <p:nvSpPr>
+          <p:cNvPr id="9" name="ZoneTexte 8">
+            <a:extLst>
+              <a:ext uri="{FF2B5EF4-FFF2-40B4-BE49-F238E27FC236}">
+                <a16:creationId xmlns:a16="http://schemas.microsoft.com/office/drawing/2014/main" id="{FA3EE4EA-0768-B97E-6ADA-A79B721CBAD7}"/>
+              </a:ext>
+            </a:extLst>
+          </p:cNvPr>
+          <p:cNvSpPr txBox="1"/>
+          <p:nvPr/>
+        </p:nvSpPr>
+        <p:spPr>
+          <a:xfrm>
+            <a:off x="6661880" y="3421643"/>
+            <a:ext cx="2772234" cy="338554"/>
+          </a:xfrm>
+          <a:prstGeom prst="rect">
+            <a:avLst/>
+          </a:prstGeom>
+          <a:noFill/>
+        </p:spPr>
+        <p:txBody>
+          <a:bodyPr wrap="none" rtlCol="0">
+            <a:spAutoFit/>
+          </a:bodyPr>
+          <a:lstStyle/>
+          <a:p>
+            <a:r>
+              <a:rPr lang="fr-FR" sz="1600" dirty="0"/>
+              <a:t>Back         tests d’intégration</a:t>
+            </a:r>
+          </a:p>
+        </p:txBody>
+      </p:sp>
+      <p:sp>
+        <p:nvSpPr>
+          <p:cNvPr id="10" name="Flèche : droite à entaille 9">
+            <a:extLst>
+              <a:ext uri="{FF2B5EF4-FFF2-40B4-BE49-F238E27FC236}">
+                <a16:creationId xmlns:a16="http://schemas.microsoft.com/office/drawing/2014/main" id="{27362EAD-71F2-2959-699A-A17D0DC62A01}"/>
+              </a:ext>
+            </a:extLst>
+          </p:cNvPr>
+          <p:cNvSpPr/>
+          <p:nvPr/>
+        </p:nvSpPr>
+        <p:spPr>
+          <a:xfrm>
+            <a:off x="7292375" y="3522856"/>
+            <a:ext cx="276040" cy="169625"/>
+          </a:xfrm>
+          <a:prstGeom prst="notchedRightArrow">
+            <a:avLst/>
+          </a:prstGeom>
+        </p:spPr>
+        <p:style>
+          <a:lnRef idx="2">
+            <a:schemeClr val="accent1">
+              <a:shade val="50000"/>
+            </a:schemeClr>
+          </a:lnRef>
+          <a:fillRef idx="1">
+            <a:schemeClr val="accent1"/>
+          </a:fillRef>
+          <a:effectRef idx="0">
+            <a:schemeClr val="accent1"/>
+          </a:effectRef>
+          <a:fontRef idx="minor">
+            <a:schemeClr val="lt1"/>
+          </a:fontRef>
+        </p:style>
+        <p:txBody>
+          <a:bodyPr rtlCol="0" anchor="ctr"/>
+          <a:lstStyle/>
+          <a:p>
+            <a:pPr algn="ctr"/>
+            <a:endParaRPr lang="fr-FR" sz="1600"/>
+          </a:p>
+        </p:txBody>
+      </p:sp>
     </p:spTree>
     <p:extLst>
       <p:ext uri="{BB962C8B-B14F-4D97-AF65-F5344CB8AC3E}">
@@ -6075,357 +6237,66 @@
           </a:p>
         </p:txBody>
       </p:sp>
-      <p:sp>
-        <p:nvSpPr>
-          <p:cNvPr id="9" name="ZoneTexte 8">
-            <a:extLst>
-              <a:ext uri="{FF2B5EF4-FFF2-40B4-BE49-F238E27FC236}">
-                <a16:creationId xmlns:a16="http://schemas.microsoft.com/office/drawing/2014/main" id="{BC23ED4F-C6A3-6A63-6E53-A21EC4FABCD5}"/>
-              </a:ext>
-            </a:extLst>
-          </p:cNvPr>
-          <p:cNvSpPr txBox="1"/>
+      <p:pic>
+        <p:nvPicPr>
+          <p:cNvPr id="5" name="Image 4">
+            <a:extLst>
+              <a:ext uri="{FF2B5EF4-FFF2-40B4-BE49-F238E27FC236}">
+                <a16:creationId xmlns:a16="http://schemas.microsoft.com/office/drawing/2014/main" id="{6065B95F-F38D-A5EC-7220-4444776466A4}"/>
+              </a:ext>
+            </a:extLst>
+          </p:cNvPr>
+          <p:cNvPicPr>
+            <a:picLocks noChangeAspect="1"/>
+          </p:cNvPicPr>
           <p:nvPr/>
-        </p:nvSpPr>
-        <p:spPr>
-          <a:xfrm>
-            <a:off x="1417379" y="3918268"/>
-            <a:ext cx="7581900" cy="2258695"/>
+        </p:nvPicPr>
+        <p:blipFill>
+          <a:blip r:embed="rId2"/>
+          <a:stretch>
+            <a:fillRect/>
+          </a:stretch>
+        </p:blipFill>
+        <p:spPr>
+          <a:xfrm>
+            <a:off x="2444524" y="2057795"/>
+            <a:ext cx="2543714" cy="1854531"/>
           </a:xfrm>
           <a:prstGeom prst="rect">
             <a:avLst/>
           </a:prstGeom>
-          <a:noFill/>
-        </p:spPr>
-        <p:txBody>
-          <a:bodyPr wrap="square">
-            <a:spAutoFit/>
-          </a:bodyPr>
-          <a:lstStyle/>
-          <a:p>
-            <a:pPr>
-              <a:lnSpc>
-                <a:spcPct val="107000"/>
-              </a:lnSpc>
-            </a:pPr>
-            <a:r>
-              <a:rPr lang="fr-FR" sz="1200" dirty="0">
-                <a:latin typeface="Book Antiqua" panose="02040602050305030304" pitchFamily="18" charset="0"/>
-                <a:ea typeface="Calibri" panose="020F0502020204030204" pitchFamily="34" charset="0"/>
-                <a:cs typeface="Times New Roman" panose="02020603050405020304" pitchFamily="18" charset="0"/>
-              </a:rPr>
-              <a:t>Les fonctionnalités « métier » de SOS </a:t>
-            </a:r>
-            <a:r>
-              <a:rPr lang="fr-FR" sz="1200" dirty="0" err="1">
-                <a:latin typeface="Book Antiqua" panose="02040602050305030304" pitchFamily="18" charset="0"/>
-                <a:ea typeface="Calibri" panose="020F0502020204030204" pitchFamily="34" charset="0"/>
-                <a:cs typeface="Times New Roman" panose="02020603050405020304" pitchFamily="18" charset="0"/>
-              </a:rPr>
-              <a:t>Immo</a:t>
-            </a:r>
-            <a:r>
-              <a:rPr lang="fr-FR" sz="1200" dirty="0">
-                <a:latin typeface="Book Antiqua" panose="02040602050305030304" pitchFamily="18" charset="0"/>
-                <a:ea typeface="Calibri" panose="020F0502020204030204" pitchFamily="34" charset="0"/>
-                <a:cs typeface="Times New Roman" panose="02020603050405020304" pitchFamily="18" charset="0"/>
-              </a:rPr>
-              <a:t> sont opérationnelles.</a:t>
-            </a:r>
-          </a:p>
-          <a:p>
-            <a:pPr>
-              <a:lnSpc>
-                <a:spcPct val="107000"/>
-              </a:lnSpc>
-            </a:pPr>
-            <a:r>
-              <a:rPr lang="fr-FR" sz="1200" dirty="0">
-                <a:latin typeface="Book Antiqua" panose="02040602050305030304" pitchFamily="18" charset="0"/>
-                <a:ea typeface="Calibri" panose="020F0502020204030204" pitchFamily="34" charset="0"/>
-                <a:cs typeface="Times New Roman" panose="02020603050405020304" pitchFamily="18" charset="0"/>
-              </a:rPr>
-              <a:t>Le développement de la gestion des différentes tables de données sources est en cours.</a:t>
-            </a:r>
-          </a:p>
-          <a:p>
-            <a:pPr>
-              <a:lnSpc>
-                <a:spcPct val="107000"/>
-              </a:lnSpc>
-            </a:pPr>
-            <a:r>
-              <a:rPr lang="fr-FR" sz="1200" dirty="0">
-                <a:latin typeface="Book Antiqua" panose="02040602050305030304" pitchFamily="18" charset="0"/>
-                <a:ea typeface="Calibri" panose="020F0502020204030204" pitchFamily="34" charset="0"/>
-                <a:cs typeface="Times New Roman" panose="02020603050405020304" pitchFamily="18" charset="0"/>
-              </a:rPr>
-              <a:t>Elle reste totalement possible via </a:t>
-            </a:r>
-            <a:r>
-              <a:rPr lang="fr-FR" sz="1200" dirty="0" err="1">
-                <a:latin typeface="Book Antiqua" panose="02040602050305030304" pitchFamily="18" charset="0"/>
-                <a:ea typeface="Calibri" panose="020F0502020204030204" pitchFamily="34" charset="0"/>
-                <a:cs typeface="Times New Roman" panose="02020603050405020304" pitchFamily="18" charset="0"/>
-              </a:rPr>
-              <a:t>MySql</a:t>
-            </a:r>
-            <a:r>
-              <a:rPr lang="fr-FR" sz="1200" dirty="0">
-                <a:latin typeface="Book Antiqua" panose="02040602050305030304" pitchFamily="18" charset="0"/>
-                <a:ea typeface="Calibri" panose="020F0502020204030204" pitchFamily="34" charset="0"/>
-                <a:cs typeface="Times New Roman" panose="02020603050405020304" pitchFamily="18" charset="0"/>
-              </a:rPr>
-              <a:t>.</a:t>
-            </a:r>
-          </a:p>
-          <a:p>
-            <a:pPr>
-              <a:lnSpc>
-                <a:spcPct val="107000"/>
-              </a:lnSpc>
-            </a:pPr>
-            <a:r>
-              <a:rPr lang="fr-FR" sz="1200" dirty="0">
-                <a:latin typeface="Book Antiqua" panose="02040602050305030304" pitchFamily="18" charset="0"/>
-                <a:ea typeface="Calibri" panose="020F0502020204030204" pitchFamily="34" charset="0"/>
-                <a:cs typeface="Times New Roman" panose="02020603050405020304" pitchFamily="18" charset="0"/>
-              </a:rPr>
-              <a:t>La partie « statistiques/KPI » reste à développer.</a:t>
-            </a:r>
-          </a:p>
-          <a:p>
-            <a:pPr>
-              <a:lnSpc>
-                <a:spcPct val="107000"/>
-              </a:lnSpc>
-            </a:pPr>
-            <a:endParaRPr lang="fr-FR" sz="1200" dirty="0">
-              <a:latin typeface="Book Antiqua" panose="02040602050305030304" pitchFamily="18" charset="0"/>
-              <a:ea typeface="Calibri" panose="020F0502020204030204" pitchFamily="34" charset="0"/>
-              <a:cs typeface="Times New Roman" panose="02020603050405020304" pitchFamily="18" charset="0"/>
-            </a:endParaRPr>
-          </a:p>
-          <a:p>
-            <a:pPr>
-              <a:lnSpc>
-                <a:spcPct val="107000"/>
-              </a:lnSpc>
-            </a:pPr>
-            <a:r>
-              <a:rPr lang="fr-FR" sz="1200" dirty="0">
-                <a:latin typeface="Book Antiqua" panose="02040602050305030304" pitchFamily="18" charset="0"/>
-                <a:ea typeface="Calibri" panose="020F0502020204030204" pitchFamily="34" charset="0"/>
-                <a:cs typeface="Times New Roman" panose="02020603050405020304" pitchFamily="18" charset="0"/>
-              </a:rPr>
-              <a:t>Grand merci à mon responsable, qui m’a fait confiance, et à toute l’équipe </a:t>
-            </a:r>
-            <a:r>
-              <a:rPr lang="fr-FR" sz="1200" dirty="0" err="1">
-                <a:latin typeface="Book Antiqua" panose="02040602050305030304" pitchFamily="18" charset="0"/>
-                <a:ea typeface="Calibri" panose="020F0502020204030204" pitchFamily="34" charset="0"/>
-                <a:cs typeface="Times New Roman" panose="02020603050405020304" pitchFamily="18" charset="0"/>
-              </a:rPr>
-              <a:t>FixedIncome</a:t>
-            </a:r>
-            <a:r>
-              <a:rPr lang="fr-FR" sz="1200" dirty="0">
-                <a:latin typeface="Book Antiqua" panose="02040602050305030304" pitchFamily="18" charset="0"/>
-                <a:ea typeface="Calibri" panose="020F0502020204030204" pitchFamily="34" charset="0"/>
-                <a:cs typeface="Times New Roman" panose="02020603050405020304" pitchFamily="18" charset="0"/>
-              </a:rPr>
-              <a:t> pour son soutient. Grace à eux, j’ai découvert que l’informatique c’est beaucoup de pédagogie et de patience.</a:t>
-            </a:r>
-          </a:p>
-          <a:p>
-            <a:pPr>
-              <a:lnSpc>
-                <a:spcPct val="107000"/>
-              </a:lnSpc>
-            </a:pPr>
-            <a:endParaRPr lang="fr-FR" sz="1200" dirty="0">
-              <a:latin typeface="Book Antiqua" panose="02040602050305030304" pitchFamily="18" charset="0"/>
-              <a:ea typeface="Calibri" panose="020F0502020204030204" pitchFamily="34" charset="0"/>
-              <a:cs typeface="Times New Roman" panose="02020603050405020304" pitchFamily="18" charset="0"/>
-            </a:endParaRPr>
-          </a:p>
-          <a:p>
-            <a:pPr>
-              <a:lnSpc>
-                <a:spcPct val="107000"/>
-              </a:lnSpc>
-            </a:pPr>
-            <a:r>
-              <a:rPr lang="fr-FR" sz="1200" dirty="0">
-                <a:latin typeface="Book Antiqua" panose="02040602050305030304" pitchFamily="18" charset="0"/>
-                <a:ea typeface="Calibri" panose="020F0502020204030204" pitchFamily="34" charset="0"/>
-                <a:cs typeface="Times New Roman" panose="02020603050405020304" pitchFamily="18" charset="0"/>
-              </a:rPr>
-              <a:t>Merci beaucoup également aux responsables du service immobilier de l’immeuble Basalte pour le temps qu’ils m’ont consacrés et dont l’aide m’a été très précieuse pour ce projet. Je connais depuis des années leur gentillesse et leur disponibilité, maintenant je leur dois la suite de ma carrière.</a:t>
-            </a:r>
-          </a:p>
-        </p:txBody>
-      </p:sp>
-      <p:sp>
-        <p:nvSpPr>
-          <p:cNvPr id="3" name="ZoneTexte 2">
-            <a:extLst>
-              <a:ext uri="{FF2B5EF4-FFF2-40B4-BE49-F238E27FC236}">
-                <a16:creationId xmlns:a16="http://schemas.microsoft.com/office/drawing/2014/main" id="{FA335489-D205-0077-A539-1ECDA2B9562E}"/>
-              </a:ext>
-            </a:extLst>
-          </p:cNvPr>
-          <p:cNvSpPr txBox="1"/>
+        </p:spPr>
+      </p:pic>
+      <p:pic>
+        <p:nvPicPr>
+          <p:cNvPr id="7" name="Image 6">
+            <a:extLst>
+              <a:ext uri="{FF2B5EF4-FFF2-40B4-BE49-F238E27FC236}">
+                <a16:creationId xmlns:a16="http://schemas.microsoft.com/office/drawing/2014/main" id="{BBE78B0F-867F-4ECB-A437-381017ECF6FE}"/>
+              </a:ext>
+            </a:extLst>
+          </p:cNvPr>
+          <p:cNvPicPr>
+            <a:picLocks noChangeAspect="1"/>
+          </p:cNvPicPr>
           <p:nvPr/>
-        </p:nvSpPr>
-        <p:spPr>
-          <a:xfrm>
-            <a:off x="1417379" y="2006600"/>
-            <a:ext cx="7581900" cy="1468222"/>
+        </p:nvPicPr>
+        <p:blipFill>
+          <a:blip r:embed="rId3"/>
+          <a:stretch>
+            <a:fillRect/>
+          </a:stretch>
+        </p:blipFill>
+        <p:spPr>
+          <a:xfrm>
+            <a:off x="5819510" y="3429000"/>
+            <a:ext cx="2768508" cy="1795575"/>
           </a:xfrm>
           <a:prstGeom prst="rect">
             <a:avLst/>
           </a:prstGeom>
-          <a:noFill/>
-        </p:spPr>
-        <p:txBody>
-          <a:bodyPr wrap="square">
-            <a:spAutoFit/>
-          </a:bodyPr>
-          <a:lstStyle/>
-          <a:p>
-            <a:pPr>
-              <a:lnSpc>
-                <a:spcPct val="107000"/>
-              </a:lnSpc>
-            </a:pPr>
-            <a:r>
-              <a:rPr lang="fr-FR" sz="1200" dirty="0">
-                <a:latin typeface="Book Antiqua" panose="02040602050305030304" pitchFamily="18" charset="0"/>
-                <a:ea typeface="Calibri" panose="020F0502020204030204" pitchFamily="34" charset="0"/>
-                <a:cs typeface="Times New Roman" panose="02020603050405020304" pitchFamily="18" charset="0"/>
-              </a:rPr>
-              <a:t>Je savais faire</a:t>
-            </a:r>
-          </a:p>
-          <a:p>
-            <a:pPr>
-              <a:lnSpc>
-                <a:spcPct val="107000"/>
-              </a:lnSpc>
-            </a:pPr>
-            <a:r>
-              <a:rPr lang="fr-FR" sz="1200" dirty="0">
-                <a:latin typeface="Book Antiqua" panose="02040602050305030304" pitchFamily="18" charset="0"/>
-                <a:ea typeface="Calibri" panose="020F0502020204030204" pitchFamily="34" charset="0"/>
-                <a:cs typeface="Times New Roman" panose="02020603050405020304" pitchFamily="18" charset="0"/>
-              </a:rPr>
-              <a:t>Je savais pas</a:t>
-            </a:r>
-          </a:p>
-          <a:p>
-            <a:pPr>
-              <a:lnSpc>
-                <a:spcPct val="107000"/>
-              </a:lnSpc>
-            </a:pPr>
-            <a:r>
-              <a:rPr lang="fr-FR" sz="1200" dirty="0">
-                <a:latin typeface="Book Antiqua" panose="02040602050305030304" pitchFamily="18" charset="0"/>
-                <a:ea typeface="Calibri" panose="020F0502020204030204" pitchFamily="34" charset="0"/>
-                <a:cs typeface="Times New Roman" panose="02020603050405020304" pitchFamily="18" charset="0"/>
-              </a:rPr>
-              <a:t>J’ai appris</a:t>
-            </a:r>
-          </a:p>
-          <a:p>
-            <a:pPr>
-              <a:lnSpc>
-                <a:spcPct val="107000"/>
-              </a:lnSpc>
-            </a:pPr>
-            <a:r>
-              <a:rPr lang="fr-FR" sz="1200" dirty="0">
-                <a:latin typeface="Book Antiqua" panose="02040602050305030304" pitchFamily="18" charset="0"/>
-                <a:ea typeface="Calibri" panose="020F0502020204030204" pitchFamily="34" charset="0"/>
-                <a:cs typeface="Times New Roman" panose="02020603050405020304" pitchFamily="18" charset="0"/>
-              </a:rPr>
-              <a:t>Il me reste à apprendre</a:t>
-            </a:r>
-          </a:p>
-          <a:p>
-            <a:pPr>
-              <a:lnSpc>
-                <a:spcPct val="107000"/>
-              </a:lnSpc>
-            </a:pPr>
-            <a:endParaRPr lang="fr-FR" sz="1200" dirty="0">
-              <a:latin typeface="Book Antiqua" panose="02040602050305030304" pitchFamily="18" charset="0"/>
-              <a:ea typeface="Calibri" panose="020F0502020204030204" pitchFamily="34" charset="0"/>
-              <a:cs typeface="Times New Roman" panose="02020603050405020304" pitchFamily="18" charset="0"/>
-            </a:endParaRPr>
-          </a:p>
-          <a:p>
-            <a:pPr>
-              <a:lnSpc>
-                <a:spcPct val="107000"/>
-              </a:lnSpc>
-            </a:pPr>
-            <a:r>
-              <a:rPr lang="fr-FR" sz="1200" dirty="0">
-                <a:latin typeface="Book Antiqua" panose="02040602050305030304" pitchFamily="18" charset="0"/>
-                <a:ea typeface="Calibri" panose="020F0502020204030204" pitchFamily="34" charset="0"/>
-                <a:cs typeface="Times New Roman" panose="02020603050405020304" pitchFamily="18" charset="0"/>
-              </a:rPr>
-              <a:t>J’ai joué tous les rôles (po, </a:t>
-            </a:r>
-            <a:r>
-              <a:rPr lang="fr-FR" sz="1200" dirty="0" err="1">
-                <a:latin typeface="Book Antiqua" panose="02040602050305030304" pitchFamily="18" charset="0"/>
-                <a:ea typeface="Calibri" panose="020F0502020204030204" pitchFamily="34" charset="0"/>
-                <a:cs typeface="Times New Roman" panose="02020603050405020304" pitchFamily="18" charset="0"/>
-              </a:rPr>
-              <a:t>scrum</a:t>
-            </a:r>
-            <a:r>
-              <a:rPr lang="fr-FR" sz="1200" dirty="0">
-                <a:latin typeface="Book Antiqua" panose="02040602050305030304" pitchFamily="18" charset="0"/>
-                <a:ea typeface="Calibri" panose="020F0502020204030204" pitchFamily="34" charset="0"/>
-                <a:cs typeface="Times New Roman" panose="02020603050405020304" pitchFamily="18" charset="0"/>
-              </a:rPr>
-              <a:t>, </a:t>
-            </a:r>
-            <a:r>
-              <a:rPr lang="fr-FR" sz="1200" dirty="0" err="1">
-                <a:latin typeface="Book Antiqua" panose="02040602050305030304" pitchFamily="18" charset="0"/>
-                <a:ea typeface="Calibri" panose="020F0502020204030204" pitchFamily="34" charset="0"/>
-                <a:cs typeface="Times New Roman" panose="02020603050405020304" pitchFamily="18" charset="0"/>
-              </a:rPr>
-              <a:t>devl</a:t>
-            </a:r>
-            <a:endParaRPr lang="fr-FR" sz="1200" dirty="0">
-              <a:latin typeface="Book Antiqua" panose="02040602050305030304" pitchFamily="18" charset="0"/>
-              <a:ea typeface="Calibri" panose="020F0502020204030204" pitchFamily="34" charset="0"/>
-              <a:cs typeface="Times New Roman" panose="02020603050405020304" pitchFamily="18" charset="0"/>
-            </a:endParaRPr>
-          </a:p>
-          <a:p>
-            <a:pPr>
-              <a:lnSpc>
-                <a:spcPct val="107000"/>
-              </a:lnSpc>
-            </a:pPr>
-            <a:r>
-              <a:rPr lang="fr-FR" sz="1200" dirty="0">
-                <a:latin typeface="Book Antiqua" panose="02040602050305030304" pitchFamily="18" charset="0"/>
-                <a:ea typeface="Calibri" panose="020F0502020204030204" pitchFamily="34" charset="0"/>
-                <a:cs typeface="Times New Roman" panose="02020603050405020304" pitchFamily="18" charset="0"/>
-              </a:rPr>
-              <a:t>Compétence techniques et organisationnelles</a:t>
-            </a:r>
-          </a:p>
-        </p:txBody>
-      </p:sp>
+        </p:spPr>
+      </p:pic>
     </p:spTree>
     <p:extLst>
       <p:ext uri="{BB962C8B-B14F-4D97-AF65-F5344CB8AC3E}">
@@ -8070,10 +7941,10 @@
       </p:sp>
       <p:pic>
         <p:nvPicPr>
-          <p:cNvPr id="7" name="Image 6">
-            <a:extLst>
-              <a:ext uri="{FF2B5EF4-FFF2-40B4-BE49-F238E27FC236}">
-                <a16:creationId xmlns:a16="http://schemas.microsoft.com/office/drawing/2014/main" id="{D9C1F099-0162-3C01-8F9F-000473AA0E9C}"/>
+          <p:cNvPr id="4" name="Image 3">
+            <a:extLst>
+              <a:ext uri="{FF2B5EF4-FFF2-40B4-BE49-F238E27FC236}">
+                <a16:creationId xmlns:a16="http://schemas.microsoft.com/office/drawing/2014/main" id="{909A3ECB-D81E-4AB3-CA89-447F7D566887}"/>
               </a:ext>
             </a:extLst>
           </p:cNvPr>
@@ -8090,8 +7961,8 @@
         </p:blipFill>
         <p:spPr>
           <a:xfrm>
-            <a:off x="1032192" y="1750378"/>
-            <a:ext cx="3990975" cy="4391025"/>
+            <a:off x="1128712" y="2006600"/>
+            <a:ext cx="9934575" cy="3695700"/>
           </a:xfrm>
           <a:prstGeom prst="rect">
             <a:avLst/>

--- a/doc/présentation V2.pptx
+++ b/doc/présentation V2.pptx
@@ -18,11 +18,12 @@
     <p:sldId id="281" r:id="rId12"/>
     <p:sldId id="264" r:id="rId13"/>
     <p:sldId id="283" r:id="rId14"/>
-    <p:sldId id="282" r:id="rId15"/>
-    <p:sldId id="280" r:id="rId16"/>
-    <p:sldId id="274" r:id="rId17"/>
-    <p:sldId id="277" r:id="rId18"/>
-    <p:sldId id="276" r:id="rId19"/>
+    <p:sldId id="280" r:id="rId15"/>
+    <p:sldId id="285" r:id="rId16"/>
+    <p:sldId id="282" r:id="rId17"/>
+    <p:sldId id="274" r:id="rId18"/>
+    <p:sldId id="277" r:id="rId19"/>
+    <p:sldId id="276" r:id="rId20"/>
   </p:sldIdLst>
   <p:sldSz cx="12192000" cy="6858000"/>
   <p:notesSz cx="7315200" cy="9601200"/>
@@ -277,7 +278,7 @@
           <a:p>
             <a:fld id="{AA70F276-1833-4A75-9C1D-A56E2295A68D}" type="datetimeFigureOut">
               <a:rPr lang="en-US" smtClean="0"/>
-              <a:t>10/21/2022</a:t>
+              <a:t>10/24/2022</a:t>
             </a:fld>
             <a:endParaRPr lang="en-US"/>
           </a:p>
@@ -475,7 +476,7 @@
           <a:p>
             <a:fld id="{AA70F276-1833-4A75-9C1D-A56E2295A68D}" type="datetimeFigureOut">
               <a:rPr lang="en-US" smtClean="0"/>
-              <a:t>10/21/2022</a:t>
+              <a:t>10/24/2022</a:t>
             </a:fld>
             <a:endParaRPr lang="en-US"/>
           </a:p>
@@ -683,7 +684,7 @@
           <a:p>
             <a:fld id="{AA70F276-1833-4A75-9C1D-A56E2295A68D}" type="datetimeFigureOut">
               <a:rPr lang="en-US" smtClean="0"/>
-              <a:t>10/21/2022</a:t>
+              <a:t>10/24/2022</a:t>
             </a:fld>
             <a:endParaRPr lang="en-US"/>
           </a:p>
@@ -908,7 +909,7 @@
           <a:p>
             <a:fld id="{AA70F276-1833-4A75-9C1D-A56E2295A68D}" type="datetimeFigureOut">
               <a:rPr lang="en-US" smtClean="0"/>
-              <a:t>10/21/2022</a:t>
+              <a:t>10/24/2022</a:t>
             </a:fld>
             <a:endParaRPr lang="en-US"/>
           </a:p>
@@ -1184,7 +1185,7 @@
           <a:p>
             <a:fld id="{AA70F276-1833-4A75-9C1D-A56E2295A68D}" type="datetimeFigureOut">
               <a:rPr lang="en-US" smtClean="0"/>
-              <a:t>10/21/2022</a:t>
+              <a:t>10/24/2022</a:t>
             </a:fld>
             <a:endParaRPr lang="en-US"/>
           </a:p>
@@ -1454,7 +1455,7 @@
           <a:p>
             <a:fld id="{AA70F276-1833-4A75-9C1D-A56E2295A68D}" type="datetimeFigureOut">
               <a:rPr lang="en-US" smtClean="0"/>
-              <a:t>10/21/2022</a:t>
+              <a:t>10/24/2022</a:t>
             </a:fld>
             <a:endParaRPr lang="en-US"/>
           </a:p>
@@ -1866,7 +1867,7 @@
           <a:p>
             <a:fld id="{AA70F276-1833-4A75-9C1D-A56E2295A68D}" type="datetimeFigureOut">
               <a:rPr lang="en-US" smtClean="0"/>
-              <a:t>10/21/2022</a:t>
+              <a:t>10/24/2022</a:t>
             </a:fld>
             <a:endParaRPr lang="en-US"/>
           </a:p>
@@ -2007,7 +2008,7 @@
           <a:p>
             <a:fld id="{AA70F276-1833-4A75-9C1D-A56E2295A68D}" type="datetimeFigureOut">
               <a:rPr lang="en-US" smtClean="0"/>
-              <a:t>10/21/2022</a:t>
+              <a:t>10/24/2022</a:t>
             </a:fld>
             <a:endParaRPr lang="en-US"/>
           </a:p>
@@ -2120,7 +2121,7 @@
           <a:p>
             <a:fld id="{AA70F276-1833-4A75-9C1D-A56E2295A68D}" type="datetimeFigureOut">
               <a:rPr lang="en-US" smtClean="0"/>
-              <a:t>10/21/2022</a:t>
+              <a:t>10/24/2022</a:t>
             </a:fld>
             <a:endParaRPr lang="en-US"/>
           </a:p>
@@ -2431,7 +2432,7 @@
           <a:p>
             <a:fld id="{AA70F276-1833-4A75-9C1D-A56E2295A68D}" type="datetimeFigureOut">
               <a:rPr lang="en-US" smtClean="0"/>
-              <a:t>10/21/2022</a:t>
+              <a:t>10/24/2022</a:t>
             </a:fld>
             <a:endParaRPr lang="en-US"/>
           </a:p>
@@ -2722,7 +2723,7 @@
           <a:p>
             <a:fld id="{AA70F276-1833-4A75-9C1D-A56E2295A68D}" type="datetimeFigureOut">
               <a:rPr lang="en-US" smtClean="0"/>
-              <a:t>10/21/2022</a:t>
+              <a:t>10/24/2022</a:t>
             </a:fld>
             <a:endParaRPr lang="en-US"/>
           </a:p>
@@ -3030,7 +3031,7 @@
             <a:fld id="{AA70F276-1833-4A75-9C1D-A56E2295A68D}" type="datetimeFigureOut">
               <a:rPr lang="en-US" smtClean="0"/>
               <a:pPr/>
-              <a:t>10/21/2022</a:t>
+              <a:t>10/24/2022</a:t>
             </a:fld>
             <a:endParaRPr lang="en-US" dirty="0"/>
           </a:p>
@@ -4149,10 +4150,10 @@
       </p:sp>
       <p:pic>
         <p:nvPicPr>
-          <p:cNvPr id="4" name="Image 3">
-            <a:extLst>
-              <a:ext uri="{FF2B5EF4-FFF2-40B4-BE49-F238E27FC236}">
-                <a16:creationId xmlns:a16="http://schemas.microsoft.com/office/drawing/2014/main" id="{077A5A1B-373E-FE43-76A2-2A9489E713E9}"/>
+          <p:cNvPr id="5" name="Image 4">
+            <a:extLst>
+              <a:ext uri="{FF2B5EF4-FFF2-40B4-BE49-F238E27FC236}">
+                <a16:creationId xmlns:a16="http://schemas.microsoft.com/office/drawing/2014/main" id="{292521DB-92C4-5C22-B213-04EC79B936FA}"/>
               </a:ext>
             </a:extLst>
           </p:cNvPr>
@@ -4169,8 +4170,8 @@
         </p:blipFill>
         <p:spPr>
           <a:xfrm>
-            <a:off x="1799257" y="1591416"/>
-            <a:ext cx="8572500" cy="4324350"/>
+            <a:off x="2157424" y="1681162"/>
+            <a:ext cx="7411528" cy="3772581"/>
           </a:xfrm>
           <a:prstGeom prst="rect">
             <a:avLst/>
@@ -4265,7 +4266,7 @@
         <p:spPr>
           <a:xfrm>
             <a:off x="738538" y="1464416"/>
-            <a:ext cx="5470736" cy="3437784"/>
+            <a:ext cx="5268293" cy="3310570"/>
           </a:xfrm>
           <a:prstGeom prst="rect">
             <a:avLst/>
@@ -4294,8 +4295,8 @@
         </p:blipFill>
         <p:spPr>
           <a:xfrm>
-            <a:off x="6085507" y="2739178"/>
-            <a:ext cx="5268293" cy="3437784"/>
+            <a:off x="6085508" y="2611964"/>
+            <a:ext cx="5195708" cy="3390419"/>
           </a:xfrm>
           <a:prstGeom prst="rect">
             <a:avLst/>
@@ -4381,8 +4382,8 @@
         </p:nvSpPr>
         <p:spPr>
           <a:xfrm>
-            <a:off x="7863298" y="1339829"/>
-            <a:ext cx="2268414" cy="314189"/>
+            <a:off x="8314699" y="1499835"/>
+            <a:ext cx="1365611" cy="258725"/>
           </a:xfrm>
           <a:prstGeom prst="rect">
             <a:avLst/>
@@ -4404,7 +4405,7 @@
               </a:spcAft>
             </a:pPr>
             <a:r>
-              <a:rPr lang="fr-FR" sz="1400" dirty="0">
+              <a:rPr lang="fr-FR" sz="1050" dirty="0">
                 <a:latin typeface="Book Antiqua" panose="02040602050305030304" pitchFamily="18" charset="0"/>
                 <a:ea typeface="Calibri" panose="020F0502020204030204" pitchFamily="34" charset="0"/>
                 <a:cs typeface="Times New Roman" panose="02020603050405020304" pitchFamily="18" charset="0"/>
@@ -4680,17 +4681,17 @@
           <a:p>
             <a:r>
               <a:rPr lang="fr-FR" sz="4000" dirty="0"/>
-              <a:t>La sécurité – les données </a:t>
+              <a:t>La sécurité – utilisateur et mot de passe</a:t>
             </a:r>
           </a:p>
         </p:txBody>
       </p:sp>
       <p:pic>
         <p:nvPicPr>
-          <p:cNvPr id="4" name="Image 3">
-            <a:extLst>
-              <a:ext uri="{FF2B5EF4-FFF2-40B4-BE49-F238E27FC236}">
-                <a16:creationId xmlns:a16="http://schemas.microsoft.com/office/drawing/2014/main" id="{C1914AA3-704E-607C-1B1B-8AE4145EDA4C}"/>
+          <p:cNvPr id="7" name="Image 6">
+            <a:extLst>
+              <a:ext uri="{FF2B5EF4-FFF2-40B4-BE49-F238E27FC236}">
+                <a16:creationId xmlns:a16="http://schemas.microsoft.com/office/drawing/2014/main" id="{03156513-B8D6-4C5F-B6FE-2CC120ECC581}"/>
               </a:ext>
             </a:extLst>
           </p:cNvPr>
@@ -4707,8 +4708,8 @@
         </p:blipFill>
         <p:spPr>
           <a:xfrm>
-            <a:off x="8166100" y="1119187"/>
-            <a:ext cx="2448067" cy="1420813"/>
+            <a:off x="1881963" y="1859232"/>
+            <a:ext cx="8215426" cy="3839819"/>
           </a:xfrm>
           <a:prstGeom prst="rect">
             <a:avLst/>
@@ -4717,10 +4718,10 @@
       </p:pic>
       <p:sp>
         <p:nvSpPr>
-          <p:cNvPr id="5" name="ZoneTexte 4">
-            <a:extLst>
-              <a:ext uri="{FF2B5EF4-FFF2-40B4-BE49-F238E27FC236}">
-                <a16:creationId xmlns:a16="http://schemas.microsoft.com/office/drawing/2014/main" id="{0721D0CF-F9F7-F7A5-73D0-FE435617C040}"/>
+          <p:cNvPr id="8" name="ZoneTexte 7">
+            <a:extLst>
+              <a:ext uri="{FF2B5EF4-FFF2-40B4-BE49-F238E27FC236}">
+                <a16:creationId xmlns:a16="http://schemas.microsoft.com/office/drawing/2014/main" id="{195079EA-7582-887F-AD43-837D4907AFAD}"/>
               </a:ext>
             </a:extLst>
           </p:cNvPr>
@@ -4729,8 +4730,8 @@
         </p:nvSpPr>
         <p:spPr>
           <a:xfrm>
-            <a:off x="1193800" y="2200843"/>
-            <a:ext cx="6972300" cy="3383875"/>
+            <a:off x="2488018" y="2828066"/>
+            <a:ext cx="1679944" cy="600934"/>
           </a:xfrm>
           <a:prstGeom prst="rect">
             <a:avLst/>
@@ -4743,127 +4744,41 @@
           </a:bodyPr>
           <a:lstStyle/>
           <a:p>
-            <a:pPr marL="628650" lvl="1" indent="-171450">
-              <a:lnSpc>
-                <a:spcPct val="107000"/>
-              </a:lnSpc>
-              <a:spcBef>
-                <a:spcPts val="1000"/>
-              </a:spcBef>
-              <a:buFont typeface="Wingdings" panose="05000000000000000000" pitchFamily="2" charset="2"/>
-              <a:buChar char="Ø"/>
-            </a:pPr>
-            <a:r>
-              <a:rPr lang="fr-FR" dirty="0"/>
-              <a:t>UUID aléatoire comme la clé primaire pour les tables Utilisateurs et Habilitations.</a:t>
-            </a:r>
-          </a:p>
-          <a:p>
-            <a:pPr marL="628650" lvl="1" indent="-171450">
-              <a:lnSpc>
-                <a:spcPct val="107000"/>
-              </a:lnSpc>
-              <a:spcBef>
-                <a:spcPts val="1000"/>
-              </a:spcBef>
-              <a:buFont typeface="Wingdings" panose="05000000000000000000" pitchFamily="2" charset="2"/>
-              <a:buChar char="Ø"/>
-            </a:pPr>
-            <a:r>
-              <a:rPr lang="fr-FR" dirty="0"/>
-              <a:t>UUID absents de l’interface graphique.</a:t>
-            </a:r>
-          </a:p>
-          <a:p>
-            <a:pPr marL="628650" lvl="1" indent="-171450">
-              <a:lnSpc>
-                <a:spcPct val="107000"/>
-              </a:lnSpc>
-              <a:spcBef>
-                <a:spcPts val="1000"/>
-              </a:spcBef>
-              <a:buFont typeface="Wingdings" panose="05000000000000000000" pitchFamily="2" charset="2"/>
-              <a:buChar char="Ø"/>
-            </a:pPr>
-            <a:r>
-              <a:rPr lang="fr-FR" dirty="0"/>
-              <a:t>Identifiant et mail unique</a:t>
-            </a:r>
-          </a:p>
-          <a:p>
-            <a:pPr marL="628650" lvl="1" indent="-171450">
-              <a:lnSpc>
-                <a:spcPct val="107000"/>
-              </a:lnSpc>
-              <a:spcBef>
-                <a:spcPts val="1000"/>
-              </a:spcBef>
-              <a:buFont typeface="Wingdings" panose="05000000000000000000" pitchFamily="2" charset="2"/>
-              <a:buChar char="Ø"/>
-            </a:pPr>
-            <a:r>
-              <a:rPr lang="fr-FR" dirty="0" err="1"/>
-              <a:t>Hashage</a:t>
-            </a:r>
-            <a:r>
-              <a:rPr lang="fr-FR" dirty="0"/>
-              <a:t> du mot de passe (salé avec l’identifiant unique).</a:t>
-            </a:r>
-          </a:p>
-          <a:p>
-            <a:pPr marL="628650" lvl="1" indent="-171450">
-              <a:lnSpc>
-                <a:spcPct val="107000"/>
-              </a:lnSpc>
-              <a:spcBef>
-                <a:spcPts val="1000"/>
-              </a:spcBef>
-              <a:buFont typeface="Wingdings" panose="05000000000000000000" pitchFamily="2" charset="2"/>
-              <a:buChar char="Ø"/>
-            </a:pPr>
-            <a:r>
-              <a:rPr lang="fr-FR" dirty="0"/>
-              <a:t>Restriction d’accès suivant les profils.</a:t>
-            </a:r>
-          </a:p>
-          <a:p>
-            <a:pPr marL="628650" lvl="1" indent="-171450">
-              <a:lnSpc>
-                <a:spcPct val="107000"/>
-              </a:lnSpc>
-              <a:spcBef>
-                <a:spcPts val="1000"/>
-              </a:spcBef>
-              <a:buFont typeface="Wingdings" panose="05000000000000000000" pitchFamily="2" charset="2"/>
-              <a:buChar char="Ø"/>
-            </a:pPr>
-            <a:r>
-              <a:rPr lang="fr-FR" dirty="0"/>
-              <a:t>Utilisation d’un ORM pour la communication back/base de données afin d’éviter l’injection </a:t>
-            </a:r>
-            <a:r>
-              <a:rPr lang="fr-FR" dirty="0" err="1"/>
-              <a:t>Sql</a:t>
-            </a:r>
-            <a:r>
-              <a:rPr lang="fr-FR" dirty="0"/>
-              <a:t>.</a:t>
-            </a:r>
-          </a:p>
-          <a:p>
-            <a:pPr>
+            <a:pPr algn="r">
               <a:lnSpc>
                 <a:spcPct val="107000"/>
               </a:lnSpc>
             </a:pPr>
-            <a:endParaRPr lang="fr-FR" dirty="0"/>
+            <a:r>
+              <a:rPr lang="fr-CA" sz="1050" dirty="0">
+                <a:solidFill>
+                  <a:schemeClr val="accent5">
+                    <a:lumMod val="75000"/>
+                  </a:schemeClr>
+                </a:solidFill>
+                <a:latin typeface="Arial" panose="020B0604020202020204" pitchFamily="34" charset="0"/>
+                <a:ea typeface="Calibri" panose="020F0502020204030204" pitchFamily="34" charset="0"/>
+                <a:cs typeface="Arial" panose="020B0604020202020204" pitchFamily="34" charset="0"/>
+              </a:rPr>
+              <a:t>Mot de passe connu uniquement de l’utilisateur.</a:t>
+            </a:r>
+            <a:endParaRPr lang="fr-FR" sz="1050" dirty="0">
+              <a:solidFill>
+                <a:schemeClr val="accent5">
+                  <a:lumMod val="75000"/>
+                </a:schemeClr>
+              </a:solidFill>
+              <a:latin typeface="Arial" panose="020B0604020202020204" pitchFamily="34" charset="0"/>
+              <a:ea typeface="Calibri" panose="020F0502020204030204" pitchFamily="34" charset="0"/>
+              <a:cs typeface="Arial" panose="020B0604020202020204" pitchFamily="34" charset="0"/>
+            </a:endParaRPr>
           </a:p>
         </p:txBody>
       </p:sp>
     </p:spTree>
     <p:extLst>
       <p:ext uri="{BB962C8B-B14F-4D97-AF65-F5344CB8AC3E}">
-        <p14:creationId xmlns:p14="http://schemas.microsoft.com/office/powerpoint/2010/main" val="3922459309"/>
+        <p14:creationId xmlns:p14="http://schemas.microsoft.com/office/powerpoint/2010/main" val="514767551"/>
       </p:ext>
     </p:extLst>
   </p:cSld>
@@ -4890,42 +4805,12 @@
           <a:chExt cx="0" cy="0"/>
         </a:xfrm>
       </p:grpSpPr>
-      <p:sp>
-        <p:nvSpPr>
-          <p:cNvPr id="2" name="Titre 1">
-            <a:extLst>
-              <a:ext uri="{FF2B5EF4-FFF2-40B4-BE49-F238E27FC236}">
-                <a16:creationId xmlns:a16="http://schemas.microsoft.com/office/drawing/2014/main" id="{099E2E77-954A-DD7C-99BF-B9521D1A2115}"/>
-              </a:ext>
-            </a:extLst>
-          </p:cNvPr>
-          <p:cNvSpPr>
-            <a:spLocks noGrp="1"/>
-          </p:cNvSpPr>
-          <p:nvPr>
-            <p:ph type="title"/>
-          </p:nvPr>
-        </p:nvSpPr>
-        <p:spPr/>
-        <p:txBody>
-          <a:bodyPr>
-            <a:normAutofit/>
-          </a:bodyPr>
-          <a:lstStyle/>
-          <a:p>
-            <a:r>
-              <a:rPr lang="fr-FR" sz="4000" dirty="0"/>
-              <a:t>La sécurité - authentification</a:t>
-            </a:r>
-          </a:p>
-        </p:txBody>
-      </p:sp>
       <p:pic>
         <p:nvPicPr>
-          <p:cNvPr id="6" name="Image 5">
-            <a:extLst>
-              <a:ext uri="{FF2B5EF4-FFF2-40B4-BE49-F238E27FC236}">
-                <a16:creationId xmlns:a16="http://schemas.microsoft.com/office/drawing/2014/main" id="{9F86CBC6-A159-9285-A4D7-E5CA3E5BEEDF}"/>
+          <p:cNvPr id="3" name="Image 2">
+            <a:extLst>
+              <a:ext uri="{FF2B5EF4-FFF2-40B4-BE49-F238E27FC236}">
+                <a16:creationId xmlns:a16="http://schemas.microsoft.com/office/drawing/2014/main" id="{BA68CBA7-2E8D-A210-6D97-0BDA4B1AB463}"/>
               </a:ext>
             </a:extLst>
           </p:cNvPr>
@@ -4942,8 +4827,99 @@
         </p:blipFill>
         <p:spPr>
           <a:xfrm>
-            <a:off x="7494181" y="3882933"/>
-            <a:ext cx="2933760" cy="2294030"/>
+            <a:off x="793104" y="1641098"/>
+            <a:ext cx="3148048" cy="2035863"/>
+          </a:xfrm>
+          <a:prstGeom prst="rect">
+            <a:avLst/>
+          </a:prstGeom>
+          <a:ln>
+            <a:gradFill>
+              <a:gsLst>
+                <a:gs pos="0">
+                  <a:schemeClr val="accent1">
+                    <a:lumMod val="5000"/>
+                    <a:lumOff val="95000"/>
+                  </a:schemeClr>
+                </a:gs>
+                <a:gs pos="74000">
+                  <a:schemeClr val="accent1">
+                    <a:lumMod val="45000"/>
+                    <a:lumOff val="55000"/>
+                  </a:schemeClr>
+                </a:gs>
+                <a:gs pos="83000">
+                  <a:schemeClr val="accent1">
+                    <a:lumMod val="45000"/>
+                    <a:lumOff val="55000"/>
+                  </a:schemeClr>
+                </a:gs>
+                <a:gs pos="100000">
+                  <a:schemeClr val="accent1">
+                    <a:lumMod val="30000"/>
+                    <a:lumOff val="70000"/>
+                  </a:schemeClr>
+                </a:gs>
+              </a:gsLst>
+              <a:lin ang="5400000" scaled="1"/>
+            </a:gradFill>
+          </a:ln>
+        </p:spPr>
+      </p:pic>
+      <p:sp>
+        <p:nvSpPr>
+          <p:cNvPr id="2" name="Titre 1">
+            <a:extLst>
+              <a:ext uri="{FF2B5EF4-FFF2-40B4-BE49-F238E27FC236}">
+                <a16:creationId xmlns:a16="http://schemas.microsoft.com/office/drawing/2014/main" id="{099E2E77-954A-DD7C-99BF-B9521D1A2115}"/>
+              </a:ext>
+            </a:extLst>
+          </p:cNvPr>
+          <p:cNvSpPr>
+            <a:spLocks noGrp="1"/>
+          </p:cNvSpPr>
+          <p:nvPr>
+            <p:ph type="title"/>
+          </p:nvPr>
+        </p:nvSpPr>
+        <p:spPr/>
+        <p:txBody>
+          <a:bodyPr>
+            <a:normAutofit/>
+          </a:bodyPr>
+          <a:lstStyle/>
+          <a:p>
+            <a:r>
+              <a:rPr lang="fr-FR" sz="4000" dirty="0"/>
+              <a:t>La sécurité - authentification</a:t>
+            </a:r>
+          </a:p>
+        </p:txBody>
+      </p:sp>
+      <p:pic>
+        <p:nvPicPr>
+          <p:cNvPr id="6" name="Image 5">
+            <a:extLst>
+              <a:ext uri="{FF2B5EF4-FFF2-40B4-BE49-F238E27FC236}">
+                <a16:creationId xmlns:a16="http://schemas.microsoft.com/office/drawing/2014/main" id="{9F86CBC6-A159-9285-A4D7-E5CA3E5BEEDF}"/>
+              </a:ext>
+            </a:extLst>
+          </p:cNvPr>
+          <p:cNvPicPr>
+            <a:picLocks noChangeAspect="1"/>
+          </p:cNvPicPr>
+          <p:nvPr/>
+        </p:nvPicPr>
+        <p:blipFill>
+          <a:blip r:embed="rId3"/>
+          <a:stretch>
+            <a:fillRect/>
+          </a:stretch>
+        </p:blipFill>
+        <p:spPr>
+          <a:xfrm>
+            <a:off x="2743200" y="3409598"/>
+            <a:ext cx="3487389" cy="2726936"/>
           </a:xfrm>
           <a:prstGeom prst="rect">
             <a:avLst/>
@@ -4996,15 +4972,15 @@
           <p:nvPr/>
         </p:nvPicPr>
         <p:blipFill>
-          <a:blip r:embed="rId3"/>
+          <a:blip r:embed="rId4"/>
           <a:stretch>
             <a:fillRect/>
           </a:stretch>
         </p:blipFill>
         <p:spPr>
           <a:xfrm>
-            <a:off x="919674" y="2481698"/>
-            <a:ext cx="4752116" cy="2711257"/>
+            <a:off x="6454982" y="1856272"/>
+            <a:ext cx="4304112" cy="2455654"/>
           </a:xfrm>
           <a:prstGeom prst="rect">
             <a:avLst/>
@@ -5044,10 +5020,10 @@
       </p:pic>
       <p:sp>
         <p:nvSpPr>
-          <p:cNvPr id="11" name="ZoneTexte 10">
-            <a:extLst>
-              <a:ext uri="{FF2B5EF4-FFF2-40B4-BE49-F238E27FC236}">
-                <a16:creationId xmlns:a16="http://schemas.microsoft.com/office/drawing/2014/main" id="{96645DFB-9AE8-57E2-BC05-25E97E36D3E6}"/>
+          <p:cNvPr id="12" name="ZoneTexte 11">
+            <a:extLst>
+              <a:ext uri="{FF2B5EF4-FFF2-40B4-BE49-F238E27FC236}">
+                <a16:creationId xmlns:a16="http://schemas.microsoft.com/office/drawing/2014/main" id="{9DA1F4EE-56C3-275C-65E8-BE23C6BDAF7C}"/>
               </a:ext>
             </a:extLst>
           </p:cNvPr>
@@ -5056,8 +5032,8 @@
         </p:nvSpPr>
         <p:spPr>
           <a:xfrm>
-            <a:off x="5894131" y="4524816"/>
-            <a:ext cx="2332807" cy="431593"/>
+            <a:off x="6454983" y="4459308"/>
+            <a:ext cx="4304112" cy="530210"/>
           </a:xfrm>
           <a:prstGeom prst="rect">
             <a:avLst/>
@@ -5070,65 +5046,6 @@
           </a:bodyPr>
           <a:lstStyle/>
           <a:p>
-            <a:pPr algn="r">
-              <a:lnSpc>
-                <a:spcPct val="107000"/>
-              </a:lnSpc>
-            </a:pPr>
-            <a:r>
-              <a:rPr lang="fr-FR" sz="1050" dirty="0">
-                <a:latin typeface="Book Antiqua" panose="02040602050305030304" pitchFamily="18" charset="0"/>
-                <a:ea typeface="Calibri" panose="020F0502020204030204" pitchFamily="34" charset="0"/>
-                <a:cs typeface="Times New Roman" panose="02020603050405020304" pitchFamily="18" charset="0"/>
-              </a:rPr>
-              <a:t>Renvoie de l’identifiant par mail.</a:t>
-            </a:r>
-          </a:p>
-          <a:p>
-            <a:pPr algn="r">
-              <a:lnSpc>
-                <a:spcPct val="107000"/>
-              </a:lnSpc>
-            </a:pPr>
-            <a:r>
-              <a:rPr lang="fr-FR" sz="1050" dirty="0">
-                <a:latin typeface="Book Antiqua" panose="02040602050305030304" pitchFamily="18" charset="0"/>
-                <a:ea typeface="Calibri" panose="020F0502020204030204" pitchFamily="34" charset="0"/>
-                <a:cs typeface="Times New Roman" panose="02020603050405020304" pitchFamily="18" charset="0"/>
-              </a:rPr>
-              <a:t>Nouveau mot de passe aléatoire.</a:t>
-            </a:r>
-          </a:p>
-        </p:txBody>
-      </p:sp>
-      <p:sp>
-        <p:nvSpPr>
-          <p:cNvPr id="12" name="ZoneTexte 11">
-            <a:extLst>
-              <a:ext uri="{FF2B5EF4-FFF2-40B4-BE49-F238E27FC236}">
-                <a16:creationId xmlns:a16="http://schemas.microsoft.com/office/drawing/2014/main" id="{9DA1F4EE-56C3-275C-65E8-BE23C6BDAF7C}"/>
-              </a:ext>
-            </a:extLst>
-          </p:cNvPr>
-          <p:cNvSpPr txBox="1"/>
-          <p:nvPr/>
-        </p:nvSpPr>
-        <p:spPr>
-          <a:xfrm>
-            <a:off x="1149351" y="5192955"/>
-            <a:ext cx="4413250" cy="530210"/>
-          </a:xfrm>
-          <a:prstGeom prst="rect">
-            <a:avLst/>
-          </a:prstGeom>
-          <a:noFill/>
-        </p:spPr>
-        <p:txBody>
-          <a:bodyPr wrap="square">
-            <a:spAutoFit/>
-          </a:bodyPr>
-          <a:lstStyle/>
-          <a:p>
             <a:pPr algn="ctr">
               <a:lnSpc>
                 <a:spcPct val="107000"/>
@@ -5172,115 +5089,10 @@
           </a:p>
         </p:txBody>
       </p:sp>
-      <p:pic>
-        <p:nvPicPr>
-          <p:cNvPr id="3" name="Image 2">
-            <a:extLst>
-              <a:ext uri="{FF2B5EF4-FFF2-40B4-BE49-F238E27FC236}">
-                <a16:creationId xmlns:a16="http://schemas.microsoft.com/office/drawing/2014/main" id="{BA68CBA7-2E8D-A210-6D97-0BDA4B1AB463}"/>
-              </a:ext>
-            </a:extLst>
-          </p:cNvPr>
-          <p:cNvPicPr>
-            <a:picLocks noChangeAspect="1"/>
-          </p:cNvPicPr>
-          <p:nvPr/>
-        </p:nvPicPr>
-        <p:blipFill>
-          <a:blip r:embed="rId4"/>
-          <a:stretch>
-            <a:fillRect/>
-          </a:stretch>
-        </p:blipFill>
-        <p:spPr>
-          <a:xfrm>
-            <a:off x="7494181" y="1531501"/>
-            <a:ext cx="3148048" cy="2035863"/>
-          </a:xfrm>
-          <a:prstGeom prst="rect">
-            <a:avLst/>
-          </a:prstGeom>
-          <a:ln>
-            <a:gradFill>
-              <a:gsLst>
-                <a:gs pos="0">
-                  <a:schemeClr val="accent1">
-                    <a:lumMod val="5000"/>
-                    <a:lumOff val="95000"/>
-                  </a:schemeClr>
-                </a:gs>
-                <a:gs pos="74000">
-                  <a:schemeClr val="accent1">
-                    <a:lumMod val="45000"/>
-                    <a:lumOff val="55000"/>
-                  </a:schemeClr>
-                </a:gs>
-                <a:gs pos="83000">
-                  <a:schemeClr val="accent1">
-                    <a:lumMod val="45000"/>
-                    <a:lumOff val="55000"/>
-                  </a:schemeClr>
-                </a:gs>
-                <a:gs pos="100000">
-                  <a:schemeClr val="accent1">
-                    <a:lumMod val="30000"/>
-                    <a:lumOff val="70000"/>
-                  </a:schemeClr>
-                </a:gs>
-              </a:gsLst>
-              <a:lin ang="5400000" scaled="1"/>
-            </a:gradFill>
-          </a:ln>
-        </p:spPr>
-      </p:pic>
-      <p:sp>
-        <p:nvSpPr>
-          <p:cNvPr id="4" name="ZoneTexte 3">
-            <a:extLst>
-              <a:ext uri="{FF2B5EF4-FFF2-40B4-BE49-F238E27FC236}">
-                <a16:creationId xmlns:a16="http://schemas.microsoft.com/office/drawing/2014/main" id="{E50F26ED-B0D3-DA4F-3474-66174E293D32}"/>
-              </a:ext>
-            </a:extLst>
-          </p:cNvPr>
-          <p:cNvSpPr txBox="1"/>
-          <p:nvPr/>
-        </p:nvSpPr>
-        <p:spPr>
-          <a:xfrm>
-            <a:off x="1992520" y="2069144"/>
-            <a:ext cx="5214582" cy="258725"/>
-          </a:xfrm>
-          <a:prstGeom prst="rect">
-            <a:avLst/>
-          </a:prstGeom>
-          <a:noFill/>
-        </p:spPr>
-        <p:txBody>
-          <a:bodyPr wrap="square">
-            <a:spAutoFit/>
-          </a:bodyPr>
-          <a:lstStyle/>
-          <a:p>
-            <a:pPr algn="r">
-              <a:lnSpc>
-                <a:spcPct val="107000"/>
-              </a:lnSpc>
-            </a:pPr>
-            <a:r>
-              <a:rPr lang="fr-FR" sz="1050" dirty="0">
-                <a:latin typeface="Book Antiqua" panose="02040602050305030304" pitchFamily="18" charset="0"/>
-                <a:ea typeface="Calibri" panose="020F0502020204030204" pitchFamily="34" charset="0"/>
-                <a:cs typeface="Times New Roman" panose="02020603050405020304" pitchFamily="18" charset="0"/>
-              </a:rPr>
-              <a:t>Identifiant et son mot de passe communiqués par mail à la création du compte.</a:t>
-            </a:r>
-          </a:p>
-        </p:txBody>
-      </p:sp>
     </p:spTree>
     <p:extLst>
       <p:ext uri="{BB962C8B-B14F-4D97-AF65-F5344CB8AC3E}">
-        <p14:creationId xmlns:p14="http://schemas.microsoft.com/office/powerpoint/2010/main" val="514767551"/>
+        <p14:creationId xmlns:p14="http://schemas.microsoft.com/office/powerpoint/2010/main" val="2558742081"/>
       </p:ext>
     </p:extLst>
   </p:cSld>
@@ -5332,453 +5144,17 @@
           <a:p>
             <a:r>
               <a:rPr lang="fr-FR" sz="4000" dirty="0"/>
-              <a:t>La sécurité – cookie de session</a:t>
-            </a:r>
-          </a:p>
-        </p:txBody>
-      </p:sp>
-      <p:sp>
-        <p:nvSpPr>
-          <p:cNvPr id="9" name="ZoneTexte 8">
-            <a:extLst>
-              <a:ext uri="{FF2B5EF4-FFF2-40B4-BE49-F238E27FC236}">
-                <a16:creationId xmlns:a16="http://schemas.microsoft.com/office/drawing/2014/main" id="{BC23ED4F-C6A3-6A63-6E53-A21EC4FABCD5}"/>
-              </a:ext>
-            </a:extLst>
-          </p:cNvPr>
-          <p:cNvSpPr txBox="1"/>
-          <p:nvPr/>
-        </p:nvSpPr>
-        <p:spPr>
-          <a:xfrm>
-            <a:off x="1347063" y="2006600"/>
-            <a:ext cx="7581900" cy="3771866"/>
-          </a:xfrm>
-          <a:prstGeom prst="rect">
-            <a:avLst/>
-          </a:prstGeom>
-          <a:noFill/>
-        </p:spPr>
-        <p:txBody>
-          <a:bodyPr wrap="square">
-            <a:spAutoFit/>
-          </a:bodyPr>
-          <a:lstStyle/>
-          <a:p>
-            <a:pPr>
-              <a:lnSpc>
-                <a:spcPct val="107000"/>
-              </a:lnSpc>
-            </a:pPr>
-            <a:r>
-              <a:rPr lang="fr-FR" sz="1400" dirty="0">
-                <a:latin typeface="Book Antiqua" panose="02040602050305030304" pitchFamily="18" charset="0"/>
-                <a:ea typeface="Calibri" panose="020F0502020204030204" pitchFamily="34" charset="0"/>
-                <a:cs typeface="Times New Roman" panose="02020603050405020304" pitchFamily="18" charset="0"/>
-              </a:rPr>
-              <a:t>Données collectées lors de l’authentification.</a:t>
-            </a:r>
-          </a:p>
-          <a:p>
-            <a:pPr marL="628650" lvl="1" indent="-171450">
-              <a:lnSpc>
-                <a:spcPct val="107000"/>
-              </a:lnSpc>
-              <a:buFont typeface="Wingdings" panose="05000000000000000000" pitchFamily="2" charset="2"/>
-              <a:buChar char="Ø"/>
-            </a:pPr>
-            <a:r>
-              <a:rPr lang="fr-FR" sz="1400" u="sng" dirty="0" err="1">
-                <a:latin typeface="Book Antiqua" panose="02040602050305030304" pitchFamily="18" charset="0"/>
-                <a:ea typeface="Calibri" panose="020F0502020204030204" pitchFamily="34" charset="0"/>
-                <a:cs typeface="Times New Roman" panose="02020603050405020304" pitchFamily="18" charset="0"/>
-              </a:rPr>
-              <a:t>isId</a:t>
-            </a:r>
-            <a:r>
-              <a:rPr lang="fr-FR" sz="1400" dirty="0">
-                <a:latin typeface="Book Antiqua" panose="02040602050305030304" pitchFamily="18" charset="0"/>
-                <a:ea typeface="Calibri" panose="020F0502020204030204" pitchFamily="34" charset="0"/>
-                <a:cs typeface="Times New Roman" panose="02020603050405020304" pitchFamily="18" charset="0"/>
-              </a:rPr>
-              <a:t> : </a:t>
-            </a:r>
-            <a:r>
-              <a:rPr lang="fr-FR" sz="1400" dirty="0" err="1">
-                <a:latin typeface="Book Antiqua" panose="02040602050305030304" pitchFamily="18" charset="0"/>
-                <a:ea typeface="Calibri" panose="020F0502020204030204" pitchFamily="34" charset="0"/>
-                <a:cs typeface="Times New Roman" panose="02020603050405020304" pitchFamily="18" charset="0"/>
-              </a:rPr>
-              <a:t>true</a:t>
-            </a:r>
-            <a:r>
-              <a:rPr lang="fr-FR" sz="1400" dirty="0">
-                <a:latin typeface="Book Antiqua" panose="02040602050305030304" pitchFamily="18" charset="0"/>
-                <a:ea typeface="Calibri" panose="020F0502020204030204" pitchFamily="34" charset="0"/>
-                <a:cs typeface="Times New Roman" panose="02020603050405020304" pitchFamily="18" charset="0"/>
-              </a:rPr>
-              <a:t> après authentification</a:t>
-            </a:r>
-          </a:p>
-          <a:p>
-            <a:pPr marL="628650" lvl="1" indent="-171450">
-              <a:lnSpc>
-                <a:spcPct val="107000"/>
-              </a:lnSpc>
-              <a:buFont typeface="Wingdings" panose="05000000000000000000" pitchFamily="2" charset="2"/>
-              <a:buChar char="Ø"/>
-            </a:pPr>
-            <a:r>
-              <a:rPr lang="fr-FR" sz="1400" u="sng" dirty="0">
-                <a:latin typeface="Book Antiqua" panose="02040602050305030304" pitchFamily="18" charset="0"/>
-                <a:ea typeface="Calibri" panose="020F0502020204030204" pitchFamily="34" charset="0"/>
-                <a:cs typeface="Times New Roman" panose="02020603050405020304" pitchFamily="18" charset="0"/>
-              </a:rPr>
-              <a:t>profil</a:t>
-            </a:r>
-            <a:r>
-              <a:rPr lang="fr-FR" sz="1400" dirty="0">
-                <a:latin typeface="Book Antiqua" panose="02040602050305030304" pitchFamily="18" charset="0"/>
-                <a:ea typeface="Calibri" panose="020F0502020204030204" pitchFamily="34" charset="0"/>
-                <a:cs typeface="Times New Roman" panose="02020603050405020304" pitchFamily="18" charset="0"/>
-              </a:rPr>
-              <a:t> : 1 (usager), 2 (technicien), 3 (valideur) ou 4 (</a:t>
-            </a:r>
-            <a:r>
-              <a:rPr lang="fr-FR" sz="1400" dirty="0" err="1">
-                <a:latin typeface="Book Antiqua" panose="02040602050305030304" pitchFamily="18" charset="0"/>
-                <a:ea typeface="Calibri" panose="020F0502020204030204" pitchFamily="34" charset="0"/>
-                <a:cs typeface="Times New Roman" panose="02020603050405020304" pitchFamily="18" charset="0"/>
-              </a:rPr>
-              <a:t>imm</a:t>
-            </a:r>
-            <a:r>
-              <a:rPr lang="fr-FR" sz="1400" dirty="0">
-                <a:latin typeface="Book Antiqua" panose="02040602050305030304" pitchFamily="18" charset="0"/>
-                <a:ea typeface="Calibri" panose="020F0502020204030204" pitchFamily="34" charset="0"/>
-                <a:cs typeface="Times New Roman" panose="02020603050405020304" pitchFamily="18" charset="0"/>
-              </a:rPr>
-              <a:t>)</a:t>
-            </a:r>
-          </a:p>
-          <a:p>
-            <a:pPr marL="628650" lvl="1" indent="-171450">
-              <a:lnSpc>
-                <a:spcPct val="107000"/>
-              </a:lnSpc>
-              <a:buFont typeface="Wingdings" panose="05000000000000000000" pitchFamily="2" charset="2"/>
-              <a:buChar char="Ø"/>
-            </a:pPr>
-            <a:r>
-              <a:rPr lang="fr-FR" sz="1400" u="sng" dirty="0" err="1">
-                <a:latin typeface="Book Antiqua" panose="02040602050305030304" pitchFamily="18" charset="0"/>
-                <a:ea typeface="Calibri" panose="020F0502020204030204" pitchFamily="34" charset="0"/>
-                <a:cs typeface="Times New Roman" panose="02020603050405020304" pitchFamily="18" charset="0"/>
-              </a:rPr>
-              <a:t>uuid</a:t>
-            </a:r>
-            <a:r>
-              <a:rPr lang="fr-FR" sz="1400" dirty="0">
-                <a:latin typeface="Book Antiqua" panose="02040602050305030304" pitchFamily="18" charset="0"/>
-                <a:ea typeface="Calibri" panose="020F0502020204030204" pitchFamily="34" charset="0"/>
-                <a:cs typeface="Times New Roman" panose="02020603050405020304" pitchFamily="18" charset="0"/>
-              </a:rPr>
-              <a:t> de l’utilisateur, attribué à la création du compte</a:t>
-            </a:r>
-          </a:p>
-          <a:p>
-            <a:pPr marL="628650" lvl="1" indent="-171450">
-              <a:lnSpc>
-                <a:spcPct val="107000"/>
-              </a:lnSpc>
-              <a:buFont typeface="Wingdings" panose="05000000000000000000" pitchFamily="2" charset="2"/>
-              <a:buChar char="Ø"/>
-            </a:pPr>
-            <a:r>
-              <a:rPr lang="fr-FR" sz="1400" u="sng" dirty="0">
-                <a:latin typeface="Book Antiqua" panose="02040602050305030304" pitchFamily="18" charset="0"/>
-                <a:ea typeface="Calibri" panose="020F0502020204030204" pitchFamily="34" charset="0"/>
-                <a:cs typeface="Times New Roman" panose="02020603050405020304" pitchFamily="18" charset="0"/>
-              </a:rPr>
-              <a:t>ut</a:t>
-            </a:r>
-            <a:r>
-              <a:rPr lang="fr-FR" sz="1400" dirty="0">
-                <a:latin typeface="Book Antiqua" panose="02040602050305030304" pitchFamily="18" charset="0"/>
-                <a:ea typeface="Calibri" panose="020F0502020204030204" pitchFamily="34" charset="0"/>
-                <a:cs typeface="Times New Roman" panose="02020603050405020304" pitchFamily="18" charset="0"/>
-              </a:rPr>
-              <a:t> : identifiant unique de l’utilisateur</a:t>
-            </a:r>
-          </a:p>
-          <a:p>
-            <a:pPr>
-              <a:lnSpc>
-                <a:spcPct val="107000"/>
-              </a:lnSpc>
-            </a:pPr>
-            <a:endParaRPr lang="fr-FR" sz="1400" dirty="0">
-              <a:latin typeface="Book Antiqua" panose="02040602050305030304" pitchFamily="18" charset="0"/>
-              <a:ea typeface="Calibri" panose="020F0502020204030204" pitchFamily="34" charset="0"/>
-              <a:cs typeface="Times New Roman" panose="02020603050405020304" pitchFamily="18" charset="0"/>
-            </a:endParaRPr>
-          </a:p>
-          <a:p>
-            <a:pPr>
-              <a:lnSpc>
-                <a:spcPct val="107000"/>
-              </a:lnSpc>
-            </a:pPr>
-            <a:r>
-              <a:rPr lang="fr-FR" sz="1400" dirty="0">
-                <a:latin typeface="Book Antiqua" panose="02040602050305030304" pitchFamily="18" charset="0"/>
-                <a:ea typeface="Calibri" panose="020F0502020204030204" pitchFamily="34" charset="0"/>
-                <a:cs typeface="Times New Roman" panose="02020603050405020304" pitchFamily="18" charset="0"/>
-              </a:rPr>
-              <a:t>Testé à chaque connexion avec la base de données.</a:t>
-            </a:r>
-          </a:p>
-          <a:p>
-            <a:pPr>
-              <a:lnSpc>
-                <a:spcPct val="107000"/>
-              </a:lnSpc>
-            </a:pPr>
-            <a:r>
-              <a:rPr lang="fr-FR" sz="1400" dirty="0">
-                <a:latin typeface="Book Antiqua" panose="02040602050305030304" pitchFamily="18" charset="0"/>
-                <a:ea typeface="Calibri" panose="020F0502020204030204" pitchFamily="34" charset="0"/>
-                <a:cs typeface="Times New Roman" panose="02020603050405020304" pitchFamily="18" charset="0"/>
-              </a:rPr>
-              <a:t>        exemples</a:t>
-            </a:r>
-          </a:p>
-          <a:p>
-            <a:pPr marL="628650" lvl="1" indent="-171450">
-              <a:lnSpc>
-                <a:spcPct val="107000"/>
-              </a:lnSpc>
-              <a:buFont typeface="Wingdings" panose="05000000000000000000" pitchFamily="2" charset="2"/>
-              <a:buChar char="§"/>
-            </a:pPr>
-            <a:r>
-              <a:rPr lang="fr-FR" sz="1400" dirty="0">
-                <a:latin typeface="Book Antiqua" panose="02040602050305030304" pitchFamily="18" charset="0"/>
-                <a:ea typeface="Calibri" panose="020F0502020204030204" pitchFamily="34" charset="0"/>
-                <a:cs typeface="Times New Roman" panose="02020603050405020304" pitchFamily="18" charset="0"/>
-              </a:rPr>
-              <a:t>Création d’un nouvel utilisateur</a:t>
-            </a:r>
-          </a:p>
-          <a:p>
-            <a:pPr lvl="2">
-              <a:lnSpc>
-                <a:spcPct val="107000"/>
-              </a:lnSpc>
-            </a:pPr>
-            <a:r>
-              <a:rPr lang="fr-FR" sz="1400" dirty="0">
-                <a:latin typeface="Book Antiqua" panose="02040602050305030304" pitchFamily="18" charset="0"/>
-                <a:ea typeface="Calibri" panose="020F0502020204030204" pitchFamily="34" charset="0"/>
-                <a:cs typeface="Times New Roman" panose="02020603050405020304" pitchFamily="18" charset="0"/>
-              </a:rPr>
-              <a:t>=&gt; ? (session. </a:t>
-            </a:r>
-            <a:r>
-              <a:rPr lang="fr-FR" sz="1400" dirty="0" err="1">
-                <a:latin typeface="Book Antiqua" panose="02040602050305030304" pitchFamily="18" charset="0"/>
-                <a:ea typeface="Calibri" panose="020F0502020204030204" pitchFamily="34" charset="0"/>
-                <a:cs typeface="Times New Roman" panose="02020603050405020304" pitchFamily="18" charset="0"/>
-              </a:rPr>
-              <a:t>isId</a:t>
-            </a:r>
-            <a:r>
-              <a:rPr lang="fr-FR" sz="1400" dirty="0">
-                <a:latin typeface="Book Antiqua" panose="02040602050305030304" pitchFamily="18" charset="0"/>
-                <a:ea typeface="Calibri" panose="020F0502020204030204" pitchFamily="34" charset="0"/>
-                <a:cs typeface="Times New Roman" panose="02020603050405020304" pitchFamily="18" charset="0"/>
-              </a:rPr>
-              <a:t> == </a:t>
-            </a:r>
-            <a:r>
-              <a:rPr lang="fr-FR" sz="1400" dirty="0" err="1">
-                <a:latin typeface="Book Antiqua" panose="02040602050305030304" pitchFamily="18" charset="0"/>
-                <a:ea typeface="Calibri" panose="020F0502020204030204" pitchFamily="34" charset="0"/>
-                <a:cs typeface="Times New Roman" panose="02020603050405020304" pitchFamily="18" charset="0"/>
-              </a:rPr>
-              <a:t>true</a:t>
-            </a:r>
-            <a:r>
-              <a:rPr lang="fr-FR" sz="1400" dirty="0">
-                <a:latin typeface="Book Antiqua" panose="02040602050305030304" pitchFamily="18" charset="0"/>
-                <a:ea typeface="Calibri" panose="020F0502020204030204" pitchFamily="34" charset="0"/>
-                <a:cs typeface="Times New Roman" panose="02020603050405020304" pitchFamily="18" charset="0"/>
-              </a:rPr>
-              <a:t> &amp; session. profil == 4) 	</a:t>
-            </a:r>
-          </a:p>
-          <a:p>
-            <a:pPr marL="628650" lvl="1" indent="-171450">
-              <a:lnSpc>
-                <a:spcPct val="107000"/>
-              </a:lnSpc>
-              <a:buFont typeface="Wingdings" panose="05000000000000000000" pitchFamily="2" charset="2"/>
-              <a:buChar char="§"/>
-            </a:pPr>
-            <a:r>
-              <a:rPr lang="fr-FR" sz="1400" dirty="0">
-                <a:latin typeface="Book Antiqua" panose="02040602050305030304" pitchFamily="18" charset="0"/>
-                <a:ea typeface="Calibri" panose="020F0502020204030204" pitchFamily="34" charset="0"/>
-                <a:cs typeface="Times New Roman" panose="02020603050405020304" pitchFamily="18" charset="0"/>
-              </a:rPr>
-              <a:t>Sélection des incidents de l’utilisateur connecté (fonctionnalité « Mes demandes »)</a:t>
-            </a:r>
-          </a:p>
-          <a:p>
-            <a:pPr marL="1085850" lvl="2" indent="-171450">
-              <a:lnSpc>
-                <a:spcPct val="107000"/>
-              </a:lnSpc>
-              <a:buFont typeface="Symbol" panose="05050102010706020507" pitchFamily="18" charset="2"/>
-              <a:buChar char="Þ"/>
-            </a:pPr>
-            <a:r>
-              <a:rPr lang="fr-FR" sz="1400" dirty="0">
-                <a:latin typeface="Book Antiqua" panose="02040602050305030304" pitchFamily="18" charset="0"/>
-                <a:ea typeface="Calibri" panose="020F0502020204030204" pitchFamily="34" charset="0"/>
-                <a:cs typeface="Times New Roman" panose="02020603050405020304" pitchFamily="18" charset="0"/>
-              </a:rPr>
-              <a:t>? (</a:t>
-            </a:r>
-            <a:r>
-              <a:rPr lang="fr-FR" sz="1400" dirty="0" err="1">
-                <a:latin typeface="Book Antiqua" panose="02040602050305030304" pitchFamily="18" charset="0"/>
-                <a:ea typeface="Calibri" panose="020F0502020204030204" pitchFamily="34" charset="0"/>
-                <a:cs typeface="Times New Roman" panose="02020603050405020304" pitchFamily="18" charset="0"/>
-              </a:rPr>
-              <a:t>isId</a:t>
-            </a:r>
-            <a:r>
-              <a:rPr lang="fr-FR" sz="1400" dirty="0">
-                <a:latin typeface="Book Antiqua" panose="02040602050305030304" pitchFamily="18" charset="0"/>
-                <a:ea typeface="Calibri" panose="020F0502020204030204" pitchFamily="34" charset="0"/>
-                <a:cs typeface="Times New Roman" panose="02020603050405020304" pitchFamily="18" charset="0"/>
-              </a:rPr>
-              <a:t> == </a:t>
-            </a:r>
-            <a:r>
-              <a:rPr lang="fr-FR" sz="1400" dirty="0" err="1">
-                <a:latin typeface="Book Antiqua" panose="02040602050305030304" pitchFamily="18" charset="0"/>
-                <a:ea typeface="Calibri" panose="020F0502020204030204" pitchFamily="34" charset="0"/>
-                <a:cs typeface="Times New Roman" panose="02020603050405020304" pitchFamily="18" charset="0"/>
-              </a:rPr>
-              <a:t>true</a:t>
-            </a:r>
-            <a:r>
-              <a:rPr lang="fr-FR" sz="1400" dirty="0">
-                <a:latin typeface="Book Antiqua" panose="02040602050305030304" pitchFamily="18" charset="0"/>
-                <a:ea typeface="Calibri" panose="020F0502020204030204" pitchFamily="34" charset="0"/>
-                <a:cs typeface="Times New Roman" panose="02020603050405020304" pitchFamily="18" charset="0"/>
-              </a:rPr>
-              <a:t>)</a:t>
-            </a:r>
-          </a:p>
-          <a:p>
-            <a:pPr marL="1085850" lvl="2" indent="-171450">
-              <a:lnSpc>
-                <a:spcPct val="107000"/>
-              </a:lnSpc>
-              <a:buFont typeface="Symbol" panose="05050102010706020507" pitchFamily="18" charset="2"/>
-              <a:buChar char="Þ"/>
-            </a:pPr>
-            <a:r>
-              <a:rPr lang="fr-FR" sz="1400" dirty="0">
-                <a:latin typeface="Book Antiqua" panose="02040602050305030304" pitchFamily="18" charset="0"/>
-                <a:ea typeface="Calibri" panose="020F0502020204030204" pitchFamily="34" charset="0"/>
-                <a:cs typeface="Times New Roman" panose="02020603050405020304" pitchFamily="18" charset="0"/>
-              </a:rPr>
-              <a:t>Requête de sélection des incidents =&gt; ? </a:t>
-            </a:r>
-            <a:r>
-              <a:rPr lang="fr-FR" sz="1400" dirty="0" err="1">
-                <a:latin typeface="Book Antiqua" panose="02040602050305030304" pitchFamily="18" charset="0"/>
-                <a:ea typeface="Calibri" panose="020F0502020204030204" pitchFamily="34" charset="0"/>
-                <a:cs typeface="Times New Roman" panose="02020603050405020304" pitchFamily="18" charset="0"/>
-              </a:rPr>
-              <a:t>inc_signal_ut</a:t>
-            </a:r>
-            <a:r>
-              <a:rPr lang="fr-FR" sz="1400" dirty="0">
-                <a:latin typeface="Book Antiqua" panose="02040602050305030304" pitchFamily="18" charset="0"/>
-                <a:ea typeface="Calibri" panose="020F0502020204030204" pitchFamily="34" charset="0"/>
-                <a:cs typeface="Times New Roman" panose="02020603050405020304" pitchFamily="18" charset="0"/>
-              </a:rPr>
-              <a:t> == </a:t>
-            </a:r>
-            <a:r>
-              <a:rPr lang="fr-FR" sz="1400" dirty="0" err="1">
-                <a:latin typeface="Book Antiqua" panose="02040602050305030304" pitchFamily="18" charset="0"/>
-                <a:ea typeface="Calibri" panose="020F0502020204030204" pitchFamily="34" charset="0"/>
-                <a:cs typeface="Times New Roman" panose="02020603050405020304" pitchFamily="18" charset="0"/>
-              </a:rPr>
-              <a:t>session.uuid</a:t>
-            </a:r>
-            <a:r>
-              <a:rPr lang="fr-FR" sz="1400" dirty="0">
-                <a:latin typeface="Book Antiqua" panose="02040602050305030304" pitchFamily="18" charset="0"/>
-                <a:ea typeface="Calibri" panose="020F0502020204030204" pitchFamily="34" charset="0"/>
-                <a:cs typeface="Times New Roman" panose="02020603050405020304" pitchFamily="18" charset="0"/>
-              </a:rPr>
-              <a:t>) </a:t>
-            </a:r>
-          </a:p>
-          <a:p>
-            <a:pPr>
-              <a:lnSpc>
-                <a:spcPct val="107000"/>
-              </a:lnSpc>
-            </a:pPr>
-            <a:endParaRPr lang="fr-FR" sz="1400" dirty="0">
-              <a:latin typeface="Book Antiqua" panose="02040602050305030304" pitchFamily="18" charset="0"/>
-              <a:ea typeface="Calibri" panose="020F0502020204030204" pitchFamily="34" charset="0"/>
-              <a:cs typeface="Times New Roman" panose="02020603050405020304" pitchFamily="18" charset="0"/>
-            </a:endParaRPr>
-          </a:p>
-          <a:p>
-            <a:pPr>
-              <a:lnSpc>
-                <a:spcPct val="107000"/>
-              </a:lnSpc>
-            </a:pPr>
-            <a:endParaRPr lang="fr-FR" sz="1400" dirty="0">
-              <a:latin typeface="Book Antiqua" panose="02040602050305030304" pitchFamily="18" charset="0"/>
-              <a:ea typeface="Calibri" panose="020F0502020204030204" pitchFamily="34" charset="0"/>
-              <a:cs typeface="Times New Roman" panose="02020603050405020304" pitchFamily="18" charset="0"/>
-            </a:endParaRPr>
-          </a:p>
-          <a:p>
-            <a:pPr>
-              <a:lnSpc>
-                <a:spcPct val="107000"/>
-              </a:lnSpc>
-            </a:pPr>
-            <a:r>
-              <a:rPr lang="fr-FR" sz="1400" dirty="0">
-                <a:latin typeface="Book Antiqua" panose="02040602050305030304" pitchFamily="18" charset="0"/>
-                <a:ea typeface="Calibri" panose="020F0502020204030204" pitchFamily="34" charset="0"/>
-                <a:cs typeface="Times New Roman" panose="02020603050405020304" pitchFamily="18" charset="0"/>
-              </a:rPr>
-              <a:t>S’autodétruit 10 minutes après la dernière connexion.</a:t>
+              <a:t>La sécurité – les données </a:t>
             </a:r>
           </a:p>
         </p:txBody>
       </p:sp>
       <p:pic>
         <p:nvPicPr>
-          <p:cNvPr id="5" name="Image 4">
-            <a:extLst>
-              <a:ext uri="{FF2B5EF4-FFF2-40B4-BE49-F238E27FC236}">
-                <a16:creationId xmlns:a16="http://schemas.microsoft.com/office/drawing/2014/main" id="{BA7A1198-FF12-82A3-1975-CA5EFABB0151}"/>
+          <p:cNvPr id="4" name="Image 3">
+            <a:extLst>
+              <a:ext uri="{FF2B5EF4-FFF2-40B4-BE49-F238E27FC236}">
+                <a16:creationId xmlns:a16="http://schemas.microsoft.com/office/drawing/2014/main" id="{C1914AA3-704E-607C-1B1B-8AE4145EDA4C}"/>
               </a:ext>
             </a:extLst>
           </p:cNvPr>
@@ -5795,18 +5171,132 @@
         </p:blipFill>
         <p:spPr>
           <a:xfrm>
-            <a:off x="8566471" y="1047704"/>
-            <a:ext cx="2190750" cy="1781175"/>
+            <a:off x="8166100" y="1119187"/>
+            <a:ext cx="2448067" cy="1420813"/>
           </a:xfrm>
           <a:prstGeom prst="rect">
             <a:avLst/>
           </a:prstGeom>
         </p:spPr>
       </p:pic>
+      <p:sp>
+        <p:nvSpPr>
+          <p:cNvPr id="5" name="ZoneTexte 4">
+            <a:extLst>
+              <a:ext uri="{FF2B5EF4-FFF2-40B4-BE49-F238E27FC236}">
+                <a16:creationId xmlns:a16="http://schemas.microsoft.com/office/drawing/2014/main" id="{0721D0CF-F9F7-F7A5-73D0-FE435617C040}"/>
+              </a:ext>
+            </a:extLst>
+          </p:cNvPr>
+          <p:cNvSpPr txBox="1"/>
+          <p:nvPr/>
+        </p:nvSpPr>
+        <p:spPr>
+          <a:xfrm>
+            <a:off x="1577833" y="2680357"/>
+            <a:ext cx="6972300" cy="2171044"/>
+          </a:xfrm>
+          <a:prstGeom prst="rect">
+            <a:avLst/>
+          </a:prstGeom>
+          <a:noFill/>
+        </p:spPr>
+        <p:txBody>
+          <a:bodyPr wrap="square">
+            <a:spAutoFit/>
+          </a:bodyPr>
+          <a:lstStyle/>
+          <a:p>
+            <a:pPr marL="628650" lvl="1" indent="-171450">
+              <a:lnSpc>
+                <a:spcPct val="107000"/>
+              </a:lnSpc>
+              <a:spcBef>
+                <a:spcPts val="1000"/>
+              </a:spcBef>
+              <a:buFont typeface="Wingdings" panose="05000000000000000000" pitchFamily="2" charset="2"/>
+              <a:buChar char="Ø"/>
+            </a:pPr>
+            <a:r>
+              <a:rPr lang="fr-FR" sz="1600" dirty="0" err="1"/>
+              <a:t>Uuid</a:t>
+            </a:r>
+            <a:r>
+              <a:rPr lang="fr-FR" sz="1600" dirty="0"/>
+              <a:t> aléatoire comme la clé primaire pour les tables Utilisateurs et Habilitations.</a:t>
+            </a:r>
+          </a:p>
+          <a:p>
+            <a:pPr marL="628650" lvl="1" indent="-171450">
+              <a:lnSpc>
+                <a:spcPct val="107000"/>
+              </a:lnSpc>
+              <a:spcBef>
+                <a:spcPts val="1000"/>
+              </a:spcBef>
+              <a:buFont typeface="Wingdings" panose="05000000000000000000" pitchFamily="2" charset="2"/>
+              <a:buChar char="Ø"/>
+            </a:pPr>
+            <a:r>
+              <a:rPr lang="fr-FR" sz="1600" dirty="0" err="1"/>
+              <a:t>Uuid</a:t>
+            </a:r>
+            <a:r>
+              <a:rPr lang="fr-FR" sz="1600" dirty="0"/>
+              <a:t> absents de l’interface graphique.</a:t>
+            </a:r>
+          </a:p>
+          <a:p>
+            <a:pPr marL="628650" lvl="1" indent="-171450">
+              <a:lnSpc>
+                <a:spcPct val="107000"/>
+              </a:lnSpc>
+              <a:spcBef>
+                <a:spcPts val="1000"/>
+              </a:spcBef>
+              <a:buFont typeface="Wingdings" panose="05000000000000000000" pitchFamily="2" charset="2"/>
+              <a:buChar char="Ø"/>
+            </a:pPr>
+            <a:r>
+              <a:rPr lang="fr-FR" sz="1600" dirty="0"/>
+              <a:t>Hachage du mot de passe (salé avec l’identifiant unique).</a:t>
+            </a:r>
+          </a:p>
+          <a:p>
+            <a:pPr marL="628650" lvl="1" indent="-171450">
+              <a:lnSpc>
+                <a:spcPct val="107000"/>
+              </a:lnSpc>
+              <a:spcBef>
+                <a:spcPts val="1000"/>
+              </a:spcBef>
+              <a:buFont typeface="Wingdings" panose="05000000000000000000" pitchFamily="2" charset="2"/>
+              <a:buChar char="Ø"/>
+            </a:pPr>
+            <a:endParaRPr lang="fr-FR" sz="1600" dirty="0"/>
+          </a:p>
+          <a:p>
+            <a:pPr marL="628650" lvl="1" indent="-171450">
+              <a:lnSpc>
+                <a:spcPct val="107000"/>
+              </a:lnSpc>
+              <a:spcBef>
+                <a:spcPts val="1000"/>
+              </a:spcBef>
+              <a:buFont typeface="Wingdings" panose="05000000000000000000" pitchFamily="2" charset="2"/>
+              <a:buChar char="Ø"/>
+            </a:pPr>
+            <a:r>
+              <a:rPr lang="fr-FR" sz="1600" dirty="0"/>
+              <a:t>Restriction d’accès suivant les profils.</a:t>
+            </a:r>
+          </a:p>
+        </p:txBody>
+      </p:sp>
     </p:spTree>
     <p:extLst>
       <p:ext uri="{BB962C8B-B14F-4D97-AF65-F5344CB8AC3E}">
-        <p14:creationId xmlns:p14="http://schemas.microsoft.com/office/powerpoint/2010/main" val="2247162947"/>
+        <p14:creationId xmlns:p14="http://schemas.microsoft.com/office/powerpoint/2010/main" val="3922459309"/>
       </p:ext>
     </p:extLst>
   </p:cSld>
@@ -5849,12 +5339,7 @@
             <p:ph type="title"/>
           </p:nvPr>
         </p:nvSpPr>
-        <p:spPr>
-          <a:xfrm>
-            <a:off x="838200" y="681038"/>
-            <a:ext cx="10515600" cy="972704"/>
-          </a:xfrm>
-        </p:spPr>
+        <p:spPr/>
         <p:txBody>
           <a:bodyPr>
             <a:normAutofit/>
@@ -5863,17 +5348,453 @@
           <a:p>
             <a:r>
               <a:rPr lang="fr-FR" sz="4000" dirty="0"/>
-              <a:t>La sécurité – sauvegarde et tests</a:t>
+              <a:t>La sécurité – cookie de session</a:t>
+            </a:r>
+          </a:p>
+        </p:txBody>
+      </p:sp>
+      <p:sp>
+        <p:nvSpPr>
+          <p:cNvPr id="9" name="ZoneTexte 8">
+            <a:extLst>
+              <a:ext uri="{FF2B5EF4-FFF2-40B4-BE49-F238E27FC236}">
+                <a16:creationId xmlns:a16="http://schemas.microsoft.com/office/drawing/2014/main" id="{BC23ED4F-C6A3-6A63-6E53-A21EC4FABCD5}"/>
+              </a:ext>
+            </a:extLst>
+          </p:cNvPr>
+          <p:cNvSpPr txBox="1"/>
+          <p:nvPr/>
+        </p:nvSpPr>
+        <p:spPr>
+          <a:xfrm>
+            <a:off x="1347063" y="2006600"/>
+            <a:ext cx="7010128" cy="3771866"/>
+          </a:xfrm>
+          <a:prstGeom prst="rect">
+            <a:avLst/>
+          </a:prstGeom>
+          <a:noFill/>
+        </p:spPr>
+        <p:txBody>
+          <a:bodyPr wrap="square">
+            <a:spAutoFit/>
+          </a:bodyPr>
+          <a:lstStyle/>
+          <a:p>
+            <a:pPr>
+              <a:lnSpc>
+                <a:spcPct val="107000"/>
+              </a:lnSpc>
+            </a:pPr>
+            <a:r>
+              <a:rPr lang="fr-FR" sz="1400" dirty="0">
+                <a:latin typeface="Book Antiqua" panose="02040602050305030304" pitchFamily="18" charset="0"/>
+                <a:ea typeface="Calibri" panose="020F0502020204030204" pitchFamily="34" charset="0"/>
+                <a:cs typeface="Times New Roman" panose="02020603050405020304" pitchFamily="18" charset="0"/>
+              </a:rPr>
+              <a:t>Données collectées lors de l’authentification.</a:t>
+            </a:r>
+          </a:p>
+          <a:p>
+            <a:pPr marL="628650" lvl="1" indent="-171450">
+              <a:lnSpc>
+                <a:spcPct val="107000"/>
+              </a:lnSpc>
+              <a:buFont typeface="Wingdings" panose="05000000000000000000" pitchFamily="2" charset="2"/>
+              <a:buChar char="Ø"/>
+            </a:pPr>
+            <a:r>
+              <a:rPr lang="fr-FR" sz="1400" u="sng" dirty="0" err="1">
+                <a:latin typeface="Book Antiqua" panose="02040602050305030304" pitchFamily="18" charset="0"/>
+                <a:ea typeface="Calibri" panose="020F0502020204030204" pitchFamily="34" charset="0"/>
+                <a:cs typeface="Times New Roman" panose="02020603050405020304" pitchFamily="18" charset="0"/>
+              </a:rPr>
+              <a:t>isId</a:t>
+            </a:r>
+            <a:r>
+              <a:rPr lang="fr-FR" sz="1400" dirty="0">
+                <a:latin typeface="Book Antiqua" panose="02040602050305030304" pitchFamily="18" charset="0"/>
+                <a:ea typeface="Calibri" panose="020F0502020204030204" pitchFamily="34" charset="0"/>
+                <a:cs typeface="Times New Roman" panose="02020603050405020304" pitchFamily="18" charset="0"/>
+              </a:rPr>
+              <a:t> : </a:t>
+            </a:r>
+            <a:r>
+              <a:rPr lang="fr-FR" sz="1400" dirty="0" err="1">
+                <a:latin typeface="Book Antiqua" panose="02040602050305030304" pitchFamily="18" charset="0"/>
+                <a:ea typeface="Calibri" panose="020F0502020204030204" pitchFamily="34" charset="0"/>
+                <a:cs typeface="Times New Roman" panose="02020603050405020304" pitchFamily="18" charset="0"/>
+              </a:rPr>
+              <a:t>true</a:t>
+            </a:r>
+            <a:r>
+              <a:rPr lang="fr-FR" sz="1400" dirty="0">
+                <a:latin typeface="Book Antiqua" panose="02040602050305030304" pitchFamily="18" charset="0"/>
+                <a:ea typeface="Calibri" panose="020F0502020204030204" pitchFamily="34" charset="0"/>
+                <a:cs typeface="Times New Roman" panose="02020603050405020304" pitchFamily="18" charset="0"/>
+              </a:rPr>
+              <a:t> après authentification</a:t>
+            </a:r>
+          </a:p>
+          <a:p>
+            <a:pPr marL="628650" lvl="1" indent="-171450">
+              <a:lnSpc>
+                <a:spcPct val="107000"/>
+              </a:lnSpc>
+              <a:buFont typeface="Wingdings" panose="05000000000000000000" pitchFamily="2" charset="2"/>
+              <a:buChar char="Ø"/>
+            </a:pPr>
+            <a:r>
+              <a:rPr lang="fr-FR" sz="1400" u="sng" dirty="0">
+                <a:latin typeface="Book Antiqua" panose="02040602050305030304" pitchFamily="18" charset="0"/>
+                <a:ea typeface="Calibri" panose="020F0502020204030204" pitchFamily="34" charset="0"/>
+                <a:cs typeface="Times New Roman" panose="02020603050405020304" pitchFamily="18" charset="0"/>
+              </a:rPr>
+              <a:t>profil</a:t>
+            </a:r>
+            <a:r>
+              <a:rPr lang="fr-FR" sz="1400" dirty="0">
+                <a:latin typeface="Book Antiqua" panose="02040602050305030304" pitchFamily="18" charset="0"/>
+                <a:ea typeface="Calibri" panose="020F0502020204030204" pitchFamily="34" charset="0"/>
+                <a:cs typeface="Times New Roman" panose="02020603050405020304" pitchFamily="18" charset="0"/>
+              </a:rPr>
+              <a:t> : 1 (usager), 2 (technicien), 3 (valideur) ou 4 (</a:t>
+            </a:r>
+            <a:r>
+              <a:rPr lang="fr-FR" sz="1400" dirty="0" err="1">
+                <a:latin typeface="Book Antiqua" panose="02040602050305030304" pitchFamily="18" charset="0"/>
+                <a:ea typeface="Calibri" panose="020F0502020204030204" pitchFamily="34" charset="0"/>
+                <a:cs typeface="Times New Roman" panose="02020603050405020304" pitchFamily="18" charset="0"/>
+              </a:rPr>
+              <a:t>imm</a:t>
+            </a:r>
+            <a:r>
+              <a:rPr lang="fr-FR" sz="1400" dirty="0">
+                <a:latin typeface="Book Antiqua" panose="02040602050305030304" pitchFamily="18" charset="0"/>
+                <a:ea typeface="Calibri" panose="020F0502020204030204" pitchFamily="34" charset="0"/>
+                <a:cs typeface="Times New Roman" panose="02020603050405020304" pitchFamily="18" charset="0"/>
+              </a:rPr>
+              <a:t>)</a:t>
+            </a:r>
+          </a:p>
+          <a:p>
+            <a:pPr marL="628650" lvl="1" indent="-171450">
+              <a:lnSpc>
+                <a:spcPct val="107000"/>
+              </a:lnSpc>
+              <a:buFont typeface="Wingdings" panose="05000000000000000000" pitchFamily="2" charset="2"/>
+              <a:buChar char="Ø"/>
+            </a:pPr>
+            <a:r>
+              <a:rPr lang="fr-FR" sz="1400" u="sng" dirty="0" err="1">
+                <a:latin typeface="Book Antiqua" panose="02040602050305030304" pitchFamily="18" charset="0"/>
+                <a:ea typeface="Calibri" panose="020F0502020204030204" pitchFamily="34" charset="0"/>
+                <a:cs typeface="Times New Roman" panose="02020603050405020304" pitchFamily="18" charset="0"/>
+              </a:rPr>
+              <a:t>uuid</a:t>
+            </a:r>
+            <a:r>
+              <a:rPr lang="fr-FR" sz="1400" dirty="0">
+                <a:latin typeface="Book Antiqua" panose="02040602050305030304" pitchFamily="18" charset="0"/>
+                <a:ea typeface="Calibri" panose="020F0502020204030204" pitchFamily="34" charset="0"/>
+                <a:cs typeface="Times New Roman" panose="02020603050405020304" pitchFamily="18" charset="0"/>
+              </a:rPr>
+              <a:t> de l’utilisateur, attribué à la création du compte</a:t>
+            </a:r>
+          </a:p>
+          <a:p>
+            <a:pPr marL="628650" lvl="1" indent="-171450">
+              <a:lnSpc>
+                <a:spcPct val="107000"/>
+              </a:lnSpc>
+              <a:buFont typeface="Wingdings" panose="05000000000000000000" pitchFamily="2" charset="2"/>
+              <a:buChar char="Ø"/>
+            </a:pPr>
+            <a:r>
+              <a:rPr lang="fr-FR" sz="1400" u="sng" dirty="0">
+                <a:latin typeface="Book Antiqua" panose="02040602050305030304" pitchFamily="18" charset="0"/>
+                <a:ea typeface="Calibri" panose="020F0502020204030204" pitchFamily="34" charset="0"/>
+                <a:cs typeface="Times New Roman" panose="02020603050405020304" pitchFamily="18" charset="0"/>
+              </a:rPr>
+              <a:t>ut</a:t>
+            </a:r>
+            <a:r>
+              <a:rPr lang="fr-FR" sz="1400" dirty="0">
+                <a:latin typeface="Book Antiqua" panose="02040602050305030304" pitchFamily="18" charset="0"/>
+                <a:ea typeface="Calibri" panose="020F0502020204030204" pitchFamily="34" charset="0"/>
+                <a:cs typeface="Times New Roman" panose="02020603050405020304" pitchFamily="18" charset="0"/>
+              </a:rPr>
+              <a:t> : identifiant unique de l’utilisateur</a:t>
+            </a:r>
+          </a:p>
+          <a:p>
+            <a:pPr>
+              <a:lnSpc>
+                <a:spcPct val="107000"/>
+              </a:lnSpc>
+            </a:pPr>
+            <a:endParaRPr lang="fr-FR" sz="1400" dirty="0">
+              <a:latin typeface="Book Antiqua" panose="02040602050305030304" pitchFamily="18" charset="0"/>
+              <a:ea typeface="Calibri" panose="020F0502020204030204" pitchFamily="34" charset="0"/>
+              <a:cs typeface="Times New Roman" panose="02020603050405020304" pitchFamily="18" charset="0"/>
+            </a:endParaRPr>
+          </a:p>
+          <a:p>
+            <a:pPr>
+              <a:lnSpc>
+                <a:spcPct val="107000"/>
+              </a:lnSpc>
+            </a:pPr>
+            <a:r>
+              <a:rPr lang="fr-FR" sz="1400" dirty="0">
+                <a:latin typeface="Book Antiqua" panose="02040602050305030304" pitchFamily="18" charset="0"/>
+                <a:ea typeface="Calibri" panose="020F0502020204030204" pitchFamily="34" charset="0"/>
+                <a:cs typeface="Times New Roman" panose="02020603050405020304" pitchFamily="18" charset="0"/>
+              </a:rPr>
+              <a:t>Testé à chaque connexion avec la base de données.</a:t>
+            </a:r>
+          </a:p>
+          <a:p>
+            <a:pPr>
+              <a:lnSpc>
+                <a:spcPct val="107000"/>
+              </a:lnSpc>
+            </a:pPr>
+            <a:r>
+              <a:rPr lang="fr-FR" sz="1400" dirty="0">
+                <a:latin typeface="Book Antiqua" panose="02040602050305030304" pitchFamily="18" charset="0"/>
+                <a:ea typeface="Calibri" panose="020F0502020204030204" pitchFamily="34" charset="0"/>
+                <a:cs typeface="Times New Roman" panose="02020603050405020304" pitchFamily="18" charset="0"/>
+              </a:rPr>
+              <a:t>        exemples</a:t>
+            </a:r>
+          </a:p>
+          <a:p>
+            <a:pPr marL="628650" lvl="1" indent="-171450">
+              <a:lnSpc>
+                <a:spcPct val="107000"/>
+              </a:lnSpc>
+              <a:buFont typeface="Wingdings" panose="05000000000000000000" pitchFamily="2" charset="2"/>
+              <a:buChar char="§"/>
+            </a:pPr>
+            <a:r>
+              <a:rPr lang="fr-FR" sz="1400" dirty="0">
+                <a:latin typeface="Book Antiqua" panose="02040602050305030304" pitchFamily="18" charset="0"/>
+                <a:ea typeface="Calibri" panose="020F0502020204030204" pitchFamily="34" charset="0"/>
+                <a:cs typeface="Times New Roman" panose="02020603050405020304" pitchFamily="18" charset="0"/>
+              </a:rPr>
+              <a:t>Création d’un nouvel utilisateur</a:t>
+            </a:r>
+          </a:p>
+          <a:p>
+            <a:pPr lvl="2">
+              <a:lnSpc>
+                <a:spcPct val="107000"/>
+              </a:lnSpc>
+            </a:pPr>
+            <a:r>
+              <a:rPr lang="fr-FR" sz="1400" dirty="0">
+                <a:latin typeface="Book Antiqua" panose="02040602050305030304" pitchFamily="18" charset="0"/>
+                <a:ea typeface="Calibri" panose="020F0502020204030204" pitchFamily="34" charset="0"/>
+                <a:cs typeface="Times New Roman" panose="02020603050405020304" pitchFamily="18" charset="0"/>
+              </a:rPr>
+              <a:t>=&gt; ? (session. </a:t>
+            </a:r>
+            <a:r>
+              <a:rPr lang="fr-FR" sz="1400" dirty="0" err="1">
+                <a:latin typeface="Book Antiqua" panose="02040602050305030304" pitchFamily="18" charset="0"/>
+                <a:ea typeface="Calibri" panose="020F0502020204030204" pitchFamily="34" charset="0"/>
+                <a:cs typeface="Times New Roman" panose="02020603050405020304" pitchFamily="18" charset="0"/>
+              </a:rPr>
+              <a:t>isId</a:t>
+            </a:r>
+            <a:r>
+              <a:rPr lang="fr-FR" sz="1400" dirty="0">
+                <a:latin typeface="Book Antiqua" panose="02040602050305030304" pitchFamily="18" charset="0"/>
+                <a:ea typeface="Calibri" panose="020F0502020204030204" pitchFamily="34" charset="0"/>
+                <a:cs typeface="Times New Roman" panose="02020603050405020304" pitchFamily="18" charset="0"/>
+              </a:rPr>
+              <a:t> == </a:t>
+            </a:r>
+            <a:r>
+              <a:rPr lang="fr-FR" sz="1400" dirty="0" err="1">
+                <a:latin typeface="Book Antiqua" panose="02040602050305030304" pitchFamily="18" charset="0"/>
+                <a:ea typeface="Calibri" panose="020F0502020204030204" pitchFamily="34" charset="0"/>
+                <a:cs typeface="Times New Roman" panose="02020603050405020304" pitchFamily="18" charset="0"/>
+              </a:rPr>
+              <a:t>true</a:t>
+            </a:r>
+            <a:r>
+              <a:rPr lang="fr-FR" sz="1400" dirty="0">
+                <a:latin typeface="Book Antiqua" panose="02040602050305030304" pitchFamily="18" charset="0"/>
+                <a:ea typeface="Calibri" panose="020F0502020204030204" pitchFamily="34" charset="0"/>
+                <a:cs typeface="Times New Roman" panose="02020603050405020304" pitchFamily="18" charset="0"/>
+              </a:rPr>
+              <a:t> &amp; session. profil == 4) 	</a:t>
+            </a:r>
+          </a:p>
+          <a:p>
+            <a:pPr marL="628650" lvl="1" indent="-171450">
+              <a:lnSpc>
+                <a:spcPct val="107000"/>
+              </a:lnSpc>
+              <a:buFont typeface="Wingdings" panose="05000000000000000000" pitchFamily="2" charset="2"/>
+              <a:buChar char="§"/>
+            </a:pPr>
+            <a:r>
+              <a:rPr lang="fr-FR" sz="1400" dirty="0">
+                <a:latin typeface="Book Antiqua" panose="02040602050305030304" pitchFamily="18" charset="0"/>
+                <a:ea typeface="Calibri" panose="020F0502020204030204" pitchFamily="34" charset="0"/>
+                <a:cs typeface="Times New Roman" panose="02020603050405020304" pitchFamily="18" charset="0"/>
+              </a:rPr>
+              <a:t>Sélection d’1 incident par un usager</a:t>
+            </a:r>
+          </a:p>
+          <a:p>
+            <a:pPr marL="1085850" lvl="2" indent="-171450">
+              <a:lnSpc>
+                <a:spcPct val="107000"/>
+              </a:lnSpc>
+              <a:buFont typeface="Symbol" panose="05050102010706020507" pitchFamily="18" charset="2"/>
+              <a:buChar char="Þ"/>
+            </a:pPr>
+            <a:r>
+              <a:rPr lang="fr-FR" sz="1400" dirty="0">
+                <a:latin typeface="Book Antiqua" panose="02040602050305030304" pitchFamily="18" charset="0"/>
+                <a:ea typeface="Calibri" panose="020F0502020204030204" pitchFamily="34" charset="0"/>
+                <a:cs typeface="Times New Roman" panose="02020603050405020304" pitchFamily="18" charset="0"/>
+              </a:rPr>
+              <a:t>? (</a:t>
+            </a:r>
+            <a:r>
+              <a:rPr lang="fr-FR" sz="1400" dirty="0" err="1">
+                <a:latin typeface="Book Antiqua" panose="02040602050305030304" pitchFamily="18" charset="0"/>
+                <a:ea typeface="Calibri" panose="020F0502020204030204" pitchFamily="34" charset="0"/>
+                <a:cs typeface="Times New Roman" panose="02020603050405020304" pitchFamily="18" charset="0"/>
+              </a:rPr>
+              <a:t>isId</a:t>
+            </a:r>
+            <a:r>
+              <a:rPr lang="fr-FR" sz="1400" dirty="0">
+                <a:latin typeface="Book Antiqua" panose="02040602050305030304" pitchFamily="18" charset="0"/>
+                <a:ea typeface="Calibri" panose="020F0502020204030204" pitchFamily="34" charset="0"/>
+                <a:cs typeface="Times New Roman" panose="02020603050405020304" pitchFamily="18" charset="0"/>
+              </a:rPr>
+              <a:t> == </a:t>
+            </a:r>
+            <a:r>
+              <a:rPr lang="fr-FR" sz="1400" dirty="0" err="1">
+                <a:latin typeface="Book Antiqua" panose="02040602050305030304" pitchFamily="18" charset="0"/>
+                <a:ea typeface="Calibri" panose="020F0502020204030204" pitchFamily="34" charset="0"/>
+                <a:cs typeface="Times New Roman" panose="02020603050405020304" pitchFamily="18" charset="0"/>
+              </a:rPr>
+              <a:t>true</a:t>
+            </a:r>
+            <a:r>
+              <a:rPr lang="fr-FR" sz="1400" dirty="0">
+                <a:latin typeface="Book Antiqua" panose="02040602050305030304" pitchFamily="18" charset="0"/>
+                <a:ea typeface="Calibri" panose="020F0502020204030204" pitchFamily="34" charset="0"/>
+                <a:cs typeface="Times New Roman" panose="02020603050405020304" pitchFamily="18" charset="0"/>
+              </a:rPr>
+              <a:t>)</a:t>
+            </a:r>
+          </a:p>
+          <a:p>
+            <a:pPr marL="1085850" lvl="2" indent="-171450">
+              <a:lnSpc>
+                <a:spcPct val="107000"/>
+              </a:lnSpc>
+              <a:buFont typeface="Symbol" panose="05050102010706020507" pitchFamily="18" charset="2"/>
+              <a:buChar char="Þ"/>
+            </a:pPr>
+            <a:r>
+              <a:rPr lang="fr-FR" sz="1400" dirty="0">
+                <a:latin typeface="Book Antiqua" panose="02040602050305030304" pitchFamily="18" charset="0"/>
+                <a:ea typeface="Calibri" panose="020F0502020204030204" pitchFamily="34" charset="0"/>
+                <a:cs typeface="Times New Roman" panose="02020603050405020304" pitchFamily="18" charset="0"/>
+              </a:rPr>
+              <a:t>Requête de sélection de l’incident =&gt; ? </a:t>
+            </a:r>
+            <a:r>
+              <a:rPr lang="fr-FR" sz="1400" dirty="0" err="1">
+                <a:latin typeface="Book Antiqua" panose="02040602050305030304" pitchFamily="18" charset="0"/>
+                <a:ea typeface="Calibri" panose="020F0502020204030204" pitchFamily="34" charset="0"/>
+                <a:cs typeface="Times New Roman" panose="02020603050405020304" pitchFamily="18" charset="0"/>
+              </a:rPr>
+              <a:t>inc_signal_ut</a:t>
+            </a:r>
+            <a:r>
+              <a:rPr lang="fr-FR" sz="1400" dirty="0">
+                <a:latin typeface="Book Antiqua" panose="02040602050305030304" pitchFamily="18" charset="0"/>
+                <a:ea typeface="Calibri" panose="020F0502020204030204" pitchFamily="34" charset="0"/>
+                <a:cs typeface="Times New Roman" panose="02020603050405020304" pitchFamily="18" charset="0"/>
+              </a:rPr>
+              <a:t> == </a:t>
+            </a:r>
+            <a:r>
+              <a:rPr lang="fr-FR" sz="1400" dirty="0" err="1">
+                <a:latin typeface="Book Antiqua" panose="02040602050305030304" pitchFamily="18" charset="0"/>
+                <a:ea typeface="Calibri" panose="020F0502020204030204" pitchFamily="34" charset="0"/>
+                <a:cs typeface="Times New Roman" panose="02020603050405020304" pitchFamily="18" charset="0"/>
+              </a:rPr>
+              <a:t>session.uuid</a:t>
+            </a:r>
+            <a:r>
+              <a:rPr lang="fr-FR" sz="1400" dirty="0">
+                <a:latin typeface="Book Antiqua" panose="02040602050305030304" pitchFamily="18" charset="0"/>
+                <a:ea typeface="Calibri" panose="020F0502020204030204" pitchFamily="34" charset="0"/>
+                <a:cs typeface="Times New Roman" panose="02020603050405020304" pitchFamily="18" charset="0"/>
+              </a:rPr>
+              <a:t>) </a:t>
+            </a:r>
+          </a:p>
+          <a:p>
+            <a:pPr>
+              <a:lnSpc>
+                <a:spcPct val="107000"/>
+              </a:lnSpc>
+            </a:pPr>
+            <a:endParaRPr lang="fr-FR" sz="1400" dirty="0">
+              <a:latin typeface="Book Antiqua" panose="02040602050305030304" pitchFamily="18" charset="0"/>
+              <a:ea typeface="Calibri" panose="020F0502020204030204" pitchFamily="34" charset="0"/>
+              <a:cs typeface="Times New Roman" panose="02020603050405020304" pitchFamily="18" charset="0"/>
+            </a:endParaRPr>
+          </a:p>
+          <a:p>
+            <a:pPr>
+              <a:lnSpc>
+                <a:spcPct val="107000"/>
+              </a:lnSpc>
+            </a:pPr>
+            <a:endParaRPr lang="fr-FR" sz="1400" dirty="0">
+              <a:latin typeface="Book Antiqua" panose="02040602050305030304" pitchFamily="18" charset="0"/>
+              <a:ea typeface="Calibri" panose="020F0502020204030204" pitchFamily="34" charset="0"/>
+              <a:cs typeface="Times New Roman" panose="02020603050405020304" pitchFamily="18" charset="0"/>
+            </a:endParaRPr>
+          </a:p>
+          <a:p>
+            <a:pPr>
+              <a:lnSpc>
+                <a:spcPct val="107000"/>
+              </a:lnSpc>
+            </a:pPr>
+            <a:r>
+              <a:rPr lang="fr-FR" sz="1400" dirty="0">
+                <a:latin typeface="Book Antiqua" panose="02040602050305030304" pitchFamily="18" charset="0"/>
+                <a:ea typeface="Calibri" panose="020F0502020204030204" pitchFamily="34" charset="0"/>
+                <a:cs typeface="Times New Roman" panose="02020603050405020304" pitchFamily="18" charset="0"/>
+              </a:rPr>
+              <a:t>S’autodétruit 10 minutes après la dernière connexion.</a:t>
             </a:r>
           </a:p>
         </p:txBody>
       </p:sp>
       <p:pic>
         <p:nvPicPr>
-          <p:cNvPr id="4" name="Image 3">
-            <a:extLst>
-              <a:ext uri="{FF2B5EF4-FFF2-40B4-BE49-F238E27FC236}">
-                <a16:creationId xmlns:a16="http://schemas.microsoft.com/office/drawing/2014/main" id="{BD05A891-3873-4365-62CC-FE46647530A5}"/>
+          <p:cNvPr id="5" name="Image 4">
+            <a:extLst>
+              <a:ext uri="{FF2B5EF4-FFF2-40B4-BE49-F238E27FC236}">
+                <a16:creationId xmlns:a16="http://schemas.microsoft.com/office/drawing/2014/main" id="{BA7A1198-FF12-82A3-1975-CA5EFABB0151}"/>
               </a:ext>
             </a:extLst>
           </p:cNvPr>
@@ -5890,297 +5811,18 @@
         </p:blipFill>
         <p:spPr>
           <a:xfrm>
-            <a:off x="1080233" y="1659586"/>
-            <a:ext cx="1237987" cy="972704"/>
+            <a:off x="8566471" y="1047704"/>
+            <a:ext cx="2190750" cy="1781175"/>
           </a:xfrm>
           <a:prstGeom prst="rect">
             <a:avLst/>
           </a:prstGeom>
         </p:spPr>
       </p:pic>
-      <p:sp>
-        <p:nvSpPr>
-          <p:cNvPr id="11" name="ZoneTexte 10">
-            <a:extLst>
-              <a:ext uri="{FF2B5EF4-FFF2-40B4-BE49-F238E27FC236}">
-                <a16:creationId xmlns:a16="http://schemas.microsoft.com/office/drawing/2014/main" id="{EF9DF4BE-A068-06C1-BFE4-0B4C0E78BBCD}"/>
-              </a:ext>
-            </a:extLst>
-          </p:cNvPr>
-          <p:cNvSpPr txBox="1"/>
-          <p:nvPr/>
-        </p:nvSpPr>
-        <p:spPr>
-          <a:xfrm>
-            <a:off x="2443506" y="1820208"/>
-            <a:ext cx="6094070" cy="651460"/>
-          </a:xfrm>
-          <a:prstGeom prst="rect">
-            <a:avLst/>
-          </a:prstGeom>
-          <a:noFill/>
-        </p:spPr>
-        <p:txBody>
-          <a:bodyPr wrap="square">
-            <a:spAutoFit/>
-          </a:bodyPr>
-          <a:lstStyle/>
-          <a:p>
-            <a:pPr>
-              <a:spcAft>
-                <a:spcPts val="1000"/>
-              </a:spcAft>
-            </a:pPr>
-            <a:r>
-              <a:rPr lang="fr-FR" sz="1400" dirty="0">
-                <a:hlinkClick r:id="rId3"/>
-              </a:rPr>
-              <a:t>https://github.com/mapette/sos_immo</a:t>
-            </a:r>
-            <a:endParaRPr lang="fr-FR" sz="1400" dirty="0"/>
-          </a:p>
-          <a:p>
-            <a:pPr>
-              <a:spcAft>
-                <a:spcPts val="1000"/>
-              </a:spcAft>
-            </a:pPr>
-            <a:r>
-              <a:rPr lang="fr-FR" sz="1400" dirty="0">
-                <a:hlinkClick r:id="rId4"/>
-              </a:rPr>
-              <a:t>https://github.com/mapette/sos_immo_backend</a:t>
-            </a:r>
-            <a:endParaRPr lang="fr-FR" sz="1400" dirty="0"/>
-          </a:p>
-        </p:txBody>
-      </p:sp>
-      <p:pic>
-        <p:nvPicPr>
-          <p:cNvPr id="13" name="Image 12">
-            <a:extLst>
-              <a:ext uri="{FF2B5EF4-FFF2-40B4-BE49-F238E27FC236}">
-                <a16:creationId xmlns:a16="http://schemas.microsoft.com/office/drawing/2014/main" id="{70F05F1B-186E-4E88-B0FF-19E1C8DCA6A9}"/>
-              </a:ext>
-            </a:extLst>
-          </p:cNvPr>
-          <p:cNvPicPr>
-            <a:picLocks noChangeAspect="1"/>
-          </p:cNvPicPr>
-          <p:nvPr/>
-        </p:nvPicPr>
-        <p:blipFill>
-          <a:blip r:embed="rId5"/>
-          <a:stretch>
-            <a:fillRect/>
-          </a:stretch>
-        </p:blipFill>
-        <p:spPr>
-          <a:xfrm>
-            <a:off x="2680301" y="4029507"/>
-            <a:ext cx="2057400" cy="1666875"/>
-          </a:xfrm>
-          <a:prstGeom prst="rect">
-            <a:avLst/>
-          </a:prstGeom>
-        </p:spPr>
-      </p:pic>
-      <p:pic>
-        <p:nvPicPr>
-          <p:cNvPr id="6" name="Image 5">
-            <a:extLst>
-              <a:ext uri="{FF2B5EF4-FFF2-40B4-BE49-F238E27FC236}">
-                <a16:creationId xmlns:a16="http://schemas.microsoft.com/office/drawing/2014/main" id="{649BB2DA-788A-E445-58FB-0CA69F55B61E}"/>
-              </a:ext>
-            </a:extLst>
-          </p:cNvPr>
-          <p:cNvPicPr>
-            <a:picLocks noChangeAspect="1"/>
-          </p:cNvPicPr>
-          <p:nvPr/>
-        </p:nvPicPr>
-        <p:blipFill>
-          <a:blip r:embed="rId6"/>
-          <a:stretch>
-            <a:fillRect/>
-          </a:stretch>
-        </p:blipFill>
-        <p:spPr>
-          <a:xfrm>
-            <a:off x="6894479" y="4029507"/>
-            <a:ext cx="2263180" cy="1705468"/>
-          </a:xfrm>
-          <a:prstGeom prst="rect">
-            <a:avLst/>
-          </a:prstGeom>
-        </p:spPr>
-      </p:pic>
-      <p:sp>
-        <p:nvSpPr>
-          <p:cNvPr id="7" name="ZoneTexte 6">
-            <a:extLst>
-              <a:ext uri="{FF2B5EF4-FFF2-40B4-BE49-F238E27FC236}">
-                <a16:creationId xmlns:a16="http://schemas.microsoft.com/office/drawing/2014/main" id="{3DD82431-573B-CC46-70D0-FF4D5003B73D}"/>
-              </a:ext>
-            </a:extLst>
-          </p:cNvPr>
-          <p:cNvSpPr txBox="1"/>
-          <p:nvPr/>
-        </p:nvSpPr>
-        <p:spPr>
-          <a:xfrm>
-            <a:off x="2523404" y="3421643"/>
-            <a:ext cx="2356735" cy="338554"/>
-          </a:xfrm>
-          <a:prstGeom prst="rect">
-            <a:avLst/>
-          </a:prstGeom>
-          <a:noFill/>
-        </p:spPr>
-        <p:txBody>
-          <a:bodyPr wrap="none" rtlCol="0">
-            <a:spAutoFit/>
-          </a:bodyPr>
-          <a:lstStyle/>
-          <a:p>
-            <a:r>
-              <a:rPr lang="fr-FR" sz="1600" dirty="0"/>
-              <a:t>Front        tests unitaires</a:t>
-            </a:r>
-          </a:p>
-        </p:txBody>
-      </p:sp>
-      <p:sp>
-        <p:nvSpPr>
-          <p:cNvPr id="8" name="Flèche : droite à entaille 7">
-            <a:extLst>
-              <a:ext uri="{FF2B5EF4-FFF2-40B4-BE49-F238E27FC236}">
-                <a16:creationId xmlns:a16="http://schemas.microsoft.com/office/drawing/2014/main" id="{CD06097B-4338-B765-6B93-826D05B33B5A}"/>
-              </a:ext>
-            </a:extLst>
-          </p:cNvPr>
-          <p:cNvSpPr/>
-          <p:nvPr/>
-        </p:nvSpPr>
-        <p:spPr>
-          <a:xfrm>
-            <a:off x="3177373" y="3522856"/>
-            <a:ext cx="276040" cy="169625"/>
-          </a:xfrm>
-          <a:prstGeom prst="notchedRightArrow">
-            <a:avLst/>
-          </a:prstGeom>
-        </p:spPr>
-        <p:style>
-          <a:lnRef idx="2">
-            <a:schemeClr val="accent1">
-              <a:shade val="50000"/>
-            </a:schemeClr>
-          </a:lnRef>
-          <a:fillRef idx="1">
-            <a:schemeClr val="accent1"/>
-          </a:fillRef>
-          <a:effectRef idx="0">
-            <a:schemeClr val="accent1"/>
-          </a:effectRef>
-          <a:fontRef idx="minor">
-            <a:schemeClr val="lt1"/>
-          </a:fontRef>
-        </p:style>
-        <p:txBody>
-          <a:bodyPr rtlCol="0" anchor="ctr"/>
-          <a:lstStyle/>
-          <a:p>
-            <a:pPr algn="ctr"/>
-            <a:endParaRPr lang="fr-FR" sz="1600"/>
-          </a:p>
-        </p:txBody>
-      </p:sp>
-      <p:sp>
-        <p:nvSpPr>
-          <p:cNvPr id="9" name="ZoneTexte 8">
-            <a:extLst>
-              <a:ext uri="{FF2B5EF4-FFF2-40B4-BE49-F238E27FC236}">
-                <a16:creationId xmlns:a16="http://schemas.microsoft.com/office/drawing/2014/main" id="{FA3EE4EA-0768-B97E-6ADA-A79B721CBAD7}"/>
-              </a:ext>
-            </a:extLst>
-          </p:cNvPr>
-          <p:cNvSpPr txBox="1"/>
-          <p:nvPr/>
-        </p:nvSpPr>
-        <p:spPr>
-          <a:xfrm>
-            <a:off x="6661880" y="3421643"/>
-            <a:ext cx="2772234" cy="338554"/>
-          </a:xfrm>
-          <a:prstGeom prst="rect">
-            <a:avLst/>
-          </a:prstGeom>
-          <a:noFill/>
-        </p:spPr>
-        <p:txBody>
-          <a:bodyPr wrap="none" rtlCol="0">
-            <a:spAutoFit/>
-          </a:bodyPr>
-          <a:lstStyle/>
-          <a:p>
-            <a:r>
-              <a:rPr lang="fr-FR" sz="1600" dirty="0"/>
-              <a:t>Back         tests d’intégration</a:t>
-            </a:r>
-          </a:p>
-        </p:txBody>
-      </p:sp>
-      <p:sp>
-        <p:nvSpPr>
-          <p:cNvPr id="10" name="Flèche : droite à entaille 9">
-            <a:extLst>
-              <a:ext uri="{FF2B5EF4-FFF2-40B4-BE49-F238E27FC236}">
-                <a16:creationId xmlns:a16="http://schemas.microsoft.com/office/drawing/2014/main" id="{27362EAD-71F2-2959-699A-A17D0DC62A01}"/>
-              </a:ext>
-            </a:extLst>
-          </p:cNvPr>
-          <p:cNvSpPr/>
-          <p:nvPr/>
-        </p:nvSpPr>
-        <p:spPr>
-          <a:xfrm>
-            <a:off x="7292375" y="3522856"/>
-            <a:ext cx="276040" cy="169625"/>
-          </a:xfrm>
-          <a:prstGeom prst="notchedRightArrow">
-            <a:avLst/>
-          </a:prstGeom>
-        </p:spPr>
-        <p:style>
-          <a:lnRef idx="2">
-            <a:schemeClr val="accent1">
-              <a:shade val="50000"/>
-            </a:schemeClr>
-          </a:lnRef>
-          <a:fillRef idx="1">
-            <a:schemeClr val="accent1"/>
-          </a:fillRef>
-          <a:effectRef idx="0">
-            <a:schemeClr val="accent1"/>
-          </a:effectRef>
-          <a:fontRef idx="minor">
-            <a:schemeClr val="lt1"/>
-          </a:fontRef>
-        </p:style>
-        <p:txBody>
-          <a:bodyPr rtlCol="0" anchor="ctr"/>
-          <a:lstStyle/>
-          <a:p>
-            <a:pPr algn="ctr"/>
-            <a:endParaRPr lang="fr-FR" sz="1600"/>
-          </a:p>
-        </p:txBody>
-      </p:sp>
     </p:spTree>
     <p:extLst>
       <p:ext uri="{BB962C8B-B14F-4D97-AF65-F5344CB8AC3E}">
-        <p14:creationId xmlns:p14="http://schemas.microsoft.com/office/powerpoint/2010/main" val="2890170228"/>
+        <p14:creationId xmlns:p14="http://schemas.microsoft.com/office/powerpoint/2010/main" val="2247162947"/>
       </p:ext>
     </p:extLst>
   </p:cSld>
@@ -6223,7 +5865,12 @@
             <p:ph type="title"/>
           </p:nvPr>
         </p:nvSpPr>
-        <p:spPr/>
+        <p:spPr>
+          <a:xfrm>
+            <a:off x="838200" y="681038"/>
+            <a:ext cx="10515600" cy="972704"/>
+          </a:xfrm>
+        </p:spPr>
         <p:txBody>
           <a:bodyPr>
             <a:normAutofit/>
@@ -6232,17 +5879,17 @@
           <a:p>
             <a:r>
               <a:rPr lang="fr-FR" sz="4000" dirty="0"/>
-              <a:t>Bilan</a:t>
+              <a:t>Organisation du travail</a:t>
             </a:r>
           </a:p>
         </p:txBody>
       </p:sp>
       <p:pic>
         <p:nvPicPr>
-          <p:cNvPr id="5" name="Image 4">
-            <a:extLst>
-              <a:ext uri="{FF2B5EF4-FFF2-40B4-BE49-F238E27FC236}">
-                <a16:creationId xmlns:a16="http://schemas.microsoft.com/office/drawing/2014/main" id="{6065B95F-F38D-A5EC-7220-4444776466A4}"/>
+          <p:cNvPr id="4" name="Image 3">
+            <a:extLst>
+              <a:ext uri="{FF2B5EF4-FFF2-40B4-BE49-F238E27FC236}">
+                <a16:creationId xmlns:a16="http://schemas.microsoft.com/office/drawing/2014/main" id="{BD05A891-3873-4365-62CC-FE46647530A5}"/>
               </a:ext>
             </a:extLst>
           </p:cNvPr>
@@ -6259,8 +5906,621 @@
         </p:blipFill>
         <p:spPr>
           <a:xfrm>
-            <a:off x="2444524" y="2057795"/>
-            <a:ext cx="2543714" cy="1854531"/>
+            <a:off x="1136341" y="1565098"/>
+            <a:ext cx="1094915" cy="860290"/>
+          </a:xfrm>
+          <a:prstGeom prst="rect">
+            <a:avLst/>
+          </a:prstGeom>
+        </p:spPr>
+      </p:pic>
+      <p:sp>
+        <p:nvSpPr>
+          <p:cNvPr id="11" name="ZoneTexte 10">
+            <a:extLst>
+              <a:ext uri="{FF2B5EF4-FFF2-40B4-BE49-F238E27FC236}">
+                <a16:creationId xmlns:a16="http://schemas.microsoft.com/office/drawing/2014/main" id="{EF9DF4BE-A068-06C1-BFE4-0B4C0E78BBCD}"/>
+              </a:ext>
+            </a:extLst>
+          </p:cNvPr>
+          <p:cNvSpPr txBox="1"/>
+          <p:nvPr/>
+        </p:nvSpPr>
+        <p:spPr>
+          <a:xfrm>
+            <a:off x="758300" y="2412306"/>
+            <a:ext cx="4230950" cy="574516"/>
+          </a:xfrm>
+          <a:prstGeom prst="rect">
+            <a:avLst/>
+          </a:prstGeom>
+          <a:noFill/>
+        </p:spPr>
+        <p:txBody>
+          <a:bodyPr wrap="square">
+            <a:spAutoFit/>
+          </a:bodyPr>
+          <a:lstStyle/>
+          <a:p>
+            <a:pPr>
+              <a:spcAft>
+                <a:spcPts val="400"/>
+              </a:spcAft>
+            </a:pPr>
+            <a:r>
+              <a:rPr lang="fr-FR" sz="1400" dirty="0">
+                <a:hlinkClick r:id="rId3"/>
+              </a:rPr>
+              <a:t>https://github.com/mapette/sos_immo</a:t>
+            </a:r>
+            <a:endParaRPr lang="fr-FR" sz="1400" dirty="0"/>
+          </a:p>
+          <a:p>
+            <a:pPr>
+              <a:spcAft>
+                <a:spcPts val="400"/>
+              </a:spcAft>
+            </a:pPr>
+            <a:r>
+              <a:rPr lang="fr-FR" sz="1400" dirty="0">
+                <a:hlinkClick r:id="rId4"/>
+              </a:rPr>
+              <a:t>https://github.com/mapette/sos_immo_backend</a:t>
+            </a:r>
+            <a:endParaRPr lang="fr-FR" sz="1400" dirty="0"/>
+          </a:p>
+        </p:txBody>
+      </p:sp>
+      <p:pic>
+        <p:nvPicPr>
+          <p:cNvPr id="13" name="Image 12">
+            <a:extLst>
+              <a:ext uri="{FF2B5EF4-FFF2-40B4-BE49-F238E27FC236}">
+                <a16:creationId xmlns:a16="http://schemas.microsoft.com/office/drawing/2014/main" id="{70F05F1B-186E-4E88-B0FF-19E1C8DCA6A9}"/>
+              </a:ext>
+            </a:extLst>
+          </p:cNvPr>
+          <p:cNvPicPr>
+            <a:picLocks noChangeAspect="1"/>
+          </p:cNvPicPr>
+          <p:nvPr/>
+        </p:nvPicPr>
+        <p:blipFill>
+          <a:blip r:embed="rId5"/>
+          <a:stretch>
+            <a:fillRect/>
+          </a:stretch>
+        </p:blipFill>
+        <p:spPr>
+          <a:xfrm>
+            <a:off x="7209331" y="2113877"/>
+            <a:ext cx="931922" cy="755029"/>
+          </a:xfrm>
+          <a:prstGeom prst="rect">
+            <a:avLst/>
+          </a:prstGeom>
+        </p:spPr>
+      </p:pic>
+      <p:pic>
+        <p:nvPicPr>
+          <p:cNvPr id="6" name="Image 5">
+            <a:extLst>
+              <a:ext uri="{FF2B5EF4-FFF2-40B4-BE49-F238E27FC236}">
+                <a16:creationId xmlns:a16="http://schemas.microsoft.com/office/drawing/2014/main" id="{649BB2DA-788A-E445-58FB-0CA69F55B61E}"/>
+              </a:ext>
+            </a:extLst>
+          </p:cNvPr>
+          <p:cNvPicPr>
+            <a:picLocks noChangeAspect="1"/>
+          </p:cNvPicPr>
+          <p:nvPr/>
+        </p:nvPicPr>
+        <p:blipFill>
+          <a:blip r:embed="rId6"/>
+          <a:stretch>
+            <a:fillRect/>
+          </a:stretch>
+        </p:blipFill>
+        <p:spPr>
+          <a:xfrm>
+            <a:off x="7858778" y="4084960"/>
+            <a:ext cx="1022445" cy="770486"/>
+          </a:xfrm>
+          <a:prstGeom prst="rect">
+            <a:avLst/>
+          </a:prstGeom>
+        </p:spPr>
+      </p:pic>
+      <p:sp>
+        <p:nvSpPr>
+          <p:cNvPr id="7" name="ZoneTexte 6">
+            <a:extLst>
+              <a:ext uri="{FF2B5EF4-FFF2-40B4-BE49-F238E27FC236}">
+                <a16:creationId xmlns:a16="http://schemas.microsoft.com/office/drawing/2014/main" id="{3DD82431-573B-CC46-70D0-FF4D5003B73D}"/>
+              </a:ext>
+            </a:extLst>
+          </p:cNvPr>
+          <p:cNvSpPr txBox="1"/>
+          <p:nvPr/>
+        </p:nvSpPr>
+        <p:spPr>
+          <a:xfrm>
+            <a:off x="7702855" y="1689803"/>
+            <a:ext cx="2356735" cy="338554"/>
+          </a:xfrm>
+          <a:prstGeom prst="rect">
+            <a:avLst/>
+          </a:prstGeom>
+          <a:noFill/>
+        </p:spPr>
+        <p:txBody>
+          <a:bodyPr wrap="none" rtlCol="0">
+            <a:spAutoFit/>
+          </a:bodyPr>
+          <a:lstStyle/>
+          <a:p>
+            <a:r>
+              <a:rPr lang="fr-FR" sz="1600" dirty="0"/>
+              <a:t>Front        tests unitaires</a:t>
+            </a:r>
+          </a:p>
+        </p:txBody>
+      </p:sp>
+      <p:sp>
+        <p:nvSpPr>
+          <p:cNvPr id="8" name="Flèche : droite à entaille 7">
+            <a:extLst>
+              <a:ext uri="{FF2B5EF4-FFF2-40B4-BE49-F238E27FC236}">
+                <a16:creationId xmlns:a16="http://schemas.microsoft.com/office/drawing/2014/main" id="{CD06097B-4338-B765-6B93-826D05B33B5A}"/>
+              </a:ext>
+            </a:extLst>
+          </p:cNvPr>
+          <p:cNvSpPr/>
+          <p:nvPr/>
+        </p:nvSpPr>
+        <p:spPr>
+          <a:xfrm>
+            <a:off x="8356824" y="1791016"/>
+            <a:ext cx="276040" cy="169625"/>
+          </a:xfrm>
+          <a:prstGeom prst="notchedRightArrow">
+            <a:avLst/>
+          </a:prstGeom>
+        </p:spPr>
+        <p:style>
+          <a:lnRef idx="2">
+            <a:schemeClr val="accent1">
+              <a:shade val="50000"/>
+            </a:schemeClr>
+          </a:lnRef>
+          <a:fillRef idx="1">
+            <a:schemeClr val="accent1"/>
+          </a:fillRef>
+          <a:effectRef idx="0">
+            <a:schemeClr val="accent1"/>
+          </a:effectRef>
+          <a:fontRef idx="minor">
+            <a:schemeClr val="lt1"/>
+          </a:fontRef>
+        </p:style>
+        <p:txBody>
+          <a:bodyPr rtlCol="0" anchor="ctr"/>
+          <a:lstStyle/>
+          <a:p>
+            <a:pPr algn="ctr"/>
+            <a:endParaRPr lang="fr-FR" sz="1600"/>
+          </a:p>
+        </p:txBody>
+      </p:sp>
+      <p:sp>
+        <p:nvSpPr>
+          <p:cNvPr id="9" name="ZoneTexte 8">
+            <a:extLst>
+              <a:ext uri="{FF2B5EF4-FFF2-40B4-BE49-F238E27FC236}">
+                <a16:creationId xmlns:a16="http://schemas.microsoft.com/office/drawing/2014/main" id="{FA3EE4EA-0768-B97E-6ADA-A79B721CBAD7}"/>
+              </a:ext>
+            </a:extLst>
+          </p:cNvPr>
+          <p:cNvSpPr txBox="1"/>
+          <p:nvPr/>
+        </p:nvSpPr>
+        <p:spPr>
+          <a:xfrm>
+            <a:off x="7858778" y="3602112"/>
+            <a:ext cx="2772234" cy="338554"/>
+          </a:xfrm>
+          <a:prstGeom prst="rect">
+            <a:avLst/>
+          </a:prstGeom>
+          <a:noFill/>
+        </p:spPr>
+        <p:txBody>
+          <a:bodyPr wrap="none" rtlCol="0">
+            <a:spAutoFit/>
+          </a:bodyPr>
+          <a:lstStyle/>
+          <a:p>
+            <a:r>
+              <a:rPr lang="fr-FR" sz="1600" dirty="0"/>
+              <a:t>Back         tests d’intégration</a:t>
+            </a:r>
+          </a:p>
+        </p:txBody>
+      </p:sp>
+      <p:sp>
+        <p:nvSpPr>
+          <p:cNvPr id="10" name="Flèche : droite à entaille 9">
+            <a:extLst>
+              <a:ext uri="{FF2B5EF4-FFF2-40B4-BE49-F238E27FC236}">
+                <a16:creationId xmlns:a16="http://schemas.microsoft.com/office/drawing/2014/main" id="{27362EAD-71F2-2959-699A-A17D0DC62A01}"/>
+              </a:ext>
+            </a:extLst>
+          </p:cNvPr>
+          <p:cNvSpPr/>
+          <p:nvPr/>
+        </p:nvSpPr>
+        <p:spPr>
+          <a:xfrm>
+            <a:off x="8489273" y="3703325"/>
+            <a:ext cx="276040" cy="169625"/>
+          </a:xfrm>
+          <a:prstGeom prst="notchedRightArrow">
+            <a:avLst/>
+          </a:prstGeom>
+        </p:spPr>
+        <p:style>
+          <a:lnRef idx="2">
+            <a:schemeClr val="accent1">
+              <a:shade val="50000"/>
+            </a:schemeClr>
+          </a:lnRef>
+          <a:fillRef idx="1">
+            <a:schemeClr val="accent1"/>
+          </a:fillRef>
+          <a:effectRef idx="0">
+            <a:schemeClr val="accent1"/>
+          </a:effectRef>
+          <a:fontRef idx="minor">
+            <a:schemeClr val="lt1"/>
+          </a:fontRef>
+        </p:style>
+        <p:txBody>
+          <a:bodyPr rtlCol="0" anchor="ctr"/>
+          <a:lstStyle/>
+          <a:p>
+            <a:pPr algn="ctr"/>
+            <a:endParaRPr lang="fr-FR" sz="1600"/>
+          </a:p>
+        </p:txBody>
+      </p:sp>
+      <p:sp>
+        <p:nvSpPr>
+          <p:cNvPr id="3" name="ZoneTexte 2">
+            <a:extLst>
+              <a:ext uri="{FF2B5EF4-FFF2-40B4-BE49-F238E27FC236}">
+                <a16:creationId xmlns:a16="http://schemas.microsoft.com/office/drawing/2014/main" id="{D8056DB4-F043-93F9-188E-ACDA99A25481}"/>
+              </a:ext>
+            </a:extLst>
+          </p:cNvPr>
+          <p:cNvSpPr txBox="1"/>
+          <p:nvPr/>
+        </p:nvSpPr>
+        <p:spPr>
+          <a:xfrm>
+            <a:off x="8973138" y="3995959"/>
+            <a:ext cx="2180561" cy="1338828"/>
+          </a:xfrm>
+          <a:prstGeom prst="rect">
+            <a:avLst/>
+          </a:prstGeom>
+          <a:noFill/>
+        </p:spPr>
+        <p:txBody>
+          <a:bodyPr wrap="square" rtlCol="0">
+            <a:spAutoFit/>
+          </a:bodyPr>
+          <a:lstStyle/>
+          <a:p>
+            <a:r>
+              <a:rPr lang="fr-FR" sz="900" dirty="0"/>
+              <a:t>Scenario :</a:t>
+            </a:r>
+          </a:p>
+          <a:p>
+            <a:pPr marL="228600" indent="-228600">
+              <a:buFont typeface="+mj-lt"/>
+              <a:buAutoNum type="arabicPeriod"/>
+            </a:pPr>
+            <a:r>
+              <a:rPr lang="fr-FR" sz="900" dirty="0">
+                <a:solidFill>
+                  <a:schemeClr val="accent5">
+                    <a:lumMod val="75000"/>
+                  </a:schemeClr>
+                </a:solidFill>
+              </a:rPr>
+              <a:t>Un usager s’authentifie.</a:t>
+            </a:r>
+          </a:p>
+          <a:p>
+            <a:pPr marL="228600" indent="-228600">
+              <a:buFont typeface="+mj-lt"/>
+              <a:buAutoNum type="arabicPeriod"/>
+            </a:pPr>
+            <a:r>
+              <a:rPr lang="fr-FR" sz="900" dirty="0">
+                <a:solidFill>
+                  <a:schemeClr val="accent5">
+                    <a:lumMod val="75000"/>
+                  </a:schemeClr>
+                </a:solidFill>
+              </a:rPr>
+              <a:t>Il fait un signalement.</a:t>
+            </a:r>
+          </a:p>
+          <a:p>
+            <a:pPr marL="228600" indent="-228600">
+              <a:buFont typeface="+mj-lt"/>
+              <a:buAutoNum type="arabicPeriod"/>
+            </a:pPr>
+            <a:r>
+              <a:rPr lang="fr-FR" sz="900" dirty="0"/>
+              <a:t>Un technicien s’authentifie.</a:t>
+            </a:r>
+          </a:p>
+          <a:p>
+            <a:pPr marL="228600" indent="-228600">
+              <a:buFont typeface="+mj-lt"/>
+              <a:buAutoNum type="arabicPeriod"/>
+            </a:pPr>
+            <a:r>
+              <a:rPr lang="fr-FR" sz="900" dirty="0"/>
+              <a:t>Il fait en charge l’incident.</a:t>
+            </a:r>
+          </a:p>
+          <a:p>
+            <a:pPr marL="228600" indent="-228600">
+              <a:buFont typeface="+mj-lt"/>
+              <a:buAutoNum type="arabicPeriod"/>
+            </a:pPr>
+            <a:r>
+              <a:rPr lang="fr-FR" sz="900" dirty="0"/>
+              <a:t>Il signale la fin de l’intervention.</a:t>
+            </a:r>
+          </a:p>
+          <a:p>
+            <a:pPr marL="228600" indent="-228600">
+              <a:buFont typeface="+mj-lt"/>
+              <a:buAutoNum type="arabicPeriod"/>
+            </a:pPr>
+            <a:r>
+              <a:rPr lang="fr-FR" sz="900" dirty="0">
+                <a:solidFill>
+                  <a:schemeClr val="accent5">
+                    <a:lumMod val="75000"/>
+                  </a:schemeClr>
+                </a:solidFill>
+              </a:rPr>
+              <a:t>L’usager s’authentifie.</a:t>
+            </a:r>
+          </a:p>
+          <a:p>
+            <a:pPr marL="228600" indent="-228600">
+              <a:buFont typeface="+mj-lt"/>
+              <a:buAutoNum type="arabicPeriod"/>
+            </a:pPr>
+            <a:r>
+              <a:rPr lang="fr-FR" sz="900" dirty="0">
+                <a:solidFill>
+                  <a:schemeClr val="accent5">
+                    <a:lumMod val="75000"/>
+                  </a:schemeClr>
+                </a:solidFill>
+              </a:rPr>
+              <a:t>Il clôture l’incident.</a:t>
+            </a:r>
+          </a:p>
+          <a:p>
+            <a:r>
+              <a:rPr lang="fr-FR" sz="900" dirty="0"/>
+              <a:t>	</a:t>
+            </a:r>
+          </a:p>
+        </p:txBody>
+      </p:sp>
+      <p:sp>
+        <p:nvSpPr>
+          <p:cNvPr id="5" name="ZoneTexte 4">
+            <a:extLst>
+              <a:ext uri="{FF2B5EF4-FFF2-40B4-BE49-F238E27FC236}">
+                <a16:creationId xmlns:a16="http://schemas.microsoft.com/office/drawing/2014/main" id="{C194F4C1-0653-232F-FDD6-E00582DDEA9E}"/>
+              </a:ext>
+            </a:extLst>
+          </p:cNvPr>
+          <p:cNvSpPr txBox="1"/>
+          <p:nvPr/>
+        </p:nvSpPr>
+        <p:spPr>
+          <a:xfrm>
+            <a:off x="8274823" y="2072756"/>
+            <a:ext cx="2719078" cy="1061829"/>
+          </a:xfrm>
+          <a:prstGeom prst="rect">
+            <a:avLst/>
+          </a:prstGeom>
+          <a:noFill/>
+        </p:spPr>
+        <p:txBody>
+          <a:bodyPr wrap="square" rtlCol="0">
+            <a:spAutoFit/>
+          </a:bodyPr>
+          <a:lstStyle/>
+          <a:p>
+            <a:r>
+              <a:rPr lang="fr-FR" sz="900" dirty="0"/>
+              <a:t>exemple :</a:t>
+            </a:r>
+          </a:p>
+          <a:p>
+            <a:pPr marL="228600" indent="-228600">
+              <a:buFont typeface="Wingdings" panose="05000000000000000000" pitchFamily="2" charset="2"/>
+              <a:buChar char="§"/>
+            </a:pPr>
+            <a:r>
+              <a:rPr lang="fr-FR" sz="900" dirty="0"/>
+              <a:t>Gestion des formats </a:t>
+            </a:r>
+            <a:r>
+              <a:rPr lang="fr-FR" sz="900" dirty="0" err="1"/>
+              <a:t>css</a:t>
+            </a:r>
+            <a:r>
+              <a:rPr lang="fr-FR" sz="900" dirty="0"/>
+              <a:t>.</a:t>
+            </a:r>
+          </a:p>
+          <a:p>
+            <a:pPr marL="228600" indent="-228600">
+              <a:buFont typeface="Wingdings" panose="05000000000000000000" pitchFamily="2" charset="2"/>
+              <a:buChar char="§"/>
+            </a:pPr>
+            <a:r>
+              <a:rPr lang="fr-FR" sz="900" dirty="0"/>
+              <a:t>Détermination du status d’incident selon les données de l’objet.</a:t>
+            </a:r>
+          </a:p>
+          <a:p>
+            <a:pPr marL="228600" indent="-228600">
+              <a:buFont typeface="Wingdings" panose="05000000000000000000" pitchFamily="2" charset="2"/>
+              <a:buChar char="§"/>
+            </a:pPr>
+            <a:r>
+              <a:rPr lang="fr-FR" sz="900" dirty="0"/>
+              <a:t>Retour au bon format des date et heures d’un objet</a:t>
+            </a:r>
+          </a:p>
+          <a:p>
+            <a:r>
+              <a:rPr lang="fr-FR" sz="900" dirty="0"/>
+              <a:t>	</a:t>
+            </a:r>
+          </a:p>
+        </p:txBody>
+      </p:sp>
+      <p:pic>
+        <p:nvPicPr>
+          <p:cNvPr id="14" name="Image 13">
+            <a:extLst>
+              <a:ext uri="{FF2B5EF4-FFF2-40B4-BE49-F238E27FC236}">
+                <a16:creationId xmlns:a16="http://schemas.microsoft.com/office/drawing/2014/main" id="{CB404869-F9E4-8A2B-B9CB-838C599F46CB}"/>
+              </a:ext>
+            </a:extLst>
+          </p:cNvPr>
+          <p:cNvPicPr>
+            <a:picLocks noChangeAspect="1"/>
+          </p:cNvPicPr>
+          <p:nvPr/>
+        </p:nvPicPr>
+        <p:blipFill>
+          <a:blip r:embed="rId7"/>
+          <a:stretch>
+            <a:fillRect/>
+          </a:stretch>
+        </p:blipFill>
+        <p:spPr>
+          <a:xfrm>
+            <a:off x="838200" y="3267082"/>
+            <a:ext cx="6774713" cy="2801573"/>
+          </a:xfrm>
+          <a:prstGeom prst="rect">
+            <a:avLst/>
+          </a:prstGeom>
+        </p:spPr>
+      </p:pic>
+    </p:spTree>
+    <p:extLst>
+      <p:ext uri="{BB962C8B-B14F-4D97-AF65-F5344CB8AC3E}">
+        <p14:creationId xmlns:p14="http://schemas.microsoft.com/office/powerpoint/2010/main" val="2890170228"/>
+      </p:ext>
+    </p:extLst>
+  </p:cSld>
+  <p:clrMapOvr>
+    <a:masterClrMapping/>
+  </p:clrMapOvr>
+</p:sld>
+</file>
+
+<file path=ppt/slides/slide19.xml><?xml version="1.0" encoding="utf-8"?>
+<p:sld xmlns:a="http://schemas.openxmlformats.org/drawingml/2006/main" xmlns:r="http://schemas.openxmlformats.org/officeDocument/2006/relationships" xmlns:p="http://schemas.openxmlformats.org/presentationml/2006/main">
+  <p:cSld>
+    <p:spTree>
+      <p:nvGrpSpPr>
+        <p:cNvPr id="1" name=""/>
+        <p:cNvGrpSpPr/>
+        <p:nvPr/>
+      </p:nvGrpSpPr>
+      <p:grpSpPr>
+        <a:xfrm>
+          <a:off x="0" y="0"/>
+          <a:ext cx="0" cy="0"/>
+          <a:chOff x="0" y="0"/>
+          <a:chExt cx="0" cy="0"/>
+        </a:xfrm>
+      </p:grpSpPr>
+      <p:sp>
+        <p:nvSpPr>
+          <p:cNvPr id="2" name="Titre 1">
+            <a:extLst>
+              <a:ext uri="{FF2B5EF4-FFF2-40B4-BE49-F238E27FC236}">
+                <a16:creationId xmlns:a16="http://schemas.microsoft.com/office/drawing/2014/main" id="{099E2E77-954A-DD7C-99BF-B9521D1A2115}"/>
+              </a:ext>
+            </a:extLst>
+          </p:cNvPr>
+          <p:cNvSpPr>
+            <a:spLocks noGrp="1"/>
+          </p:cNvSpPr>
+          <p:nvPr>
+            <p:ph type="title"/>
+          </p:nvPr>
+        </p:nvSpPr>
+        <p:spPr/>
+        <p:txBody>
+          <a:bodyPr>
+            <a:normAutofit/>
+          </a:bodyPr>
+          <a:lstStyle/>
+          <a:p>
+            <a:r>
+              <a:rPr lang="fr-FR" sz="4000" dirty="0"/>
+              <a:t>Bilan</a:t>
+            </a:r>
+          </a:p>
+        </p:txBody>
+      </p:sp>
+      <p:pic>
+        <p:nvPicPr>
+          <p:cNvPr id="5" name="Image 4">
+            <a:extLst>
+              <a:ext uri="{FF2B5EF4-FFF2-40B4-BE49-F238E27FC236}">
+                <a16:creationId xmlns:a16="http://schemas.microsoft.com/office/drawing/2014/main" id="{6065B95F-F38D-A5EC-7220-4444776466A4}"/>
+              </a:ext>
+            </a:extLst>
+          </p:cNvPr>
+          <p:cNvPicPr>
+            <a:picLocks noChangeAspect="1"/>
+          </p:cNvPicPr>
+          <p:nvPr/>
+        </p:nvPicPr>
+        <p:blipFill>
+          <a:blip r:embed="rId2"/>
+          <a:stretch>
+            <a:fillRect/>
+          </a:stretch>
+        </p:blipFill>
+        <p:spPr>
+          <a:xfrm>
+            <a:off x="2906162" y="4109407"/>
+            <a:ext cx="2121558" cy="1546752"/>
           </a:xfrm>
           <a:prstGeom prst="rect">
             <a:avLst/>
@@ -6289,14 +6549,154 @@
         </p:blipFill>
         <p:spPr>
           <a:xfrm>
-            <a:off x="5819510" y="3429000"/>
-            <a:ext cx="2768508" cy="1795575"/>
+            <a:off x="8060924" y="4576562"/>
+            <a:ext cx="2121558" cy="1375982"/>
           </a:xfrm>
           <a:prstGeom prst="rect">
             <a:avLst/>
           </a:prstGeom>
         </p:spPr>
       </p:pic>
+      <p:sp>
+        <p:nvSpPr>
+          <p:cNvPr id="4" name="ZoneTexte 3">
+            <a:extLst>
+              <a:ext uri="{FF2B5EF4-FFF2-40B4-BE49-F238E27FC236}">
+                <a16:creationId xmlns:a16="http://schemas.microsoft.com/office/drawing/2014/main" id="{D3BB03B3-C8F9-A8A2-0D1D-0F47C80FD991}"/>
+              </a:ext>
+            </a:extLst>
+          </p:cNvPr>
+          <p:cNvSpPr txBox="1"/>
+          <p:nvPr/>
+        </p:nvSpPr>
+        <p:spPr>
+          <a:xfrm>
+            <a:off x="2268444" y="2054564"/>
+            <a:ext cx="4792659" cy="369332"/>
+          </a:xfrm>
+          <a:prstGeom prst="rect">
+            <a:avLst/>
+          </a:prstGeom>
+          <a:noFill/>
+        </p:spPr>
+        <p:txBody>
+          <a:bodyPr wrap="none" rtlCol="0">
+            <a:spAutoFit/>
+          </a:bodyPr>
+          <a:lstStyle/>
+          <a:p>
+            <a:r>
+              <a:rPr lang="fr-FR" dirty="0"/>
+              <a:t>Acquisition/consolidation de connaissances</a:t>
+            </a:r>
+          </a:p>
+        </p:txBody>
+      </p:sp>
+      <p:sp>
+        <p:nvSpPr>
+          <p:cNvPr id="6" name="ZoneTexte 5">
+            <a:extLst>
+              <a:ext uri="{FF2B5EF4-FFF2-40B4-BE49-F238E27FC236}">
+                <a16:creationId xmlns:a16="http://schemas.microsoft.com/office/drawing/2014/main" id="{8BCCB28F-E72B-5F9A-69AA-A92BFEE605F8}"/>
+              </a:ext>
+            </a:extLst>
+          </p:cNvPr>
+          <p:cNvSpPr txBox="1"/>
+          <p:nvPr/>
+        </p:nvSpPr>
+        <p:spPr>
+          <a:xfrm>
+            <a:off x="3377335" y="2723449"/>
+            <a:ext cx="1778051" cy="369332"/>
+          </a:xfrm>
+          <a:prstGeom prst="rect">
+            <a:avLst/>
+          </a:prstGeom>
+          <a:noFill/>
+        </p:spPr>
+        <p:txBody>
+          <a:bodyPr wrap="none" rtlCol="0">
+            <a:spAutoFit/>
+          </a:bodyPr>
+          <a:lstStyle/>
+          <a:p>
+            <a:r>
+              <a:rPr lang="fr-FR" dirty="0"/>
+              <a:t>Rôles multiples</a:t>
+            </a:r>
+          </a:p>
+        </p:txBody>
+      </p:sp>
+      <p:sp>
+        <p:nvSpPr>
+          <p:cNvPr id="8" name="ZoneTexte 7">
+            <a:extLst>
+              <a:ext uri="{FF2B5EF4-FFF2-40B4-BE49-F238E27FC236}">
+                <a16:creationId xmlns:a16="http://schemas.microsoft.com/office/drawing/2014/main" id="{9E0E4B0B-40A7-FBAE-99DD-EAC551C006D1}"/>
+              </a:ext>
+            </a:extLst>
+          </p:cNvPr>
+          <p:cNvSpPr txBox="1"/>
+          <p:nvPr/>
+        </p:nvSpPr>
+        <p:spPr>
+          <a:xfrm>
+            <a:off x="3943911" y="3069569"/>
+            <a:ext cx="1732141" cy="369332"/>
+          </a:xfrm>
+          <a:prstGeom prst="rect">
+            <a:avLst/>
+          </a:prstGeom>
+          <a:noFill/>
+        </p:spPr>
+        <p:txBody>
+          <a:bodyPr wrap="none" rtlCol="0">
+            <a:spAutoFit/>
+          </a:bodyPr>
+          <a:lstStyle/>
+          <a:p>
+            <a:r>
+              <a:rPr lang="fr-FR" dirty="0"/>
+              <a:t>C’est pas fini…</a:t>
+            </a:r>
+          </a:p>
+        </p:txBody>
+      </p:sp>
+      <p:sp>
+        <p:nvSpPr>
+          <p:cNvPr id="3" name="ZoneTexte 2">
+            <a:extLst>
+              <a:ext uri="{FF2B5EF4-FFF2-40B4-BE49-F238E27FC236}">
+                <a16:creationId xmlns:a16="http://schemas.microsoft.com/office/drawing/2014/main" id="{55246098-10A2-5287-8047-B97F7276AA9E}"/>
+              </a:ext>
+            </a:extLst>
+          </p:cNvPr>
+          <p:cNvSpPr txBox="1"/>
+          <p:nvPr/>
+        </p:nvSpPr>
+        <p:spPr>
+          <a:xfrm>
+            <a:off x="2778002" y="2402304"/>
+            <a:ext cx="2249718" cy="369332"/>
+          </a:xfrm>
+          <a:prstGeom prst="rect">
+            <a:avLst/>
+          </a:prstGeom>
+          <a:noFill/>
+        </p:spPr>
+        <p:txBody>
+          <a:bodyPr wrap="none" rtlCol="0">
+            <a:spAutoFit/>
+          </a:bodyPr>
+          <a:lstStyle/>
+          <a:p>
+            <a:r>
+              <a:rPr lang="fr-FR" dirty="0"/>
+              <a:t>Remise en question</a:t>
+            </a:r>
+          </a:p>
+        </p:txBody>
+      </p:sp>
     </p:spTree>
     <p:extLst>
       <p:ext uri="{BB962C8B-B14F-4D97-AF65-F5344CB8AC3E}">
@@ -6445,619 +6845,688 @@
           </a:p>
         </p:txBody>
       </p:sp>
-      <p:sp>
-        <p:nvSpPr>
-          <p:cNvPr id="10" name="Flèche : bas 9">
-            <a:extLst>
-              <a:ext uri="{FF2B5EF4-FFF2-40B4-BE49-F238E27FC236}">
-                <a16:creationId xmlns:a16="http://schemas.microsoft.com/office/drawing/2014/main" id="{F2A1D092-7AB1-063D-9DE4-C38D720E376D}"/>
-              </a:ext>
-            </a:extLst>
-          </p:cNvPr>
-          <p:cNvSpPr/>
+      <p:grpSp>
+        <p:nvGrpSpPr>
+          <p:cNvPr id="15" name="Groupe 14">
+            <a:extLst>
+              <a:ext uri="{FF2B5EF4-FFF2-40B4-BE49-F238E27FC236}">
+                <a16:creationId xmlns:a16="http://schemas.microsoft.com/office/drawing/2014/main" id="{73AAFA87-9B00-C75A-4EEA-6A4D5659BE1F}"/>
+              </a:ext>
+            </a:extLst>
+          </p:cNvPr>
+          <p:cNvGrpSpPr/>
           <p:nvPr/>
-        </p:nvSpPr>
-        <p:spPr>
-          <a:xfrm rot="16200000">
-            <a:off x="3506418" y="1692125"/>
-            <a:ext cx="416327" cy="617834"/>
-          </a:xfrm>
-          <a:prstGeom prst="downArrow">
-            <a:avLst/>
-          </a:prstGeom>
-        </p:spPr>
-        <p:style>
-          <a:lnRef idx="2">
-            <a:schemeClr val="accent1">
-              <a:shade val="50000"/>
-            </a:schemeClr>
-          </a:lnRef>
-          <a:fillRef idx="1">
-            <a:schemeClr val="accent1"/>
-          </a:fillRef>
-          <a:effectRef idx="0">
-            <a:schemeClr val="accent1"/>
-          </a:effectRef>
-          <a:fontRef idx="minor">
-            <a:schemeClr val="lt1"/>
-          </a:fontRef>
-        </p:style>
-        <p:txBody>
-          <a:bodyPr rtlCol="0" anchor="ctr"/>
-          <a:lstStyle/>
-          <a:p>
-            <a:pPr algn="ctr"/>
-            <a:endParaRPr lang="fr-FR" dirty="0"/>
-          </a:p>
-        </p:txBody>
-      </p:sp>
-      <p:sp>
-        <p:nvSpPr>
-          <p:cNvPr id="3" name="ZoneTexte 2">
-            <a:extLst>
-              <a:ext uri="{FF2B5EF4-FFF2-40B4-BE49-F238E27FC236}">
-                <a16:creationId xmlns:a16="http://schemas.microsoft.com/office/drawing/2014/main" id="{39E74EE8-C0A2-9442-6AC0-6F88A2FD11E3}"/>
-              </a:ext>
-            </a:extLst>
-          </p:cNvPr>
-          <p:cNvSpPr txBox="1"/>
+        </p:nvGrpSpPr>
+        <p:grpSpPr>
+          <a:xfrm>
+            <a:off x="3405665" y="1699578"/>
+            <a:ext cx="3622565" cy="677750"/>
+            <a:chOff x="3405665" y="1699578"/>
+            <a:chExt cx="3622565" cy="677750"/>
+          </a:xfrm>
+        </p:grpSpPr>
+        <p:sp>
+          <p:nvSpPr>
+            <p:cNvPr id="10" name="Flèche : bas 9">
+              <a:extLst>
+                <a:ext uri="{FF2B5EF4-FFF2-40B4-BE49-F238E27FC236}">
+                  <a16:creationId xmlns:a16="http://schemas.microsoft.com/office/drawing/2014/main" id="{F2A1D092-7AB1-063D-9DE4-C38D720E376D}"/>
+                </a:ext>
+              </a:extLst>
+            </p:cNvPr>
+            <p:cNvSpPr/>
+            <p:nvPr/>
+          </p:nvSpPr>
+          <p:spPr>
+            <a:xfrm rot="16200000">
+              <a:off x="3506418" y="1692125"/>
+              <a:ext cx="416327" cy="617834"/>
+            </a:xfrm>
+            <a:prstGeom prst="downArrow">
+              <a:avLst/>
+            </a:prstGeom>
+          </p:spPr>
+          <p:style>
+            <a:lnRef idx="2">
+              <a:schemeClr val="accent1">
+                <a:shade val="50000"/>
+              </a:schemeClr>
+            </a:lnRef>
+            <a:fillRef idx="1">
+              <a:schemeClr val="accent1"/>
+            </a:fillRef>
+            <a:effectRef idx="0">
+              <a:schemeClr val="accent1"/>
+            </a:effectRef>
+            <a:fontRef idx="minor">
+              <a:schemeClr val="lt1"/>
+            </a:fontRef>
+          </p:style>
+          <p:txBody>
+            <a:bodyPr rtlCol="0" anchor="ctr"/>
+            <a:lstStyle/>
+            <a:p>
+              <a:pPr algn="ctr"/>
+              <a:endParaRPr lang="fr-FR" dirty="0"/>
+            </a:p>
+          </p:txBody>
+        </p:sp>
+        <p:sp>
+          <p:nvSpPr>
+            <p:cNvPr id="4" name="ZoneTexte 3">
+              <a:extLst>
+                <a:ext uri="{FF2B5EF4-FFF2-40B4-BE49-F238E27FC236}">
+                  <a16:creationId xmlns:a16="http://schemas.microsoft.com/office/drawing/2014/main" id="{ACBFB3C2-24E4-1B23-1AB4-B4C8AD4DA46F}"/>
+                </a:ext>
+              </a:extLst>
+            </p:cNvPr>
+            <p:cNvSpPr txBox="1"/>
+            <p:nvPr/>
+          </p:nvSpPr>
+          <p:spPr>
+            <a:xfrm>
+              <a:off x="4230635" y="1699578"/>
+              <a:ext cx="2797595" cy="677750"/>
+            </a:xfrm>
+            <a:prstGeom prst="rect">
+              <a:avLst/>
+            </a:prstGeom>
+            <a:noFill/>
+          </p:spPr>
+          <p:txBody>
+            <a:bodyPr wrap="square">
+              <a:spAutoFit/>
+            </a:bodyPr>
+            <a:lstStyle/>
+            <a:p>
+              <a:pPr>
+                <a:lnSpc>
+                  <a:spcPct val="107000"/>
+                </a:lnSpc>
+                <a:spcAft>
+                  <a:spcPts val="800"/>
+                </a:spcAft>
+              </a:pPr>
+              <a:r>
+                <a:rPr lang="fr-FR" sz="1200" dirty="0">
+                  <a:effectLst/>
+                  <a:latin typeface="Book Antiqua" panose="02040602050305030304" pitchFamily="18" charset="0"/>
+                  <a:ea typeface="Calibri" panose="020F0502020204030204" pitchFamily="34" charset="0"/>
+                  <a:cs typeface="Times New Roman" panose="02020603050405020304" pitchFamily="18" charset="0"/>
+                </a:rPr>
+                <a:t>Plan de formation pour adapter les savoirs-faires aux nouveaux besoins de l’entreprise.</a:t>
+              </a:r>
+            </a:p>
+          </p:txBody>
+        </p:sp>
+      </p:grpSp>
+      <p:grpSp>
+        <p:nvGrpSpPr>
+          <p:cNvPr id="16" name="Groupe 15">
+            <a:extLst>
+              <a:ext uri="{FF2B5EF4-FFF2-40B4-BE49-F238E27FC236}">
+                <a16:creationId xmlns:a16="http://schemas.microsoft.com/office/drawing/2014/main" id="{548DCFAB-7C84-1814-B93A-C1ACEC3DDFA8}"/>
+              </a:ext>
+            </a:extLst>
+          </p:cNvPr>
+          <p:cNvGrpSpPr/>
           <p:nvPr/>
-        </p:nvSpPr>
-        <p:spPr>
+        </p:nvGrpSpPr>
+        <p:grpSpPr>
           <a:xfrm>
-            <a:off x="7982313" y="1919581"/>
-            <a:ext cx="1959377" cy="376385"/>
-          </a:xfrm>
-          <a:prstGeom prst="rect">
-            <a:avLst/>
-          </a:prstGeom>
-          <a:noFill/>
-        </p:spPr>
-        <p:txBody>
-          <a:bodyPr wrap="square">
-            <a:spAutoFit/>
-          </a:bodyPr>
-          <a:lstStyle/>
-          <a:p>
-            <a:pPr>
-              <a:lnSpc>
-                <a:spcPct val="107000"/>
-              </a:lnSpc>
-              <a:spcAft>
-                <a:spcPts val="800"/>
-              </a:spcAft>
-            </a:pPr>
-            <a:r>
-              <a:rPr lang="fr-FR" b="1" dirty="0">
-                <a:solidFill>
-                  <a:schemeClr val="accent1">
-                    <a:lumMod val="50000"/>
-                  </a:schemeClr>
-                </a:solidFill>
-                <a:effectLst/>
-                <a:latin typeface="Book Antiqua" panose="02040602050305030304" pitchFamily="18" charset="0"/>
-                <a:ea typeface="Calibri" panose="020F0502020204030204" pitchFamily="34" charset="0"/>
-                <a:cs typeface="Times New Roman" panose="02020603050405020304" pitchFamily="18" charset="0"/>
-              </a:rPr>
-              <a:t>RESKILLING !!!</a:t>
-            </a:r>
-          </a:p>
-        </p:txBody>
-      </p:sp>
-      <p:sp>
-        <p:nvSpPr>
-          <p:cNvPr id="4" name="ZoneTexte 3">
-            <a:extLst>
-              <a:ext uri="{FF2B5EF4-FFF2-40B4-BE49-F238E27FC236}">
-                <a16:creationId xmlns:a16="http://schemas.microsoft.com/office/drawing/2014/main" id="{ACBFB3C2-24E4-1B23-1AB4-B4C8AD4DA46F}"/>
-              </a:ext>
-            </a:extLst>
-          </p:cNvPr>
-          <p:cNvSpPr txBox="1"/>
+            <a:off x="7205896" y="1867865"/>
+            <a:ext cx="2735794" cy="428101"/>
+            <a:chOff x="7205896" y="1867865"/>
+            <a:chExt cx="2735794" cy="428101"/>
+          </a:xfrm>
+        </p:grpSpPr>
+        <p:sp>
+          <p:nvSpPr>
+            <p:cNvPr id="3" name="ZoneTexte 2">
+              <a:extLst>
+                <a:ext uri="{FF2B5EF4-FFF2-40B4-BE49-F238E27FC236}">
+                  <a16:creationId xmlns:a16="http://schemas.microsoft.com/office/drawing/2014/main" id="{39E74EE8-C0A2-9442-6AC0-6F88A2FD11E3}"/>
+                </a:ext>
+              </a:extLst>
+            </p:cNvPr>
+            <p:cNvSpPr txBox="1"/>
+            <p:nvPr/>
+          </p:nvSpPr>
+          <p:spPr>
+            <a:xfrm>
+              <a:off x="7982313" y="1919581"/>
+              <a:ext cx="1959377" cy="376385"/>
+            </a:xfrm>
+            <a:prstGeom prst="rect">
+              <a:avLst/>
+            </a:prstGeom>
+            <a:noFill/>
+          </p:spPr>
+          <p:txBody>
+            <a:bodyPr wrap="square">
+              <a:spAutoFit/>
+            </a:bodyPr>
+            <a:lstStyle/>
+            <a:p>
+              <a:pPr>
+                <a:lnSpc>
+                  <a:spcPct val="107000"/>
+                </a:lnSpc>
+                <a:spcAft>
+                  <a:spcPts val="800"/>
+                </a:spcAft>
+              </a:pPr>
+              <a:r>
+                <a:rPr lang="fr-FR" b="1" dirty="0">
+                  <a:solidFill>
+                    <a:schemeClr val="accent1">
+                      <a:lumMod val="50000"/>
+                    </a:schemeClr>
+                  </a:solidFill>
+                  <a:effectLst/>
+                  <a:latin typeface="Book Antiqua" panose="02040602050305030304" pitchFamily="18" charset="0"/>
+                  <a:ea typeface="Calibri" panose="020F0502020204030204" pitchFamily="34" charset="0"/>
+                  <a:cs typeface="Times New Roman" panose="02020603050405020304" pitchFamily="18" charset="0"/>
+                </a:rPr>
+                <a:t>RESKILLING !!!</a:t>
+              </a:r>
+            </a:p>
+          </p:txBody>
+        </p:sp>
+        <p:sp>
+          <p:nvSpPr>
+            <p:cNvPr id="5" name="Flèche : bas 4">
+              <a:extLst>
+                <a:ext uri="{FF2B5EF4-FFF2-40B4-BE49-F238E27FC236}">
+                  <a16:creationId xmlns:a16="http://schemas.microsoft.com/office/drawing/2014/main" id="{15423034-802C-91CE-54E2-F590817CEE11}"/>
+                </a:ext>
+              </a:extLst>
+            </p:cNvPr>
+            <p:cNvSpPr/>
+            <p:nvPr/>
+          </p:nvSpPr>
+          <p:spPr>
+            <a:xfrm rot="16200000">
+              <a:off x="7297108" y="1776653"/>
+              <a:ext cx="416327" cy="598751"/>
+            </a:xfrm>
+            <a:prstGeom prst="downArrow">
+              <a:avLst/>
+            </a:prstGeom>
+          </p:spPr>
+          <p:style>
+            <a:lnRef idx="2">
+              <a:schemeClr val="accent1">
+                <a:shade val="50000"/>
+              </a:schemeClr>
+            </a:lnRef>
+            <a:fillRef idx="1">
+              <a:schemeClr val="accent1"/>
+            </a:fillRef>
+            <a:effectRef idx="0">
+              <a:schemeClr val="accent1"/>
+            </a:effectRef>
+            <a:fontRef idx="minor">
+              <a:schemeClr val="lt1"/>
+            </a:fontRef>
+          </p:style>
+          <p:txBody>
+            <a:bodyPr rtlCol="0" anchor="ctr"/>
+            <a:lstStyle/>
+            <a:p>
+              <a:pPr algn="ctr"/>
+              <a:endParaRPr lang="fr-FR" dirty="0"/>
+            </a:p>
+          </p:txBody>
+        </p:sp>
+      </p:grpSp>
+      <p:grpSp>
+        <p:nvGrpSpPr>
+          <p:cNvPr id="13" name="Groupe 12">
+            <a:extLst>
+              <a:ext uri="{FF2B5EF4-FFF2-40B4-BE49-F238E27FC236}">
+                <a16:creationId xmlns:a16="http://schemas.microsoft.com/office/drawing/2014/main" id="{8FE30EE8-9561-2EF7-8767-44261BF496DE}"/>
+              </a:ext>
+            </a:extLst>
+          </p:cNvPr>
+          <p:cNvGrpSpPr/>
           <p:nvPr/>
-        </p:nvSpPr>
-        <p:spPr>
-          <a:xfrm>
-            <a:off x="4230635" y="1699578"/>
-            <a:ext cx="2797595" cy="677750"/>
-          </a:xfrm>
-          <a:prstGeom prst="rect">
-            <a:avLst/>
-          </a:prstGeom>
-          <a:noFill/>
-        </p:spPr>
-        <p:txBody>
-          <a:bodyPr wrap="square">
-            <a:spAutoFit/>
-          </a:bodyPr>
-          <a:lstStyle/>
-          <a:p>
-            <a:pPr>
-              <a:lnSpc>
-                <a:spcPct val="107000"/>
-              </a:lnSpc>
-              <a:spcAft>
-                <a:spcPts val="800"/>
-              </a:spcAft>
-            </a:pPr>
-            <a:r>
-              <a:rPr lang="fr-FR" sz="1200" dirty="0">
-                <a:effectLst/>
-                <a:latin typeface="Book Antiqua" panose="02040602050305030304" pitchFamily="18" charset="0"/>
-                <a:ea typeface="Calibri" panose="020F0502020204030204" pitchFamily="34" charset="0"/>
-                <a:cs typeface="Times New Roman" panose="02020603050405020304" pitchFamily="18" charset="0"/>
-              </a:rPr>
-              <a:t>Plan de formation pour adapter les savoirs-faires aux nouveaux besoins de l’entreprise.</a:t>
-            </a:r>
-          </a:p>
-        </p:txBody>
-      </p:sp>
-      <p:sp>
-        <p:nvSpPr>
-          <p:cNvPr id="5" name="Flèche : bas 4">
-            <a:extLst>
-              <a:ext uri="{FF2B5EF4-FFF2-40B4-BE49-F238E27FC236}">
-                <a16:creationId xmlns:a16="http://schemas.microsoft.com/office/drawing/2014/main" id="{15423034-802C-91CE-54E2-F590817CEE11}"/>
-              </a:ext>
-            </a:extLst>
-          </p:cNvPr>
-          <p:cNvSpPr/>
-          <p:nvPr/>
-        </p:nvSpPr>
-        <p:spPr>
-          <a:xfrm rot="16200000">
-            <a:off x="7297108" y="1776653"/>
-            <a:ext cx="416327" cy="598751"/>
-          </a:xfrm>
-          <a:prstGeom prst="downArrow">
-            <a:avLst/>
-          </a:prstGeom>
-        </p:spPr>
-        <p:style>
-          <a:lnRef idx="2">
-            <a:schemeClr val="accent1">
-              <a:shade val="50000"/>
-            </a:schemeClr>
-          </a:lnRef>
-          <a:fillRef idx="1">
-            <a:schemeClr val="accent1"/>
-          </a:fillRef>
-          <a:effectRef idx="0">
-            <a:schemeClr val="accent1"/>
-          </a:effectRef>
-          <a:fontRef idx="minor">
-            <a:schemeClr val="lt1"/>
-          </a:fontRef>
-        </p:style>
-        <p:txBody>
-          <a:bodyPr rtlCol="0" anchor="ctr"/>
-          <a:lstStyle/>
-          <a:p>
-            <a:pPr algn="ctr"/>
-            <a:endParaRPr lang="fr-FR" dirty="0"/>
-          </a:p>
-        </p:txBody>
-      </p:sp>
-      <p:sp>
-        <p:nvSpPr>
-          <p:cNvPr id="6" name="ZoneTexte 5">
-            <a:extLst>
-              <a:ext uri="{FF2B5EF4-FFF2-40B4-BE49-F238E27FC236}">
-                <a16:creationId xmlns:a16="http://schemas.microsoft.com/office/drawing/2014/main" id="{14A758CC-D953-92A8-7091-B2C502398684}"/>
-              </a:ext>
-            </a:extLst>
-          </p:cNvPr>
-          <p:cNvSpPr txBox="1"/>
-          <p:nvPr/>
-        </p:nvSpPr>
-        <p:spPr>
-          <a:xfrm>
-            <a:off x="2267281" y="3031633"/>
-            <a:ext cx="7263076" cy="1578381"/>
-          </a:xfrm>
-          <a:prstGeom prst="rect">
-            <a:avLst/>
-          </a:prstGeom>
-          <a:noFill/>
-        </p:spPr>
-        <p:txBody>
-          <a:bodyPr wrap="square">
-            <a:spAutoFit/>
-          </a:bodyPr>
-          <a:lstStyle/>
-          <a:p>
-            <a:pPr marL="228600" indent="-228600">
-              <a:lnSpc>
-                <a:spcPct val="107000"/>
-              </a:lnSpc>
-              <a:spcAft>
-                <a:spcPts val="800"/>
-              </a:spcAft>
-              <a:buFont typeface="Wingdings" panose="05000000000000000000" pitchFamily="2" charset="2"/>
-              <a:buChar char="q"/>
-            </a:pPr>
-            <a:r>
-              <a:rPr lang="fr-FR" sz="1200" dirty="0">
-                <a:latin typeface="Book Antiqua" panose="02040602050305030304" pitchFamily="18" charset="0"/>
-                <a:ea typeface="Calibri" panose="020F0502020204030204" pitchFamily="34" charset="0"/>
-                <a:cs typeface="Times New Roman" panose="02020603050405020304" pitchFamily="18" charset="0"/>
-              </a:rPr>
-              <a:t>Décommissionnement en cours de l’outil Eole vers la plateforme </a:t>
-            </a:r>
-            <a:r>
-              <a:rPr lang="fr-FR" sz="1200" dirty="0" err="1">
-                <a:latin typeface="Book Antiqua" panose="02040602050305030304" pitchFamily="18" charset="0"/>
-                <a:ea typeface="Calibri" panose="020F0502020204030204" pitchFamily="34" charset="0"/>
-                <a:cs typeface="Times New Roman" panose="02020603050405020304" pitchFamily="18" charset="0"/>
-              </a:rPr>
-              <a:t>Xone</a:t>
-            </a:r>
-            <a:r>
-              <a:rPr lang="fr-FR" sz="1200" dirty="0">
-                <a:latin typeface="Book Antiqua" panose="02040602050305030304" pitchFamily="18" charset="0"/>
-                <a:ea typeface="Calibri" panose="020F0502020204030204" pitchFamily="34" charset="0"/>
-                <a:cs typeface="Times New Roman" panose="02020603050405020304" pitchFamily="18" charset="0"/>
-              </a:rPr>
-              <a:t> sur la partie Bonds.</a:t>
-            </a:r>
-          </a:p>
-          <a:p>
-            <a:pPr marL="228600" indent="-228600">
-              <a:lnSpc>
-                <a:spcPct val="107000"/>
-              </a:lnSpc>
-              <a:spcAft>
-                <a:spcPts val="800"/>
-              </a:spcAft>
-              <a:buFont typeface="Wingdings" panose="05000000000000000000" pitchFamily="2" charset="2"/>
-              <a:buChar char="q"/>
-            </a:pPr>
-            <a:r>
-              <a:rPr lang="fr-FR" sz="1200" dirty="0">
-                <a:latin typeface="Book Antiqua" panose="02040602050305030304" pitchFamily="18" charset="0"/>
-                <a:ea typeface="Calibri" panose="020F0502020204030204" pitchFamily="34" charset="0"/>
-                <a:cs typeface="Times New Roman" panose="02020603050405020304" pitchFamily="18" charset="0"/>
-              </a:rPr>
-              <a:t>Maintenance de </a:t>
-            </a:r>
-            <a:r>
-              <a:rPr lang="fr-FR" sz="1200" dirty="0" err="1">
-                <a:latin typeface="Book Antiqua" panose="02040602050305030304" pitchFamily="18" charset="0"/>
-                <a:ea typeface="Calibri" panose="020F0502020204030204" pitchFamily="34" charset="0"/>
-                <a:cs typeface="Times New Roman" panose="02020603050405020304" pitchFamily="18" charset="0"/>
-              </a:rPr>
-              <a:t>Xone</a:t>
-            </a:r>
-            <a:r>
-              <a:rPr lang="fr-FR" sz="1200" dirty="0">
-                <a:latin typeface="Book Antiqua" panose="02040602050305030304" pitchFamily="18" charset="0"/>
-                <a:ea typeface="Calibri" panose="020F0502020204030204" pitchFamily="34" charset="0"/>
-                <a:cs typeface="Times New Roman" panose="02020603050405020304" pitchFamily="18" charset="0"/>
-              </a:rPr>
-              <a:t> sur les fonctionnalités en production.</a:t>
-            </a:r>
-          </a:p>
-          <a:p>
-            <a:pPr marL="228600" indent="-228600">
-              <a:lnSpc>
-                <a:spcPct val="107000"/>
-              </a:lnSpc>
-              <a:spcAft>
-                <a:spcPts val="800"/>
-              </a:spcAft>
-              <a:buFont typeface="Wingdings" panose="05000000000000000000" pitchFamily="2" charset="2"/>
-              <a:buChar char="q"/>
-            </a:pPr>
-            <a:r>
-              <a:rPr lang="fr-FR" sz="1200" dirty="0">
-                <a:latin typeface="Book Antiqua" panose="02040602050305030304" pitchFamily="18" charset="0"/>
-                <a:ea typeface="Calibri" panose="020F0502020204030204" pitchFamily="34" charset="0"/>
-                <a:cs typeface="Times New Roman" panose="02020603050405020304" pitchFamily="18" charset="0"/>
-              </a:rPr>
-              <a:t>Développement des nouvelles fonctionnalités.</a:t>
-            </a:r>
-          </a:p>
-          <a:p>
-            <a:pPr marL="228600" indent="-228600">
-              <a:lnSpc>
-                <a:spcPct val="107000"/>
-              </a:lnSpc>
-              <a:spcAft>
-                <a:spcPts val="800"/>
-              </a:spcAft>
-              <a:buFont typeface="Wingdings" panose="05000000000000000000" pitchFamily="2" charset="2"/>
-              <a:buChar char="q"/>
-            </a:pPr>
-            <a:r>
-              <a:rPr lang="fr-FR" sz="1200" dirty="0">
-                <a:latin typeface="Book Antiqua" panose="02040602050305030304" pitchFamily="18" charset="0"/>
-                <a:ea typeface="Calibri" panose="020F0502020204030204" pitchFamily="34" charset="0"/>
-                <a:cs typeface="Times New Roman" panose="02020603050405020304" pitchFamily="18" charset="0"/>
-              </a:rPr>
-              <a:t>Implémentation du code </a:t>
-            </a:r>
-            <a:r>
-              <a:rPr lang="fr-FR" sz="1200" dirty="0" err="1">
-                <a:latin typeface="Book Antiqua" panose="02040602050305030304" pitchFamily="18" charset="0"/>
-                <a:ea typeface="Calibri" panose="020F0502020204030204" pitchFamily="34" charset="0"/>
-                <a:cs typeface="Times New Roman" panose="02020603050405020304" pitchFamily="18" charset="0"/>
-              </a:rPr>
-              <a:t>Xone</a:t>
-            </a:r>
-            <a:r>
-              <a:rPr lang="fr-FR" sz="1200" dirty="0">
-                <a:latin typeface="Book Antiqua" panose="02040602050305030304" pitchFamily="18" charset="0"/>
-                <a:ea typeface="Calibri" panose="020F0502020204030204" pitchFamily="34" charset="0"/>
-                <a:cs typeface="Times New Roman" panose="02020603050405020304" pitchFamily="18" charset="0"/>
-              </a:rPr>
-              <a:t> concernant la gestion des flux comptables, toujours générés par Eole.</a:t>
-            </a:r>
-          </a:p>
-          <a:p>
-            <a:pPr algn="ctr">
-              <a:lnSpc>
-                <a:spcPct val="107000"/>
-              </a:lnSpc>
-              <a:spcAft>
-                <a:spcPts val="800"/>
-              </a:spcAft>
-            </a:pPr>
-            <a:endParaRPr lang="fr-FR" dirty="0">
-              <a:latin typeface="Book Antiqua" panose="02040602050305030304" pitchFamily="18" charset="0"/>
-              <a:ea typeface="Calibri" panose="020F0502020204030204" pitchFamily="34" charset="0"/>
-              <a:cs typeface="Times New Roman" panose="02020603050405020304" pitchFamily="18" charset="0"/>
-            </a:endParaRPr>
-          </a:p>
-        </p:txBody>
-      </p:sp>
-      <p:sp>
-        <p:nvSpPr>
-          <p:cNvPr id="8" name="Titre 1">
-            <a:extLst>
-              <a:ext uri="{FF2B5EF4-FFF2-40B4-BE49-F238E27FC236}">
-                <a16:creationId xmlns:a16="http://schemas.microsoft.com/office/drawing/2014/main" id="{472F6CE5-DE74-A322-A738-C53D7DBFF9E6}"/>
-              </a:ext>
-            </a:extLst>
-          </p:cNvPr>
-          <p:cNvSpPr txBox="1">
-            <a:spLocks/>
-          </p:cNvSpPr>
-          <p:nvPr/>
-        </p:nvSpPr>
-        <p:spPr>
+        </p:nvGrpSpPr>
+        <p:grpSpPr>
           <a:xfrm>
             <a:off x="2018414" y="2563628"/>
-            <a:ext cx="7738933" cy="550333"/>
-          </a:xfrm>
-          <a:prstGeom prst="rect">
-            <a:avLst/>
-          </a:prstGeom>
-        </p:spPr>
-        <p:txBody>
-          <a:bodyPr vert="horz" lIns="91440" tIns="45720" rIns="91440" bIns="45720" rtlCol="0" anchor="ctr">
-            <a:normAutofit/>
-          </a:bodyPr>
-          <a:lstStyle>
-            <a:lvl1pPr marL="0" algn="l" defTabSz="914400" rtl="0" eaLnBrk="1" latinLnBrk="0" hangingPunct="1">
-              <a:lnSpc>
-                <a:spcPct val="90000"/>
-              </a:lnSpc>
-              <a:spcBef>
-                <a:spcPct val="0"/>
-              </a:spcBef>
-              <a:buNone/>
-              <a:defRPr lang="en-US" sz="5200" kern="1200" dirty="0">
-                <a:gradFill flip="none" rotWithShape="1">
-                  <a:gsLst>
-                    <a:gs pos="0">
-                      <a:schemeClr val="accent5"/>
-                    </a:gs>
-                    <a:gs pos="100000">
-                      <a:schemeClr val="accent1">
-                        <a:alpha val="70000"/>
-                      </a:schemeClr>
-                    </a:gs>
-                  </a:gsLst>
-                  <a:lin ang="0" scaled="1"/>
-                  <a:tileRect/>
-                </a:gradFill>
-                <a:latin typeface="+mj-lt"/>
-                <a:ea typeface="+mn-ea"/>
-                <a:cs typeface="Angsana New" panose="02020603050405020304" pitchFamily="18" charset="-34"/>
-              </a:defRPr>
-            </a:lvl1pPr>
-          </a:lstStyle>
-          <a:p>
-            <a:r>
-              <a:rPr lang="fr-FR" sz="3200" dirty="0" err="1"/>
-              <a:t>FixedIncome</a:t>
-            </a:r>
-            <a:endParaRPr lang="fr-FR" sz="3200" dirty="0"/>
-          </a:p>
-        </p:txBody>
-      </p:sp>
-      <p:sp>
-        <p:nvSpPr>
-          <p:cNvPr id="11" name="Titre 1">
-            <a:extLst>
-              <a:ext uri="{FF2B5EF4-FFF2-40B4-BE49-F238E27FC236}">
-                <a16:creationId xmlns:a16="http://schemas.microsoft.com/office/drawing/2014/main" id="{2A0F28B1-E086-F076-13D2-63284AC23C49}"/>
-              </a:ext>
-            </a:extLst>
-          </p:cNvPr>
-          <p:cNvSpPr txBox="1">
-            <a:spLocks/>
-          </p:cNvSpPr>
+            <a:ext cx="7738933" cy="1651149"/>
+            <a:chOff x="2018414" y="2563628"/>
+            <a:chExt cx="7738933" cy="1651149"/>
+          </a:xfrm>
+        </p:grpSpPr>
+        <p:sp>
+          <p:nvSpPr>
+            <p:cNvPr id="6" name="ZoneTexte 5">
+              <a:extLst>
+                <a:ext uri="{FF2B5EF4-FFF2-40B4-BE49-F238E27FC236}">
+                  <a16:creationId xmlns:a16="http://schemas.microsoft.com/office/drawing/2014/main" id="{14A758CC-D953-92A8-7091-B2C502398684}"/>
+                </a:ext>
+              </a:extLst>
+            </p:cNvPr>
+            <p:cNvSpPr txBox="1"/>
+            <p:nvPr/>
+          </p:nvSpPr>
+          <p:spPr>
+            <a:xfrm>
+              <a:off x="2267281" y="3031633"/>
+              <a:ext cx="7263076" cy="1183144"/>
+            </a:xfrm>
+            <a:prstGeom prst="rect">
+              <a:avLst/>
+            </a:prstGeom>
+            <a:noFill/>
+          </p:spPr>
+          <p:txBody>
+            <a:bodyPr wrap="square">
+              <a:spAutoFit/>
+            </a:bodyPr>
+            <a:lstStyle/>
+            <a:p>
+              <a:pPr marL="228600" indent="-228600">
+                <a:lnSpc>
+                  <a:spcPct val="107000"/>
+                </a:lnSpc>
+                <a:spcAft>
+                  <a:spcPts val="800"/>
+                </a:spcAft>
+                <a:buFont typeface="Wingdings" panose="05000000000000000000" pitchFamily="2" charset="2"/>
+                <a:buChar char="q"/>
+              </a:pPr>
+              <a:r>
+                <a:rPr lang="fr-FR" sz="1200" dirty="0">
+                  <a:latin typeface="Book Antiqua" panose="02040602050305030304" pitchFamily="18" charset="0"/>
+                  <a:ea typeface="Calibri" panose="020F0502020204030204" pitchFamily="34" charset="0"/>
+                  <a:cs typeface="Times New Roman" panose="02020603050405020304" pitchFamily="18" charset="0"/>
+                </a:rPr>
+                <a:t>Décommissionnement en cours de l’outil Eole vers la plateforme </a:t>
+              </a:r>
+              <a:r>
+                <a:rPr lang="fr-FR" sz="1200" dirty="0" err="1">
+                  <a:latin typeface="Book Antiqua" panose="02040602050305030304" pitchFamily="18" charset="0"/>
+                  <a:ea typeface="Calibri" panose="020F0502020204030204" pitchFamily="34" charset="0"/>
+                  <a:cs typeface="Times New Roman" panose="02020603050405020304" pitchFamily="18" charset="0"/>
+                </a:rPr>
+                <a:t>Xone</a:t>
+              </a:r>
+              <a:r>
+                <a:rPr lang="fr-FR" sz="1200" dirty="0">
+                  <a:latin typeface="Book Antiqua" panose="02040602050305030304" pitchFamily="18" charset="0"/>
+                  <a:ea typeface="Calibri" panose="020F0502020204030204" pitchFamily="34" charset="0"/>
+                  <a:cs typeface="Times New Roman" panose="02020603050405020304" pitchFamily="18" charset="0"/>
+                </a:rPr>
+                <a:t> sur la partie Bonds.</a:t>
+              </a:r>
+            </a:p>
+            <a:p>
+              <a:pPr marL="228600" indent="-228600">
+                <a:lnSpc>
+                  <a:spcPct val="107000"/>
+                </a:lnSpc>
+                <a:spcAft>
+                  <a:spcPts val="800"/>
+                </a:spcAft>
+                <a:buFont typeface="Wingdings" panose="05000000000000000000" pitchFamily="2" charset="2"/>
+                <a:buChar char="q"/>
+              </a:pPr>
+              <a:r>
+                <a:rPr lang="fr-FR" sz="1200" dirty="0">
+                  <a:latin typeface="Book Antiqua" panose="02040602050305030304" pitchFamily="18" charset="0"/>
+                  <a:ea typeface="Calibri" panose="020F0502020204030204" pitchFamily="34" charset="0"/>
+                  <a:cs typeface="Times New Roman" panose="02020603050405020304" pitchFamily="18" charset="0"/>
+                </a:rPr>
+                <a:t>Maintenance de </a:t>
+              </a:r>
+              <a:r>
+                <a:rPr lang="fr-FR" sz="1200" dirty="0" err="1">
+                  <a:latin typeface="Book Antiqua" panose="02040602050305030304" pitchFamily="18" charset="0"/>
+                  <a:ea typeface="Calibri" panose="020F0502020204030204" pitchFamily="34" charset="0"/>
+                  <a:cs typeface="Times New Roman" panose="02020603050405020304" pitchFamily="18" charset="0"/>
+                </a:rPr>
+                <a:t>Xone</a:t>
+              </a:r>
+              <a:r>
+                <a:rPr lang="fr-FR" sz="1200" dirty="0">
+                  <a:latin typeface="Book Antiqua" panose="02040602050305030304" pitchFamily="18" charset="0"/>
+                  <a:ea typeface="Calibri" panose="020F0502020204030204" pitchFamily="34" charset="0"/>
+                  <a:cs typeface="Times New Roman" panose="02020603050405020304" pitchFamily="18" charset="0"/>
+                </a:rPr>
+                <a:t> sur les fonctionnalités en production.</a:t>
+              </a:r>
+            </a:p>
+            <a:p>
+              <a:pPr marL="228600" indent="-228600">
+                <a:lnSpc>
+                  <a:spcPct val="107000"/>
+                </a:lnSpc>
+                <a:spcAft>
+                  <a:spcPts val="800"/>
+                </a:spcAft>
+                <a:buFont typeface="Wingdings" panose="05000000000000000000" pitchFamily="2" charset="2"/>
+                <a:buChar char="q"/>
+              </a:pPr>
+              <a:r>
+                <a:rPr lang="fr-FR" sz="1200" dirty="0">
+                  <a:latin typeface="Book Antiqua" panose="02040602050305030304" pitchFamily="18" charset="0"/>
+                  <a:ea typeface="Calibri" panose="020F0502020204030204" pitchFamily="34" charset="0"/>
+                  <a:cs typeface="Times New Roman" panose="02020603050405020304" pitchFamily="18" charset="0"/>
+                </a:rPr>
+                <a:t>Développement des nouvelles fonctionnalités.</a:t>
+              </a:r>
+            </a:p>
+            <a:p>
+              <a:pPr marL="228600" indent="-228600">
+                <a:lnSpc>
+                  <a:spcPct val="107000"/>
+                </a:lnSpc>
+                <a:spcAft>
+                  <a:spcPts val="800"/>
+                </a:spcAft>
+                <a:buFont typeface="Wingdings" panose="05000000000000000000" pitchFamily="2" charset="2"/>
+                <a:buChar char="q"/>
+              </a:pPr>
+              <a:r>
+                <a:rPr lang="fr-FR" sz="1200" dirty="0">
+                  <a:latin typeface="Book Antiqua" panose="02040602050305030304" pitchFamily="18" charset="0"/>
+                  <a:ea typeface="Calibri" panose="020F0502020204030204" pitchFamily="34" charset="0"/>
+                  <a:cs typeface="Times New Roman" panose="02020603050405020304" pitchFamily="18" charset="0"/>
+                </a:rPr>
+                <a:t>Implémentation du code </a:t>
+              </a:r>
+              <a:r>
+                <a:rPr lang="fr-FR" sz="1200" dirty="0" err="1">
+                  <a:latin typeface="Book Antiqua" panose="02040602050305030304" pitchFamily="18" charset="0"/>
+                  <a:ea typeface="Calibri" panose="020F0502020204030204" pitchFamily="34" charset="0"/>
+                  <a:cs typeface="Times New Roman" panose="02020603050405020304" pitchFamily="18" charset="0"/>
+                </a:rPr>
+                <a:t>Xone</a:t>
+              </a:r>
+              <a:r>
+                <a:rPr lang="fr-FR" sz="1200" dirty="0">
+                  <a:latin typeface="Book Antiqua" panose="02040602050305030304" pitchFamily="18" charset="0"/>
+                  <a:ea typeface="Calibri" panose="020F0502020204030204" pitchFamily="34" charset="0"/>
+                  <a:cs typeface="Times New Roman" panose="02020603050405020304" pitchFamily="18" charset="0"/>
+                </a:rPr>
+                <a:t> concernant la gestion des flux comptables, toujours générés par Eole.</a:t>
+              </a:r>
+            </a:p>
+          </p:txBody>
+        </p:sp>
+        <p:sp>
+          <p:nvSpPr>
+            <p:cNvPr id="8" name="Titre 1">
+              <a:extLst>
+                <a:ext uri="{FF2B5EF4-FFF2-40B4-BE49-F238E27FC236}">
+                  <a16:creationId xmlns:a16="http://schemas.microsoft.com/office/drawing/2014/main" id="{472F6CE5-DE74-A322-A738-C53D7DBFF9E6}"/>
+                </a:ext>
+              </a:extLst>
+            </p:cNvPr>
+            <p:cNvSpPr txBox="1">
+              <a:spLocks/>
+            </p:cNvSpPr>
+            <p:nvPr/>
+          </p:nvSpPr>
+          <p:spPr>
+            <a:xfrm>
+              <a:off x="2018414" y="2563628"/>
+              <a:ext cx="7738933" cy="550333"/>
+            </a:xfrm>
+            <a:prstGeom prst="rect">
+              <a:avLst/>
+            </a:prstGeom>
+          </p:spPr>
+          <p:txBody>
+            <a:bodyPr vert="horz" lIns="91440" tIns="45720" rIns="91440" bIns="45720" rtlCol="0" anchor="ctr">
+              <a:normAutofit/>
+            </a:bodyPr>
+            <a:lstStyle>
+              <a:lvl1pPr marL="0" algn="l" defTabSz="914400" rtl="0" eaLnBrk="1" latinLnBrk="0" hangingPunct="1">
+                <a:lnSpc>
+                  <a:spcPct val="90000"/>
+                </a:lnSpc>
+                <a:spcBef>
+                  <a:spcPct val="0"/>
+                </a:spcBef>
+                <a:buNone/>
+                <a:defRPr lang="en-US" sz="5200" kern="1200" dirty="0">
+                  <a:gradFill flip="none" rotWithShape="1">
+                    <a:gsLst>
+                      <a:gs pos="0">
+                        <a:schemeClr val="accent5"/>
+                      </a:gs>
+                      <a:gs pos="100000">
+                        <a:schemeClr val="accent1">
+                          <a:alpha val="70000"/>
+                        </a:schemeClr>
+                      </a:gs>
+                    </a:gsLst>
+                    <a:lin ang="0" scaled="1"/>
+                    <a:tileRect/>
+                  </a:gradFill>
+                  <a:latin typeface="+mj-lt"/>
+                  <a:ea typeface="+mn-ea"/>
+                  <a:cs typeface="Angsana New" panose="02020603050405020304" pitchFamily="18" charset="-34"/>
+                </a:defRPr>
+              </a:lvl1pPr>
+            </a:lstStyle>
+            <a:p>
+              <a:r>
+                <a:rPr lang="fr-FR" sz="2800" dirty="0" err="1"/>
+                <a:t>FixedIncome</a:t>
+              </a:r>
+              <a:endParaRPr lang="fr-FR" sz="2800" dirty="0"/>
+            </a:p>
+          </p:txBody>
+        </p:sp>
+      </p:grpSp>
+      <p:grpSp>
+        <p:nvGrpSpPr>
+          <p:cNvPr id="14" name="Groupe 13">
+            <a:extLst>
+              <a:ext uri="{FF2B5EF4-FFF2-40B4-BE49-F238E27FC236}">
+                <a16:creationId xmlns:a16="http://schemas.microsoft.com/office/drawing/2014/main" id="{BEC458D6-1D51-F331-1ED9-1E0518CD31F9}"/>
+              </a:ext>
+            </a:extLst>
+          </p:cNvPr>
+          <p:cNvGrpSpPr/>
           <p:nvPr/>
-        </p:nvSpPr>
-        <p:spPr>
+        </p:nvGrpSpPr>
+        <p:grpSpPr>
           <a:xfrm>
             <a:off x="3494165" y="4326196"/>
-            <a:ext cx="6508898" cy="550333"/>
-          </a:xfrm>
-          <a:prstGeom prst="rect">
-            <a:avLst/>
-          </a:prstGeom>
-        </p:spPr>
-        <p:txBody>
-          <a:bodyPr vert="horz" lIns="91440" tIns="45720" rIns="91440" bIns="45720" rtlCol="0" anchor="ctr">
-            <a:noAutofit/>
-          </a:bodyPr>
-          <a:lstStyle>
-            <a:lvl1pPr marL="0" algn="l" defTabSz="914400" rtl="0" eaLnBrk="1" latinLnBrk="0" hangingPunct="1">
-              <a:lnSpc>
-                <a:spcPct val="90000"/>
-              </a:lnSpc>
-              <a:spcBef>
-                <a:spcPct val="0"/>
-              </a:spcBef>
-              <a:buNone/>
-              <a:defRPr lang="en-US" sz="5200" kern="1200" dirty="0">
-                <a:gradFill flip="none" rotWithShape="1">
-                  <a:gsLst>
-                    <a:gs pos="0">
-                      <a:schemeClr val="accent5"/>
-                    </a:gs>
-                    <a:gs pos="100000">
-                      <a:schemeClr val="accent1">
-                        <a:alpha val="70000"/>
-                      </a:schemeClr>
-                    </a:gs>
-                  </a:gsLst>
-                  <a:lin ang="0" scaled="1"/>
-                  <a:tileRect/>
-                </a:gradFill>
-                <a:latin typeface="+mj-lt"/>
-                <a:ea typeface="+mn-ea"/>
-                <a:cs typeface="Angsana New" panose="02020603050405020304" pitchFamily="18" charset="-34"/>
-              </a:defRPr>
-            </a:lvl1pPr>
-          </a:lstStyle>
-          <a:p>
-            <a:r>
-              <a:rPr lang="fr-FR" sz="3200" dirty="0"/>
-              <a:t>Et moi dans tout ça…</a:t>
-            </a:r>
-          </a:p>
-        </p:txBody>
-      </p:sp>
-      <p:sp>
-        <p:nvSpPr>
-          <p:cNvPr id="12" name="ZoneTexte 11">
-            <a:extLst>
-              <a:ext uri="{FF2B5EF4-FFF2-40B4-BE49-F238E27FC236}">
-                <a16:creationId xmlns:a16="http://schemas.microsoft.com/office/drawing/2014/main" id="{FEE3E477-56C2-2997-D394-91FD365149F5}"/>
-              </a:ext>
-            </a:extLst>
-          </p:cNvPr>
-          <p:cNvSpPr txBox="1"/>
-          <p:nvPr/>
-        </p:nvSpPr>
-        <p:spPr>
-          <a:xfrm>
-            <a:off x="3729714" y="4879086"/>
-            <a:ext cx="6108674" cy="1183144"/>
-          </a:xfrm>
-          <a:prstGeom prst="rect">
-            <a:avLst/>
-          </a:prstGeom>
-          <a:noFill/>
-        </p:spPr>
-        <p:txBody>
-          <a:bodyPr wrap="square">
-            <a:spAutoFit/>
-          </a:bodyPr>
-          <a:lstStyle/>
-          <a:p>
-            <a:pPr marL="285750" indent="-285750">
-              <a:lnSpc>
-                <a:spcPct val="107000"/>
-              </a:lnSpc>
-              <a:spcAft>
-                <a:spcPts val="800"/>
-              </a:spcAft>
-              <a:buFont typeface="Wingdings" panose="05000000000000000000" pitchFamily="2" charset="2"/>
-              <a:buChar char="q"/>
-            </a:pPr>
-            <a:r>
-              <a:rPr lang="fr-FR" sz="1200" dirty="0" err="1">
-                <a:latin typeface="Book Antiqua" panose="02040602050305030304" pitchFamily="18" charset="0"/>
-                <a:ea typeface="Calibri" panose="020F0502020204030204" pitchFamily="34" charset="0"/>
-                <a:cs typeface="Times New Roman" panose="02020603050405020304" pitchFamily="18" charset="0"/>
-              </a:rPr>
-              <a:t>Reskilling</a:t>
-            </a:r>
-            <a:r>
-              <a:rPr lang="fr-FR" sz="1200" dirty="0">
-                <a:latin typeface="Book Antiqua" panose="02040602050305030304" pitchFamily="18" charset="0"/>
-                <a:ea typeface="Calibri" panose="020F0502020204030204" pitchFamily="34" charset="0"/>
-                <a:cs typeface="Times New Roman" panose="02020603050405020304" pitchFamily="18" charset="0"/>
-              </a:rPr>
-              <a:t> pour changer de carrière</a:t>
-            </a:r>
-          </a:p>
-          <a:p>
-            <a:pPr marL="285750" indent="-285750">
-              <a:lnSpc>
-                <a:spcPct val="107000"/>
-              </a:lnSpc>
-              <a:spcAft>
-                <a:spcPts val="800"/>
-              </a:spcAft>
-              <a:buFont typeface="Wingdings" panose="05000000000000000000" pitchFamily="2" charset="2"/>
-              <a:buChar char="q"/>
-            </a:pPr>
-            <a:r>
-              <a:rPr lang="fr-FR" sz="1200" dirty="0">
-                <a:latin typeface="Book Antiqua" panose="02040602050305030304" pitchFamily="18" charset="0"/>
-                <a:ea typeface="Calibri" panose="020F0502020204030204" pitchFamily="34" charset="0"/>
-                <a:cs typeface="Times New Roman" panose="02020603050405020304" pitchFamily="18" charset="0"/>
-              </a:rPr>
-              <a:t>Participation aux tests de non régression à chaque release (toutes les 6 semaines)</a:t>
-            </a:r>
-          </a:p>
-          <a:p>
-            <a:pPr marL="285750" indent="-285750">
-              <a:lnSpc>
-                <a:spcPct val="107000"/>
-              </a:lnSpc>
-              <a:spcAft>
-                <a:spcPts val="800"/>
-              </a:spcAft>
-              <a:buFont typeface="Wingdings" panose="05000000000000000000" pitchFamily="2" charset="2"/>
-              <a:buChar char="q"/>
-            </a:pPr>
-            <a:r>
-              <a:rPr lang="fr-FR" sz="1200" dirty="0">
-                <a:latin typeface="Book Antiqua" panose="02040602050305030304" pitchFamily="18" charset="0"/>
-                <a:ea typeface="Calibri" panose="020F0502020204030204" pitchFamily="34" charset="0"/>
-                <a:cs typeface="Times New Roman" panose="02020603050405020304" pitchFamily="18" charset="0"/>
-              </a:rPr>
-              <a:t>Implémentation des flux comptables</a:t>
-            </a:r>
-          </a:p>
-          <a:p>
-            <a:pPr marL="285750" indent="-285750">
-              <a:lnSpc>
-                <a:spcPct val="107000"/>
-              </a:lnSpc>
-              <a:spcAft>
-                <a:spcPts val="800"/>
-              </a:spcAft>
-              <a:buFont typeface="Wingdings" panose="05000000000000000000" pitchFamily="2" charset="2"/>
-              <a:buChar char="q"/>
-            </a:pPr>
-            <a:r>
-              <a:rPr lang="fr-FR" sz="1200" dirty="0">
-                <a:latin typeface="Book Antiqua" panose="02040602050305030304" pitchFamily="18" charset="0"/>
-                <a:ea typeface="Calibri" panose="020F0502020204030204" pitchFamily="34" charset="0"/>
-                <a:cs typeface="Times New Roman" panose="02020603050405020304" pitchFamily="18" charset="0"/>
-              </a:rPr>
-              <a:t>Développement d’outils de tests pour ces flux</a:t>
-            </a:r>
-          </a:p>
-        </p:txBody>
-      </p:sp>
+            <a:ext cx="6344223" cy="1736034"/>
+            <a:chOff x="3494165" y="4326196"/>
+            <a:chExt cx="6344223" cy="1736034"/>
+          </a:xfrm>
+        </p:grpSpPr>
+        <p:sp>
+          <p:nvSpPr>
+            <p:cNvPr id="11" name="Titre 1">
+              <a:extLst>
+                <a:ext uri="{FF2B5EF4-FFF2-40B4-BE49-F238E27FC236}">
+                  <a16:creationId xmlns:a16="http://schemas.microsoft.com/office/drawing/2014/main" id="{2A0F28B1-E086-F076-13D2-63284AC23C49}"/>
+                </a:ext>
+              </a:extLst>
+            </p:cNvPr>
+            <p:cNvSpPr txBox="1">
+              <a:spLocks/>
+            </p:cNvSpPr>
+            <p:nvPr/>
+          </p:nvSpPr>
+          <p:spPr>
+            <a:xfrm>
+              <a:off x="3494165" y="4326196"/>
+              <a:ext cx="3172106" cy="550333"/>
+            </a:xfrm>
+            <a:prstGeom prst="rect">
+              <a:avLst/>
+            </a:prstGeom>
+          </p:spPr>
+          <p:txBody>
+            <a:bodyPr vert="horz" lIns="91440" tIns="45720" rIns="91440" bIns="45720" rtlCol="0" anchor="ctr">
+              <a:noAutofit/>
+            </a:bodyPr>
+            <a:lstStyle>
+              <a:lvl1pPr marL="0" algn="l" defTabSz="914400" rtl="0" eaLnBrk="1" latinLnBrk="0" hangingPunct="1">
+                <a:lnSpc>
+                  <a:spcPct val="90000"/>
+                </a:lnSpc>
+                <a:spcBef>
+                  <a:spcPct val="0"/>
+                </a:spcBef>
+                <a:buNone/>
+                <a:defRPr lang="en-US" sz="5200" kern="1200" dirty="0">
+                  <a:gradFill flip="none" rotWithShape="1">
+                    <a:gsLst>
+                      <a:gs pos="0">
+                        <a:schemeClr val="accent5"/>
+                      </a:gs>
+                      <a:gs pos="100000">
+                        <a:schemeClr val="accent1">
+                          <a:alpha val="70000"/>
+                        </a:schemeClr>
+                      </a:gs>
+                    </a:gsLst>
+                    <a:lin ang="0" scaled="1"/>
+                    <a:tileRect/>
+                  </a:gradFill>
+                  <a:latin typeface="+mj-lt"/>
+                  <a:ea typeface="+mn-ea"/>
+                  <a:cs typeface="Angsana New" panose="02020603050405020304" pitchFamily="18" charset="-34"/>
+                </a:defRPr>
+              </a:lvl1pPr>
+            </a:lstStyle>
+            <a:p>
+              <a:r>
+                <a:rPr lang="fr-FR" sz="2400" dirty="0"/>
+                <a:t>Et moi dans tout ça…</a:t>
+              </a:r>
+            </a:p>
+          </p:txBody>
+        </p:sp>
+        <p:sp>
+          <p:nvSpPr>
+            <p:cNvPr id="12" name="ZoneTexte 11">
+              <a:extLst>
+                <a:ext uri="{FF2B5EF4-FFF2-40B4-BE49-F238E27FC236}">
+                  <a16:creationId xmlns:a16="http://schemas.microsoft.com/office/drawing/2014/main" id="{FEE3E477-56C2-2997-D394-91FD365149F5}"/>
+                </a:ext>
+              </a:extLst>
+            </p:cNvPr>
+            <p:cNvSpPr txBox="1"/>
+            <p:nvPr/>
+          </p:nvSpPr>
+          <p:spPr>
+            <a:xfrm>
+              <a:off x="3729714" y="4879086"/>
+              <a:ext cx="6108674" cy="1183144"/>
+            </a:xfrm>
+            <a:prstGeom prst="rect">
+              <a:avLst/>
+            </a:prstGeom>
+            <a:noFill/>
+          </p:spPr>
+          <p:txBody>
+            <a:bodyPr wrap="square">
+              <a:spAutoFit/>
+            </a:bodyPr>
+            <a:lstStyle/>
+            <a:p>
+              <a:pPr marL="285750" indent="-285750">
+                <a:lnSpc>
+                  <a:spcPct val="107000"/>
+                </a:lnSpc>
+                <a:spcAft>
+                  <a:spcPts val="800"/>
+                </a:spcAft>
+                <a:buFont typeface="Wingdings" panose="05000000000000000000" pitchFamily="2" charset="2"/>
+                <a:buChar char="q"/>
+              </a:pPr>
+              <a:r>
+                <a:rPr lang="fr-FR" sz="1200" dirty="0" err="1">
+                  <a:latin typeface="Book Antiqua" panose="02040602050305030304" pitchFamily="18" charset="0"/>
+                  <a:ea typeface="Calibri" panose="020F0502020204030204" pitchFamily="34" charset="0"/>
+                  <a:cs typeface="Times New Roman" panose="02020603050405020304" pitchFamily="18" charset="0"/>
+                </a:rPr>
+                <a:t>Reskilling</a:t>
+              </a:r>
+              <a:r>
+                <a:rPr lang="fr-FR" sz="1200" dirty="0">
+                  <a:latin typeface="Book Antiqua" panose="02040602050305030304" pitchFamily="18" charset="0"/>
+                  <a:ea typeface="Calibri" panose="020F0502020204030204" pitchFamily="34" charset="0"/>
+                  <a:cs typeface="Times New Roman" panose="02020603050405020304" pitchFamily="18" charset="0"/>
+                </a:rPr>
+                <a:t> pour changer de carrière</a:t>
+              </a:r>
+            </a:p>
+            <a:p>
+              <a:pPr marL="285750" indent="-285750">
+                <a:lnSpc>
+                  <a:spcPct val="107000"/>
+                </a:lnSpc>
+                <a:spcAft>
+                  <a:spcPts val="800"/>
+                </a:spcAft>
+                <a:buFont typeface="Wingdings" panose="05000000000000000000" pitchFamily="2" charset="2"/>
+                <a:buChar char="q"/>
+              </a:pPr>
+              <a:r>
+                <a:rPr lang="fr-FR" sz="1200" dirty="0">
+                  <a:latin typeface="Book Antiqua" panose="02040602050305030304" pitchFamily="18" charset="0"/>
+                  <a:ea typeface="Calibri" panose="020F0502020204030204" pitchFamily="34" charset="0"/>
+                  <a:cs typeface="Times New Roman" panose="02020603050405020304" pitchFamily="18" charset="0"/>
+                </a:rPr>
+                <a:t>Implémentation des flux comptables</a:t>
+              </a:r>
+            </a:p>
+            <a:p>
+              <a:pPr marL="285750" indent="-285750">
+                <a:lnSpc>
+                  <a:spcPct val="107000"/>
+                </a:lnSpc>
+                <a:spcAft>
+                  <a:spcPts val="800"/>
+                </a:spcAft>
+                <a:buFont typeface="Wingdings" panose="05000000000000000000" pitchFamily="2" charset="2"/>
+                <a:buChar char="q"/>
+              </a:pPr>
+              <a:r>
+                <a:rPr lang="fr-FR" sz="1200" dirty="0">
+                  <a:latin typeface="Book Antiqua" panose="02040602050305030304" pitchFamily="18" charset="0"/>
+                  <a:ea typeface="Calibri" panose="020F0502020204030204" pitchFamily="34" charset="0"/>
+                  <a:cs typeface="Times New Roman" panose="02020603050405020304" pitchFamily="18" charset="0"/>
+                </a:rPr>
+                <a:t>Développement d’outils de tests pour ces flux</a:t>
+              </a:r>
+            </a:p>
+            <a:p>
+              <a:pPr marL="285750" indent="-285750">
+                <a:lnSpc>
+                  <a:spcPct val="107000"/>
+                </a:lnSpc>
+                <a:spcAft>
+                  <a:spcPts val="800"/>
+                </a:spcAft>
+                <a:buFont typeface="Wingdings" panose="05000000000000000000" pitchFamily="2" charset="2"/>
+                <a:buChar char="q"/>
+              </a:pPr>
+              <a:r>
+                <a:rPr lang="fr-FR" sz="1200" dirty="0">
+                  <a:latin typeface="Book Antiqua" panose="02040602050305030304" pitchFamily="18" charset="0"/>
+                  <a:ea typeface="Calibri" panose="020F0502020204030204" pitchFamily="34" charset="0"/>
+                  <a:cs typeface="Times New Roman" panose="02020603050405020304" pitchFamily="18" charset="0"/>
+                </a:rPr>
+                <a:t>Participation aux tests de non régression à chaque release (toutes les 6 semaines)</a:t>
+              </a:r>
+            </a:p>
+          </p:txBody>
+        </p:sp>
+      </p:grpSp>
     </p:spTree>
     <p:extLst>
       <p:ext uri="{BB962C8B-B14F-4D97-AF65-F5344CB8AC3E}">
@@ -7068,6 +7537,264 @@
   <p:clrMapOvr>
     <a:masterClrMapping/>
   </p:clrMapOvr>
+  <p:timing>
+    <p:tnLst>
+      <p:par>
+        <p:cTn id="1" dur="indefinite" restart="never" nodeType="tmRoot">
+          <p:childTnLst>
+            <p:seq concurrent="1" nextAc="seek">
+              <p:cTn id="2" dur="indefinite" nodeType="mainSeq">
+                <p:childTnLst>
+                  <p:par>
+                    <p:cTn id="3" fill="hold">
+                      <p:stCondLst>
+                        <p:cond delay="indefinite"/>
+                      </p:stCondLst>
+                      <p:childTnLst>
+                        <p:par>
+                          <p:cTn id="4" fill="hold">
+                            <p:stCondLst>
+                              <p:cond delay="0"/>
+                            </p:stCondLst>
+                            <p:childTnLst>
+                              <p:par>
+                                <p:cTn id="5" presetID="1" presetClass="entr" presetSubtype="0" fill="hold" grpId="0" nodeType="clickEffect">
+                                  <p:stCondLst>
+                                    <p:cond delay="0"/>
+                                  </p:stCondLst>
+                                  <p:childTnLst>
+                                    <p:set>
+                                      <p:cBhvr>
+                                        <p:cTn id="6" dur="1" fill="hold">
+                                          <p:stCondLst>
+                                            <p:cond delay="0"/>
+                                          </p:stCondLst>
+                                        </p:cTn>
+                                        <p:tgtEl>
+                                          <p:spTgt spid="9"/>
+                                        </p:tgtEl>
+                                        <p:attrNameLst>
+                                          <p:attrName>style.visibility</p:attrName>
+                                        </p:attrNameLst>
+                                      </p:cBhvr>
+                                      <p:to>
+                                        <p:strVal val="visible"/>
+                                      </p:to>
+                                    </p:set>
+                                  </p:childTnLst>
+                                </p:cTn>
+                              </p:par>
+                            </p:childTnLst>
+                          </p:cTn>
+                        </p:par>
+                      </p:childTnLst>
+                    </p:cTn>
+                  </p:par>
+                  <p:par>
+                    <p:cTn id="7" fill="hold">
+                      <p:stCondLst>
+                        <p:cond delay="indefinite"/>
+                      </p:stCondLst>
+                      <p:childTnLst>
+                        <p:par>
+                          <p:cTn id="8" fill="hold">
+                            <p:stCondLst>
+                              <p:cond delay="0"/>
+                            </p:stCondLst>
+                            <p:childTnLst>
+                              <p:par>
+                                <p:cTn id="9" presetID="1" presetClass="entr" presetSubtype="0" fill="hold" nodeType="clickEffect">
+                                  <p:stCondLst>
+                                    <p:cond delay="0"/>
+                                  </p:stCondLst>
+                                  <p:childTnLst>
+                                    <p:set>
+                                      <p:cBhvr>
+                                        <p:cTn id="10" dur="1" fill="hold">
+                                          <p:stCondLst>
+                                            <p:cond delay="0"/>
+                                          </p:stCondLst>
+                                        </p:cTn>
+                                        <p:tgtEl>
+                                          <p:spTgt spid="15"/>
+                                        </p:tgtEl>
+                                        <p:attrNameLst>
+                                          <p:attrName>style.visibility</p:attrName>
+                                        </p:attrNameLst>
+                                      </p:cBhvr>
+                                      <p:to>
+                                        <p:strVal val="visible"/>
+                                      </p:to>
+                                    </p:set>
+                                  </p:childTnLst>
+                                </p:cTn>
+                              </p:par>
+                            </p:childTnLst>
+                          </p:cTn>
+                        </p:par>
+                      </p:childTnLst>
+                    </p:cTn>
+                  </p:par>
+                  <p:par>
+                    <p:cTn id="11" fill="hold">
+                      <p:stCondLst>
+                        <p:cond delay="indefinite"/>
+                      </p:stCondLst>
+                      <p:childTnLst>
+                        <p:par>
+                          <p:cTn id="12" fill="hold">
+                            <p:stCondLst>
+                              <p:cond delay="0"/>
+                            </p:stCondLst>
+                            <p:childTnLst>
+                              <p:par>
+                                <p:cTn id="13" presetID="1" presetClass="entr" presetSubtype="0" fill="hold" nodeType="clickEffect">
+                                  <p:stCondLst>
+                                    <p:cond delay="0"/>
+                                  </p:stCondLst>
+                                  <p:childTnLst>
+                                    <p:set>
+                                      <p:cBhvr>
+                                        <p:cTn id="14" dur="1" fill="hold">
+                                          <p:stCondLst>
+                                            <p:cond delay="0"/>
+                                          </p:stCondLst>
+                                        </p:cTn>
+                                        <p:tgtEl>
+                                          <p:spTgt spid="16"/>
+                                        </p:tgtEl>
+                                        <p:attrNameLst>
+                                          <p:attrName>style.visibility</p:attrName>
+                                        </p:attrNameLst>
+                                      </p:cBhvr>
+                                      <p:to>
+                                        <p:strVal val="visible"/>
+                                      </p:to>
+                                    </p:set>
+                                  </p:childTnLst>
+                                </p:cTn>
+                              </p:par>
+                            </p:childTnLst>
+                          </p:cTn>
+                        </p:par>
+                      </p:childTnLst>
+                    </p:cTn>
+                  </p:par>
+                  <p:par>
+                    <p:cTn id="15" fill="hold">
+                      <p:stCondLst>
+                        <p:cond delay="indefinite"/>
+                      </p:stCondLst>
+                      <p:childTnLst>
+                        <p:par>
+                          <p:cTn id="16" fill="hold">
+                            <p:stCondLst>
+                              <p:cond delay="0"/>
+                            </p:stCondLst>
+                            <p:childTnLst>
+                              <p:par>
+                                <p:cTn id="17" presetID="1" presetClass="entr" presetSubtype="0" fill="hold" nodeType="clickEffect">
+                                  <p:stCondLst>
+                                    <p:cond delay="0"/>
+                                  </p:stCondLst>
+                                  <p:childTnLst>
+                                    <p:set>
+                                      <p:cBhvr>
+                                        <p:cTn id="18" dur="1" fill="hold">
+                                          <p:stCondLst>
+                                            <p:cond delay="0"/>
+                                          </p:stCondLst>
+                                        </p:cTn>
+                                        <p:tgtEl>
+                                          <p:spTgt spid="13"/>
+                                        </p:tgtEl>
+                                        <p:attrNameLst>
+                                          <p:attrName>style.visibility</p:attrName>
+                                        </p:attrNameLst>
+                                      </p:cBhvr>
+                                      <p:to>
+                                        <p:strVal val="visible"/>
+                                      </p:to>
+                                    </p:set>
+                                  </p:childTnLst>
+                                </p:cTn>
+                              </p:par>
+                            </p:childTnLst>
+                          </p:cTn>
+                        </p:par>
+                      </p:childTnLst>
+                    </p:cTn>
+                  </p:par>
+                  <p:par>
+                    <p:cTn id="19" fill="hold">
+                      <p:stCondLst>
+                        <p:cond delay="indefinite"/>
+                      </p:stCondLst>
+                      <p:childTnLst>
+                        <p:par>
+                          <p:cTn id="20" fill="hold">
+                            <p:stCondLst>
+                              <p:cond delay="0"/>
+                            </p:stCondLst>
+                            <p:childTnLst>
+                              <p:par>
+                                <p:cTn id="21" presetID="1" presetClass="entr" presetSubtype="0" fill="hold" nodeType="clickEffect">
+                                  <p:stCondLst>
+                                    <p:cond delay="0"/>
+                                  </p:stCondLst>
+                                  <p:childTnLst>
+                                    <p:set>
+                                      <p:cBhvr>
+                                        <p:cTn id="22" dur="1" fill="hold">
+                                          <p:stCondLst>
+                                            <p:cond delay="0"/>
+                                          </p:stCondLst>
+                                        </p:cTn>
+                                        <p:tgtEl>
+                                          <p:spTgt spid="14"/>
+                                        </p:tgtEl>
+                                        <p:attrNameLst>
+                                          <p:attrName>style.visibility</p:attrName>
+                                        </p:attrNameLst>
+                                      </p:cBhvr>
+                                      <p:to>
+                                        <p:strVal val="visible"/>
+                                      </p:to>
+                                    </p:set>
+                                  </p:childTnLst>
+                                </p:cTn>
+                              </p:par>
+                            </p:childTnLst>
+                          </p:cTn>
+                        </p:par>
+                      </p:childTnLst>
+                    </p:cTn>
+                  </p:par>
+                </p:childTnLst>
+              </p:cTn>
+              <p:prevCondLst>
+                <p:cond evt="onPrev" delay="0">
+                  <p:tgtEl>
+                    <p:sldTgt/>
+                  </p:tgtEl>
+                </p:cond>
+              </p:prevCondLst>
+              <p:nextCondLst>
+                <p:cond evt="onNext" delay="0">
+                  <p:tgtEl>
+                    <p:sldTgt/>
+                  </p:tgtEl>
+                </p:cond>
+              </p:nextCondLst>
+            </p:seq>
+          </p:childTnLst>
+        </p:cTn>
+      </p:par>
+    </p:tnLst>
+    <p:bldLst>
+      <p:bldP spid="9" grpId="0"/>
+    </p:bldLst>
+  </p:timing>
 </p:sld>
 </file>
 
@@ -7132,8 +7859,8 @@
         </p:nvSpPr>
         <p:spPr>
           <a:xfrm>
-            <a:off x="1174811" y="2092991"/>
-            <a:ext cx="6096000" cy="3106043"/>
+            <a:off x="1327211" y="3540791"/>
+            <a:ext cx="6096000" cy="1876219"/>
           </a:xfrm>
           <a:prstGeom prst="rect">
             <a:avLst/>
@@ -7145,22 +7872,6 @@
             <a:spAutoFit/>
           </a:bodyPr>
           <a:lstStyle/>
-          <a:p>
-            <a:pPr algn="ctr">
-              <a:lnSpc>
-                <a:spcPct val="107000"/>
-              </a:lnSpc>
-              <a:spcAft>
-                <a:spcPts val="800"/>
-              </a:spcAft>
-            </a:pPr>
-            <a:endParaRPr lang="fr-FR" sz="1400" dirty="0">
-              <a:effectLst/>
-              <a:latin typeface="Book Antiqua" panose="02040602050305030304" pitchFamily="18" charset="0"/>
-              <a:ea typeface="Calibri" panose="020F0502020204030204" pitchFamily="34" charset="0"/>
-              <a:cs typeface="Times New Roman" panose="02020603050405020304" pitchFamily="18" charset="0"/>
-            </a:endParaRPr>
-          </a:p>
           <a:p>
             <a:pPr algn="ctr">
               <a:lnSpc>
@@ -7181,7 +7892,82 @@
                 <a:ea typeface="Calibri" panose="020F0502020204030204" pitchFamily="34" charset="0"/>
                 <a:cs typeface="Times New Roman" panose="02020603050405020304" pitchFamily="18" charset="0"/>
               </a:rPr>
-              <a:t>Gestion des incidents pouvant survenir dans un immeuble de bureau de grande taille.</a:t>
+              <a:t>Plateforme unique pour les occupants, intervenants et gestionnaires d’immeuble.</a:t>
+            </a:r>
+          </a:p>
+          <a:p>
+            <a:pPr marL="1657350" lvl="3" indent="-285750">
+              <a:lnSpc>
+                <a:spcPct val="107000"/>
+              </a:lnSpc>
+              <a:spcAft>
+                <a:spcPts val="800"/>
+              </a:spcAft>
+              <a:buFont typeface="Wingdings" panose="05000000000000000000" pitchFamily="2" charset="2"/>
+              <a:buChar char="Ø"/>
+            </a:pPr>
+            <a:r>
+              <a:rPr lang="fr-FR" sz="1400" b="1" dirty="0">
+                <a:solidFill>
+                  <a:schemeClr val="accent1">
+                    <a:lumMod val="50000"/>
+                  </a:schemeClr>
+                </a:solidFill>
+                <a:latin typeface="Book Antiqua" panose="02040602050305030304" pitchFamily="18" charset="0"/>
+                <a:ea typeface="Calibri" panose="020F0502020204030204" pitchFamily="34" charset="0"/>
+                <a:cs typeface="Times New Roman" panose="02020603050405020304" pitchFamily="18" charset="0"/>
+              </a:rPr>
+              <a:t>Saisie et suivi des incidents</a:t>
+            </a:r>
+          </a:p>
+          <a:p>
+            <a:pPr marL="1657350" lvl="3" indent="-285750">
+              <a:lnSpc>
+                <a:spcPct val="107000"/>
+              </a:lnSpc>
+              <a:spcAft>
+                <a:spcPts val="800"/>
+              </a:spcAft>
+              <a:buFont typeface="Wingdings" panose="05000000000000000000" pitchFamily="2" charset="2"/>
+              <a:buChar char="Ø"/>
+            </a:pPr>
+            <a:r>
+              <a:rPr lang="fr-FR" sz="1400" b="1" dirty="0">
+                <a:solidFill>
+                  <a:schemeClr val="accent1">
+                    <a:lumMod val="50000"/>
+                  </a:schemeClr>
+                </a:solidFill>
+                <a:latin typeface="Book Antiqua" panose="02040602050305030304" pitchFamily="18" charset="0"/>
+                <a:ea typeface="Calibri" panose="020F0502020204030204" pitchFamily="34" charset="0"/>
+                <a:cs typeface="Times New Roman" panose="02020603050405020304" pitchFamily="18" charset="0"/>
+              </a:rPr>
+              <a:t>Identifier les points de vigilance</a:t>
+            </a:r>
+          </a:p>
+          <a:p>
+            <a:pPr marL="1657350" lvl="3" indent="-285750">
+              <a:lnSpc>
+                <a:spcPct val="107000"/>
+              </a:lnSpc>
+              <a:spcAft>
+                <a:spcPts val="800"/>
+              </a:spcAft>
+              <a:buFont typeface="Wingdings" panose="05000000000000000000" pitchFamily="2" charset="2"/>
+              <a:buChar char="Ø"/>
+            </a:pPr>
+            <a:r>
+              <a:rPr lang="fr-FR" sz="1400" b="1" dirty="0">
+                <a:solidFill>
+                  <a:schemeClr val="accent1">
+                    <a:lumMod val="50000"/>
+                  </a:schemeClr>
+                </a:solidFill>
+                <a:latin typeface="Book Antiqua" panose="02040602050305030304" pitchFamily="18" charset="0"/>
+                <a:ea typeface="Calibri" panose="020F0502020204030204" pitchFamily="34" charset="0"/>
+                <a:cs typeface="Times New Roman" panose="02020603050405020304" pitchFamily="18" charset="0"/>
+              </a:rPr>
+              <a:t>Recueillir le sentiment des usagers</a:t>
             </a:r>
           </a:p>
           <a:p>
@@ -7204,6 +7990,86 @@
               <a:cs typeface="Times New Roman" panose="02020603050405020304" pitchFamily="18" charset="0"/>
             </a:endParaRPr>
           </a:p>
+        </p:txBody>
+      </p:sp>
+      <p:pic>
+        <p:nvPicPr>
+          <p:cNvPr id="6" name="Espace réservé du contenu 5">
+            <a:extLst>
+              <a:ext uri="{FF2B5EF4-FFF2-40B4-BE49-F238E27FC236}">
+                <a16:creationId xmlns:a16="http://schemas.microsoft.com/office/drawing/2014/main" id="{F5009788-8186-24B6-82B6-48A10A10EEEE}"/>
+              </a:ext>
+            </a:extLst>
+          </p:cNvPr>
+          <p:cNvPicPr>
+            <a:picLocks noGrp="1" noChangeAspect="1"/>
+          </p:cNvPicPr>
+          <p:nvPr>
+            <p:ph idx="1"/>
+          </p:nvPr>
+        </p:nvPicPr>
+        <p:blipFill>
+          <a:blip r:embed="rId2">
+            <a:extLst>
+              <a:ext uri="{28A0092B-C50C-407E-A947-70E740481C1C}">
+                <a14:useLocalDpi xmlns:a14="http://schemas.microsoft.com/office/drawing/2010/main" val="0"/>
+              </a:ext>
+            </a:extLst>
+          </a:blip>
+          <a:stretch>
+            <a:fillRect/>
+          </a:stretch>
+        </p:blipFill>
+        <p:spPr>
+          <a:xfrm>
+            <a:off x="8258915" y="2466975"/>
+            <a:ext cx="1924050" cy="1924050"/>
+          </a:xfrm>
+        </p:spPr>
+      </p:pic>
+      <p:sp>
+        <p:nvSpPr>
+          <p:cNvPr id="3" name="ZoneTexte 2">
+            <a:extLst>
+              <a:ext uri="{FF2B5EF4-FFF2-40B4-BE49-F238E27FC236}">
+                <a16:creationId xmlns:a16="http://schemas.microsoft.com/office/drawing/2014/main" id="{90E8705F-458C-30F3-95DD-E0D82BF6DD3E}"/>
+              </a:ext>
+            </a:extLst>
+          </p:cNvPr>
+          <p:cNvSpPr txBox="1"/>
+          <p:nvPr/>
+        </p:nvSpPr>
+        <p:spPr>
+          <a:xfrm>
+            <a:off x="1327211" y="2245391"/>
+            <a:ext cx="6096000" cy="876907"/>
+          </a:xfrm>
+          <a:prstGeom prst="rect">
+            <a:avLst/>
+          </a:prstGeom>
+          <a:noFill/>
+        </p:spPr>
+        <p:txBody>
+          <a:bodyPr wrap="square">
+            <a:spAutoFit/>
+          </a:bodyPr>
+          <a:lstStyle/>
+          <a:p>
+            <a:pPr algn="ctr">
+              <a:lnSpc>
+                <a:spcPct val="107000"/>
+              </a:lnSpc>
+              <a:spcAft>
+                <a:spcPts val="800"/>
+              </a:spcAft>
+            </a:pPr>
+            <a:endParaRPr lang="fr-FR" sz="1400" dirty="0">
+              <a:effectLst/>
+              <a:latin typeface="Book Antiqua" panose="02040602050305030304" pitchFamily="18" charset="0"/>
+              <a:ea typeface="Calibri" panose="020F0502020204030204" pitchFamily="34" charset="0"/>
+              <a:cs typeface="Times New Roman" panose="02020603050405020304" pitchFamily="18" charset="0"/>
+            </a:endParaRPr>
+          </a:p>
           <a:p>
             <a:pPr algn="ctr">
               <a:lnSpc>
@@ -7224,141 +8090,11 @@
                 <a:ea typeface="Calibri" panose="020F0502020204030204" pitchFamily="34" charset="0"/>
                 <a:cs typeface="Times New Roman" panose="02020603050405020304" pitchFamily="18" charset="0"/>
               </a:rPr>
-              <a:t>Plateforme unique pour les occupants, intervenants et gestionnaires d’immeuble.</a:t>
-            </a:r>
-          </a:p>
-          <a:p>
-            <a:pPr marL="1657350" lvl="3" indent="-285750">
-              <a:lnSpc>
-                <a:spcPct val="107000"/>
-              </a:lnSpc>
-              <a:spcAft>
-                <a:spcPts val="800"/>
-              </a:spcAft>
-              <a:buFont typeface="Wingdings" panose="05000000000000000000" pitchFamily="2" charset="2"/>
-              <a:buChar char="Ø"/>
-            </a:pPr>
-            <a:r>
-              <a:rPr lang="fr-FR" sz="1400" b="1" dirty="0">
-                <a:solidFill>
-                  <a:schemeClr val="accent1">
-                    <a:lumMod val="50000"/>
-                  </a:schemeClr>
-                </a:solidFill>
-                <a:latin typeface="Book Antiqua" panose="02040602050305030304" pitchFamily="18" charset="0"/>
-                <a:ea typeface="Calibri" panose="020F0502020204030204" pitchFamily="34" charset="0"/>
-                <a:cs typeface="Times New Roman" panose="02020603050405020304" pitchFamily="18" charset="0"/>
-              </a:rPr>
-              <a:t>Saisie et suivi des incidents</a:t>
-            </a:r>
-          </a:p>
-          <a:p>
-            <a:pPr marL="1657350" lvl="3" indent="-285750">
-              <a:lnSpc>
-                <a:spcPct val="107000"/>
-              </a:lnSpc>
-              <a:spcAft>
-                <a:spcPts val="800"/>
-              </a:spcAft>
-              <a:buFont typeface="Wingdings" panose="05000000000000000000" pitchFamily="2" charset="2"/>
-              <a:buChar char="Ø"/>
-            </a:pPr>
-            <a:r>
-              <a:rPr lang="fr-FR" sz="1400" b="1" dirty="0">
-                <a:solidFill>
-                  <a:schemeClr val="accent1">
-                    <a:lumMod val="50000"/>
-                  </a:schemeClr>
-                </a:solidFill>
-                <a:latin typeface="Book Antiqua" panose="02040602050305030304" pitchFamily="18" charset="0"/>
-                <a:ea typeface="Calibri" panose="020F0502020204030204" pitchFamily="34" charset="0"/>
-                <a:cs typeface="Times New Roman" panose="02020603050405020304" pitchFamily="18" charset="0"/>
-              </a:rPr>
-              <a:t>Identifier les points de vigilance</a:t>
-            </a:r>
-          </a:p>
-          <a:p>
-            <a:pPr marL="1657350" lvl="3" indent="-285750">
-              <a:lnSpc>
-                <a:spcPct val="107000"/>
-              </a:lnSpc>
-              <a:spcAft>
-                <a:spcPts val="800"/>
-              </a:spcAft>
-              <a:buFont typeface="Wingdings" panose="05000000000000000000" pitchFamily="2" charset="2"/>
-              <a:buChar char="Ø"/>
-            </a:pPr>
-            <a:r>
-              <a:rPr lang="fr-FR" sz="1400" b="1" dirty="0">
-                <a:solidFill>
-                  <a:schemeClr val="accent1">
-                    <a:lumMod val="50000"/>
-                  </a:schemeClr>
-                </a:solidFill>
-                <a:latin typeface="Book Antiqua" panose="02040602050305030304" pitchFamily="18" charset="0"/>
-                <a:ea typeface="Calibri" panose="020F0502020204030204" pitchFamily="34" charset="0"/>
-                <a:cs typeface="Times New Roman" panose="02020603050405020304" pitchFamily="18" charset="0"/>
-              </a:rPr>
-              <a:t>Recueillir le sentiment des usagers</a:t>
-            </a:r>
-          </a:p>
-          <a:p>
-            <a:pPr algn="ctr">
-              <a:lnSpc>
-                <a:spcPct val="107000"/>
-              </a:lnSpc>
-              <a:spcAft>
-                <a:spcPts val="800"/>
-              </a:spcAft>
-            </a:pPr>
-            <a:endParaRPr lang="fr-FR" sz="1400" b="1" dirty="0">
-              <a:solidFill>
-                <a:schemeClr val="accent1">
-                  <a:lumMod val="50000"/>
-                </a:schemeClr>
-              </a:solidFill>
-              <a:latin typeface="Book Antiqua" panose="02040602050305030304" pitchFamily="18" charset="0"/>
-              <a:ea typeface="Calibri" panose="020F0502020204030204" pitchFamily="34" charset="0"/>
-              <a:cs typeface="Times New Roman" panose="02020603050405020304" pitchFamily="18" charset="0"/>
-            </a:endParaRPr>
-          </a:p>
-        </p:txBody>
-      </p:sp>
-      <p:pic>
-        <p:nvPicPr>
-          <p:cNvPr id="6" name="Espace réservé du contenu 5">
-            <a:extLst>
-              <a:ext uri="{FF2B5EF4-FFF2-40B4-BE49-F238E27FC236}">
-                <a16:creationId xmlns:a16="http://schemas.microsoft.com/office/drawing/2014/main" id="{F5009788-8186-24B6-82B6-48A10A10EEEE}"/>
-              </a:ext>
-            </a:extLst>
-          </p:cNvPr>
-          <p:cNvPicPr>
-            <a:picLocks noGrp="1" noChangeAspect="1"/>
-          </p:cNvPicPr>
-          <p:nvPr>
-            <p:ph idx="1"/>
-          </p:nvPr>
-        </p:nvPicPr>
-        <p:blipFill>
-          <a:blip r:embed="rId2">
-            <a:extLst>
-              <a:ext uri="{28A0092B-C50C-407E-A947-70E740481C1C}">
-                <a14:useLocalDpi xmlns:a14="http://schemas.microsoft.com/office/drawing/2010/main" val="0"/>
-              </a:ext>
-            </a:extLst>
-          </a:blip>
-          <a:stretch>
-            <a:fillRect/>
-          </a:stretch>
-        </p:blipFill>
-        <p:spPr>
-          <a:xfrm>
-            <a:off x="8258915" y="2466975"/>
-            <a:ext cx="1924050" cy="1924050"/>
-          </a:xfrm>
-        </p:spPr>
-      </p:pic>
+              <a:t>Gestion des incidents pouvant survenir dans un immeuble de bureau de grande taille.</a:t>
+            </a:r>
+          </a:p>
+        </p:txBody>
+      </p:sp>
     </p:spTree>
     <p:extLst>
       <p:ext uri="{BB962C8B-B14F-4D97-AF65-F5344CB8AC3E}">
@@ -7369,6 +8105,84 @@
   <p:clrMapOvr>
     <a:masterClrMapping/>
   </p:clrMapOvr>
+  <p:timing>
+    <p:tnLst>
+      <p:par>
+        <p:cTn id="1" dur="indefinite" restart="never" nodeType="tmRoot">
+          <p:childTnLst>
+            <p:seq concurrent="1" nextAc="seek">
+              <p:cTn id="2" dur="indefinite" nodeType="mainSeq">
+                <p:childTnLst>
+                  <p:par>
+                    <p:cTn id="3" fill="hold">
+                      <p:stCondLst>
+                        <p:cond delay="indefinite"/>
+                      </p:stCondLst>
+                      <p:childTnLst>
+                        <p:par>
+                          <p:cTn id="4" fill="hold">
+                            <p:stCondLst>
+                              <p:cond delay="0"/>
+                            </p:stCondLst>
+                            <p:childTnLst>
+                              <p:par>
+                                <p:cTn id="5" presetID="1" presetClass="entr" presetSubtype="0" fill="hold" grpId="0" nodeType="clickEffect">
+                                  <p:stCondLst>
+                                    <p:cond delay="0"/>
+                                  </p:stCondLst>
+                                  <p:childTnLst>
+                                    <p:set>
+                                      <p:cBhvr>
+                                        <p:cTn id="6" dur="1" fill="hold">
+                                          <p:stCondLst>
+                                            <p:cond delay="0"/>
+                                          </p:stCondLst>
+                                        </p:cTn>
+                                        <p:tgtEl>
+                                          <p:spTgt spid="9"/>
+                                        </p:tgtEl>
+                                        <p:attrNameLst>
+                                          <p:attrName>style.visibility</p:attrName>
+                                        </p:attrNameLst>
+                                      </p:cBhvr>
+                                      <p:to>
+                                        <p:strVal val="visible"/>
+                                      </p:to>
+                                    </p:set>
+                                  </p:childTnLst>
+                                </p:cTn>
+                              </p:par>
+                            </p:childTnLst>
+                          </p:cTn>
+                        </p:par>
+                      </p:childTnLst>
+                    </p:cTn>
+                  </p:par>
+                </p:childTnLst>
+              </p:cTn>
+              <p:prevCondLst>
+                <p:cond evt="onPrev" delay="0">
+                  <p:tgtEl>
+                    <p:sldTgt/>
+                  </p:tgtEl>
+                </p:cond>
+              </p:prevCondLst>
+              <p:nextCondLst>
+                <p:cond evt="onNext" delay="0">
+                  <p:tgtEl>
+                    <p:sldTgt/>
+                  </p:tgtEl>
+                </p:cond>
+              </p:nextCondLst>
+            </p:seq>
+          </p:childTnLst>
+        </p:cTn>
+      </p:par>
+    </p:tnLst>
+    <p:bldLst>
+      <p:bldP spid="9" grpId="0"/>
+    </p:bldLst>
+  </p:timing>
 </p:sld>
 </file>
 
@@ -7679,8 +8493,8 @@
         </p:nvSpPr>
         <p:spPr>
           <a:xfrm>
-            <a:off x="1174811" y="2092991"/>
-            <a:ext cx="3082864" cy="3467103"/>
+            <a:off x="904875" y="2544098"/>
+            <a:ext cx="3082864" cy="2512932"/>
           </a:xfrm>
           <a:prstGeom prst="rect">
             <a:avLst/>
@@ -7702,7 +8516,7 @@
               </a:spcAft>
             </a:pPr>
             <a:r>
-              <a:rPr lang="fr-FR" sz="1200" dirty="0">
+              <a:rPr lang="fr-FR" sz="1000" dirty="0">
                 <a:latin typeface="Book Antiqua" panose="02040602050305030304" pitchFamily="18" charset="0"/>
                 <a:ea typeface="Calibri" panose="020F0502020204030204" pitchFamily="34" charset="0"/>
                 <a:cs typeface="Times New Roman" panose="02020603050405020304" pitchFamily="18" charset="0"/>
@@ -7720,7 +8534,7 @@
               </a:spcAft>
             </a:pPr>
             <a:r>
-              <a:rPr lang="fr-FR" sz="1200" u="sng" dirty="0">
+              <a:rPr lang="fr-FR" sz="1000" u="sng" dirty="0">
                 <a:latin typeface="Book Antiqua" panose="02040602050305030304" pitchFamily="18" charset="0"/>
                 <a:ea typeface="Calibri" panose="020F0502020204030204" pitchFamily="34" charset="0"/>
                 <a:cs typeface="Times New Roman" panose="02020603050405020304" pitchFamily="18" charset="0"/>
@@ -7728,7 +8542,7 @@
               <a:t>Usager</a:t>
             </a:r>
             <a:r>
-              <a:rPr lang="fr-FR" sz="1200" dirty="0">
+              <a:rPr lang="fr-FR" sz="1000" dirty="0">
                 <a:latin typeface="Book Antiqua" panose="02040602050305030304" pitchFamily="18" charset="0"/>
                 <a:ea typeface="Calibri" panose="020F0502020204030204" pitchFamily="34" charset="0"/>
                 <a:cs typeface="Times New Roman" panose="02020603050405020304" pitchFamily="18" charset="0"/>
@@ -7746,7 +8560,7 @@
               </a:spcAft>
             </a:pPr>
             <a:r>
-              <a:rPr lang="fr-FR" sz="1200" u="sng" dirty="0" err="1">
+              <a:rPr lang="fr-FR" sz="1000" u="sng" dirty="0" err="1">
                 <a:latin typeface="Book Antiqua" panose="02040602050305030304" pitchFamily="18" charset="0"/>
                 <a:ea typeface="Calibri" panose="020F0502020204030204" pitchFamily="34" charset="0"/>
                 <a:cs typeface="Times New Roman" panose="02020603050405020304" pitchFamily="18" charset="0"/>
@@ -7754,7 +8568,7 @@
               <a:t>Imm</a:t>
             </a:r>
             <a:r>
-              <a:rPr lang="fr-FR" sz="1200" dirty="0">
+              <a:rPr lang="fr-FR" sz="1000" dirty="0">
                 <a:latin typeface="Book Antiqua" panose="02040602050305030304" pitchFamily="18" charset="0"/>
                 <a:ea typeface="Calibri" panose="020F0502020204030204" pitchFamily="34" charset="0"/>
                 <a:cs typeface="Times New Roman" panose="02020603050405020304" pitchFamily="18" charset="0"/>
@@ -7771,7 +8585,7 @@
                 <a:spcPts val="800"/>
               </a:spcAft>
             </a:pPr>
-            <a:endParaRPr lang="fr-FR" sz="1200" dirty="0">
+            <a:endParaRPr lang="fr-FR" sz="1000" dirty="0">
               <a:latin typeface="Book Antiqua" panose="02040602050305030304" pitchFamily="18" charset="0"/>
               <a:ea typeface="Calibri" panose="020F0502020204030204" pitchFamily="34" charset="0"/>
               <a:cs typeface="Times New Roman" panose="02020603050405020304" pitchFamily="18" charset="0"/>
@@ -7787,7 +8601,7 @@
               </a:spcAft>
             </a:pPr>
             <a:r>
-              <a:rPr lang="fr-FR" sz="1200" dirty="0">
+              <a:rPr lang="fr-FR" sz="1000" dirty="0">
                 <a:latin typeface="Book Antiqua" panose="02040602050305030304" pitchFamily="18" charset="0"/>
                 <a:ea typeface="Calibri" panose="020F0502020204030204" pitchFamily="34" charset="0"/>
                 <a:cs typeface="Times New Roman" panose="02020603050405020304" pitchFamily="18" charset="0"/>
@@ -7805,7 +8619,7 @@
               </a:spcAft>
             </a:pPr>
             <a:r>
-              <a:rPr lang="fr-FR" sz="1200" u="sng" dirty="0">
+              <a:rPr lang="fr-FR" sz="1000" u="sng" dirty="0">
                 <a:latin typeface="Book Antiqua" panose="02040602050305030304" pitchFamily="18" charset="0"/>
                 <a:ea typeface="Calibri" panose="020F0502020204030204" pitchFamily="34" charset="0"/>
                 <a:cs typeface="Times New Roman" panose="02020603050405020304" pitchFamily="18" charset="0"/>
@@ -7813,7 +8627,7 @@
               <a:t>Technicien</a:t>
             </a:r>
             <a:r>
-              <a:rPr lang="fr-FR" sz="1200" dirty="0">
+              <a:rPr lang="fr-FR" sz="1000" dirty="0">
                 <a:latin typeface="Book Antiqua" panose="02040602050305030304" pitchFamily="18" charset="0"/>
                 <a:ea typeface="Calibri" panose="020F0502020204030204" pitchFamily="34" charset="0"/>
                 <a:cs typeface="Times New Roman" panose="02020603050405020304" pitchFamily="18" charset="0"/>
@@ -7831,7 +8645,7 @@
               </a:spcAft>
             </a:pPr>
             <a:r>
-              <a:rPr lang="fr-FR" sz="1200" u="sng" dirty="0">
+              <a:rPr lang="fr-FR" sz="1000" u="sng" dirty="0">
                 <a:latin typeface="Book Antiqua" panose="02040602050305030304" pitchFamily="18" charset="0"/>
                 <a:ea typeface="Calibri" panose="020F0502020204030204" pitchFamily="34" charset="0"/>
                 <a:cs typeface="Times New Roman" panose="02020603050405020304" pitchFamily="18" charset="0"/>
@@ -7839,7 +8653,7 @@
               <a:t>Valideur</a:t>
             </a:r>
             <a:r>
-              <a:rPr lang="fr-FR" sz="1200" dirty="0">
+              <a:rPr lang="fr-FR" sz="1000" dirty="0">
                 <a:latin typeface="Book Antiqua" panose="02040602050305030304" pitchFamily="18" charset="0"/>
                 <a:ea typeface="Calibri" panose="020F0502020204030204" pitchFamily="34" charset="0"/>
                 <a:cs typeface="Times New Roman" panose="02020603050405020304" pitchFamily="18" charset="0"/>
@@ -7851,10 +8665,10 @@
       </p:sp>
       <p:pic>
         <p:nvPicPr>
-          <p:cNvPr id="7" name="Image 6">
-            <a:extLst>
-              <a:ext uri="{FF2B5EF4-FFF2-40B4-BE49-F238E27FC236}">
-                <a16:creationId xmlns:a16="http://schemas.microsoft.com/office/drawing/2014/main" id="{D216AB41-B45C-FC93-760A-37177574D456}"/>
+          <p:cNvPr id="4" name="Image 3">
+            <a:extLst>
+              <a:ext uri="{FF2B5EF4-FFF2-40B4-BE49-F238E27FC236}">
+                <a16:creationId xmlns:a16="http://schemas.microsoft.com/office/drawing/2014/main" id="{FF7A925D-3FCA-7AE4-4130-9EBF571A19BE}"/>
               </a:ext>
             </a:extLst>
           </p:cNvPr>
@@ -7871,8 +8685,8 @@
         </p:blipFill>
         <p:spPr>
           <a:xfrm>
-            <a:off x="4638675" y="1865317"/>
-            <a:ext cx="6378514" cy="3694777"/>
+            <a:off x="4354836" y="1727045"/>
+            <a:ext cx="6766505" cy="3833049"/>
           </a:xfrm>
           <a:prstGeom prst="rect">
             <a:avLst/>
@@ -7941,10 +8755,10 @@
       </p:sp>
       <p:pic>
         <p:nvPicPr>
-          <p:cNvPr id="4" name="Image 3">
-            <a:extLst>
-              <a:ext uri="{FF2B5EF4-FFF2-40B4-BE49-F238E27FC236}">
-                <a16:creationId xmlns:a16="http://schemas.microsoft.com/office/drawing/2014/main" id="{909A3ECB-D81E-4AB3-CA89-447F7D566887}"/>
+          <p:cNvPr id="5" name="Image 4">
+            <a:extLst>
+              <a:ext uri="{FF2B5EF4-FFF2-40B4-BE49-F238E27FC236}">
+                <a16:creationId xmlns:a16="http://schemas.microsoft.com/office/drawing/2014/main" id="{F0E86876-7961-67FF-C647-D135B88D0CD2}"/>
               </a:ext>
             </a:extLst>
           </p:cNvPr>
@@ -7961,8 +8775,8 @@
         </p:blipFill>
         <p:spPr>
           <a:xfrm>
-            <a:off x="1128712" y="2006600"/>
-            <a:ext cx="9934575" cy="3695700"/>
+            <a:off x="1704702" y="2041496"/>
+            <a:ext cx="8568826" cy="3224650"/>
           </a:xfrm>
           <a:prstGeom prst="rect">
             <a:avLst/>
@@ -7999,36 +8813,6 @@
           <a:chExt cx="0" cy="0"/>
         </a:xfrm>
       </p:grpSpPr>
-      <p:pic>
-        <p:nvPicPr>
-          <p:cNvPr id="18" name="Image 17">
-            <a:extLst>
-              <a:ext uri="{FF2B5EF4-FFF2-40B4-BE49-F238E27FC236}">
-                <a16:creationId xmlns:a16="http://schemas.microsoft.com/office/drawing/2014/main" id="{C9EE59C1-2A59-A158-5887-E357CCAE8B93}"/>
-              </a:ext>
-            </a:extLst>
-          </p:cNvPr>
-          <p:cNvPicPr>
-            <a:picLocks noChangeAspect="1"/>
-          </p:cNvPicPr>
-          <p:nvPr/>
-        </p:nvPicPr>
-        <p:blipFill>
-          <a:blip r:embed="rId2"/>
-          <a:stretch>
-            <a:fillRect/>
-          </a:stretch>
-        </p:blipFill>
-        <p:spPr>
-          <a:xfrm>
-            <a:off x="1465833" y="1190625"/>
-            <a:ext cx="8944992" cy="4305300"/>
-          </a:xfrm>
-          <a:prstGeom prst="rect">
-            <a:avLst/>
-          </a:prstGeom>
-        </p:spPr>
-      </p:pic>
       <p:sp>
         <p:nvSpPr>
           <p:cNvPr id="2" name="Titre 1">
@@ -8081,6 +8865,36 @@
           </a:p>
         </p:txBody>
       </p:sp>
+      <p:pic>
+        <p:nvPicPr>
+          <p:cNvPr id="4" name="Image 3">
+            <a:extLst>
+              <a:ext uri="{FF2B5EF4-FFF2-40B4-BE49-F238E27FC236}">
+                <a16:creationId xmlns:a16="http://schemas.microsoft.com/office/drawing/2014/main" id="{3A05C598-661E-D4EC-C543-B90D3A98DC08}"/>
+              </a:ext>
+            </a:extLst>
+          </p:cNvPr>
+          <p:cNvPicPr>
+            <a:picLocks noChangeAspect="1"/>
+          </p:cNvPicPr>
+          <p:nvPr/>
+        </p:nvPicPr>
+        <p:blipFill>
+          <a:blip r:embed="rId2"/>
+          <a:stretch>
+            <a:fillRect/>
+          </a:stretch>
+        </p:blipFill>
+        <p:spPr>
+          <a:xfrm>
+            <a:off x="2397034" y="1899574"/>
+            <a:ext cx="7173821" cy="3608597"/>
+          </a:xfrm>
+          <a:prstGeom prst="rect">
+            <a:avLst/>
+          </a:prstGeom>
+        </p:spPr>
+      </p:pic>
     </p:spTree>
     <p:extLst>
       <p:ext uri="{BB962C8B-B14F-4D97-AF65-F5344CB8AC3E}">
@@ -8165,10 +8979,10 @@
       </p:sp>
       <p:pic>
         <p:nvPicPr>
-          <p:cNvPr id="5" name="Image 4">
-            <a:extLst>
-              <a:ext uri="{FF2B5EF4-FFF2-40B4-BE49-F238E27FC236}">
-                <a16:creationId xmlns:a16="http://schemas.microsoft.com/office/drawing/2014/main" id="{B6A295F4-CB0B-8501-EBD9-119A10ECFF55}"/>
+          <p:cNvPr id="7" name="Image 6">
+            <a:extLst>
+              <a:ext uri="{FF2B5EF4-FFF2-40B4-BE49-F238E27FC236}">
+                <a16:creationId xmlns:a16="http://schemas.microsoft.com/office/drawing/2014/main" id="{B911321F-A794-7317-6DA8-800ADE9F4C8A}"/>
               </a:ext>
             </a:extLst>
           </p:cNvPr>
@@ -8185,8 +8999,8 @@
         </p:blipFill>
         <p:spPr>
           <a:xfrm>
-            <a:off x="2207351" y="1940001"/>
-            <a:ext cx="7205652" cy="3384473"/>
+            <a:off x="1821009" y="1902210"/>
+            <a:ext cx="8899241" cy="3121545"/>
           </a:xfrm>
           <a:prstGeom prst="rect">
             <a:avLst/>
@@ -8247,18 +9061,18 @@
           <a:lstStyle/>
           <a:p>
             <a:r>
-              <a:rPr lang="fr-FR" sz="4000" dirty="0"/>
-              <a:t>Accueil</a:t>
+              <a:rPr lang="fr-FR" sz="3600" dirty="0"/>
+              <a:t>fonctionnalités</a:t>
             </a:r>
           </a:p>
         </p:txBody>
       </p:sp>
       <p:pic>
         <p:nvPicPr>
-          <p:cNvPr id="8" name="Image 7">
-            <a:extLst>
-              <a:ext uri="{FF2B5EF4-FFF2-40B4-BE49-F238E27FC236}">
-                <a16:creationId xmlns:a16="http://schemas.microsoft.com/office/drawing/2014/main" id="{213B8624-539A-F88A-7600-36ADE2526E99}"/>
+          <p:cNvPr id="4" name="Image 3">
+            <a:extLst>
+              <a:ext uri="{FF2B5EF4-FFF2-40B4-BE49-F238E27FC236}">
+                <a16:creationId xmlns:a16="http://schemas.microsoft.com/office/drawing/2014/main" id="{DA3F8BB3-50D0-8856-240B-42FA5391D5FF}"/>
               </a:ext>
             </a:extLst>
           </p:cNvPr>
@@ -8275,8 +9089,8 @@
         </p:blipFill>
         <p:spPr>
           <a:xfrm>
-            <a:off x="2824480" y="804681"/>
-            <a:ext cx="7695247" cy="5248638"/>
+            <a:off x="3928230" y="971413"/>
+            <a:ext cx="7220917" cy="5147090"/>
           </a:xfrm>
           <a:prstGeom prst="rect">
             <a:avLst/>

--- a/doc/présentation V2.pptx
+++ b/doc/présentation V2.pptx
@@ -20,10 +20,11 @@
     <p:sldId id="283" r:id="rId14"/>
     <p:sldId id="280" r:id="rId15"/>
     <p:sldId id="285" r:id="rId16"/>
-    <p:sldId id="282" r:id="rId17"/>
-    <p:sldId id="274" r:id="rId18"/>
-    <p:sldId id="277" r:id="rId19"/>
-    <p:sldId id="276" r:id="rId20"/>
+    <p:sldId id="286" r:id="rId17"/>
+    <p:sldId id="282" r:id="rId18"/>
+    <p:sldId id="274" r:id="rId19"/>
+    <p:sldId id="277" r:id="rId20"/>
+    <p:sldId id="276" r:id="rId21"/>
   </p:sldIdLst>
   <p:sldSz cx="12192000" cy="6858000"/>
   <p:notesSz cx="7315200" cy="9601200"/>
@@ -278,7 +279,7 @@
           <a:p>
             <a:fld id="{AA70F276-1833-4A75-9C1D-A56E2295A68D}" type="datetimeFigureOut">
               <a:rPr lang="en-US" smtClean="0"/>
-              <a:t>10/24/2022</a:t>
+              <a:t>10/25/2022</a:t>
             </a:fld>
             <a:endParaRPr lang="en-US"/>
           </a:p>
@@ -476,7 +477,7 @@
           <a:p>
             <a:fld id="{AA70F276-1833-4A75-9C1D-A56E2295A68D}" type="datetimeFigureOut">
               <a:rPr lang="en-US" smtClean="0"/>
-              <a:t>10/24/2022</a:t>
+              <a:t>10/25/2022</a:t>
             </a:fld>
             <a:endParaRPr lang="en-US"/>
           </a:p>
@@ -684,7 +685,7 @@
           <a:p>
             <a:fld id="{AA70F276-1833-4A75-9C1D-A56E2295A68D}" type="datetimeFigureOut">
               <a:rPr lang="en-US" smtClean="0"/>
-              <a:t>10/24/2022</a:t>
+              <a:t>10/25/2022</a:t>
             </a:fld>
             <a:endParaRPr lang="en-US"/>
           </a:p>
@@ -909,7 +910,7 @@
           <a:p>
             <a:fld id="{AA70F276-1833-4A75-9C1D-A56E2295A68D}" type="datetimeFigureOut">
               <a:rPr lang="en-US" smtClean="0"/>
-              <a:t>10/24/2022</a:t>
+              <a:t>10/25/2022</a:t>
             </a:fld>
             <a:endParaRPr lang="en-US"/>
           </a:p>
@@ -1185,7 +1186,7 @@
           <a:p>
             <a:fld id="{AA70F276-1833-4A75-9C1D-A56E2295A68D}" type="datetimeFigureOut">
               <a:rPr lang="en-US" smtClean="0"/>
-              <a:t>10/24/2022</a:t>
+              <a:t>10/25/2022</a:t>
             </a:fld>
             <a:endParaRPr lang="en-US"/>
           </a:p>
@@ -1455,7 +1456,7 @@
           <a:p>
             <a:fld id="{AA70F276-1833-4A75-9C1D-A56E2295A68D}" type="datetimeFigureOut">
               <a:rPr lang="en-US" smtClean="0"/>
-              <a:t>10/24/2022</a:t>
+              <a:t>10/25/2022</a:t>
             </a:fld>
             <a:endParaRPr lang="en-US"/>
           </a:p>
@@ -1867,7 +1868,7 @@
           <a:p>
             <a:fld id="{AA70F276-1833-4A75-9C1D-A56E2295A68D}" type="datetimeFigureOut">
               <a:rPr lang="en-US" smtClean="0"/>
-              <a:t>10/24/2022</a:t>
+              <a:t>10/25/2022</a:t>
             </a:fld>
             <a:endParaRPr lang="en-US"/>
           </a:p>
@@ -2008,7 +2009,7 @@
           <a:p>
             <a:fld id="{AA70F276-1833-4A75-9C1D-A56E2295A68D}" type="datetimeFigureOut">
               <a:rPr lang="en-US" smtClean="0"/>
-              <a:t>10/24/2022</a:t>
+              <a:t>10/25/2022</a:t>
             </a:fld>
             <a:endParaRPr lang="en-US"/>
           </a:p>
@@ -2121,7 +2122,7 @@
           <a:p>
             <a:fld id="{AA70F276-1833-4A75-9C1D-A56E2295A68D}" type="datetimeFigureOut">
               <a:rPr lang="en-US" smtClean="0"/>
-              <a:t>10/24/2022</a:t>
+              <a:t>10/25/2022</a:t>
             </a:fld>
             <a:endParaRPr lang="en-US"/>
           </a:p>
@@ -2432,7 +2433,7 @@
           <a:p>
             <a:fld id="{AA70F276-1833-4A75-9C1D-A56E2295A68D}" type="datetimeFigureOut">
               <a:rPr lang="en-US" smtClean="0"/>
-              <a:t>10/24/2022</a:t>
+              <a:t>10/25/2022</a:t>
             </a:fld>
             <a:endParaRPr lang="en-US"/>
           </a:p>
@@ -2723,7 +2724,7 @@
           <a:p>
             <a:fld id="{AA70F276-1833-4A75-9C1D-A56E2295A68D}" type="datetimeFigureOut">
               <a:rPr lang="en-US" smtClean="0"/>
-              <a:t>10/24/2022</a:t>
+              <a:t>10/25/2022</a:t>
             </a:fld>
             <a:endParaRPr lang="en-US"/>
           </a:p>
@@ -3031,7 +3032,7 @@
             <a:fld id="{AA70F276-1833-4A75-9C1D-A56E2295A68D}" type="datetimeFigureOut">
               <a:rPr lang="en-US" smtClean="0"/>
               <a:pPr/>
-              <a:t>10/24/2022</a:t>
+              <a:t>10/25/2022</a:t>
             </a:fld>
             <a:endParaRPr lang="en-US" dirty="0"/>
           </a:p>
@@ -4266,7 +4267,7 @@
         <p:spPr>
           <a:xfrm>
             <a:off x="738538" y="1464416"/>
-            <a:ext cx="5268293" cy="3310570"/>
+            <a:ext cx="6128115" cy="3850878"/>
           </a:xfrm>
           <a:prstGeom prst="rect">
             <a:avLst/>
@@ -4295,8 +4296,8 @@
         </p:blipFill>
         <p:spPr>
           <a:xfrm>
-            <a:off x="6085508" y="2611964"/>
-            <a:ext cx="5195708" cy="3390419"/>
+            <a:off x="5379868" y="2151504"/>
+            <a:ext cx="5901348" cy="3850879"/>
           </a:xfrm>
           <a:prstGeom prst="rect">
             <a:avLst/>
@@ -4313,6 +4314,81 @@
   <p:clrMapOvr>
     <a:masterClrMapping/>
   </p:clrMapOvr>
+  <p:timing>
+    <p:tnLst>
+      <p:par>
+        <p:cTn id="1" dur="indefinite" restart="never" nodeType="tmRoot">
+          <p:childTnLst>
+            <p:seq concurrent="1" nextAc="seek">
+              <p:cTn id="2" dur="indefinite" nodeType="mainSeq">
+                <p:childTnLst>
+                  <p:par>
+                    <p:cTn id="3" fill="hold">
+                      <p:stCondLst>
+                        <p:cond delay="indefinite"/>
+                      </p:stCondLst>
+                      <p:childTnLst>
+                        <p:par>
+                          <p:cTn id="4" fill="hold">
+                            <p:stCondLst>
+                              <p:cond delay="0"/>
+                            </p:stCondLst>
+                            <p:childTnLst>
+                              <p:par>
+                                <p:cTn id="5" presetID="1" presetClass="entr" presetSubtype="0" fill="hold" nodeType="clickEffect">
+                                  <p:stCondLst>
+                                    <p:cond delay="0"/>
+                                  </p:stCondLst>
+                                  <p:childTnLst>
+                                    <p:set>
+                                      <p:cBhvr>
+                                        <p:cTn id="6" dur="1" fill="hold">
+                                          <p:stCondLst>
+                                            <p:cond delay="0"/>
+                                          </p:stCondLst>
+                                        </p:cTn>
+                                        <p:tgtEl>
+                                          <p:spTgt spid="4"/>
+                                        </p:tgtEl>
+                                        <p:attrNameLst>
+                                          <p:attrName>style.visibility</p:attrName>
+                                        </p:attrNameLst>
+                                      </p:cBhvr>
+                                      <p:to>
+                                        <p:strVal val="visible"/>
+                                      </p:to>
+                                    </p:set>
+                                  </p:childTnLst>
+                                </p:cTn>
+                              </p:par>
+                            </p:childTnLst>
+                          </p:cTn>
+                        </p:par>
+                      </p:childTnLst>
+                    </p:cTn>
+                  </p:par>
+                </p:childTnLst>
+              </p:cTn>
+              <p:prevCondLst>
+                <p:cond evt="onPrev" delay="0">
+                  <p:tgtEl>
+                    <p:sldTgt/>
+                  </p:tgtEl>
+                </p:cond>
+              </p:prevCondLst>
+              <p:nextCondLst>
+                <p:cond evt="onNext" delay="0">
+                  <p:tgtEl>
+                    <p:sldTgt/>
+                  </p:tgtEl>
+                </p:cond>
+              </p:nextCondLst>
+            </p:seq>
+          </p:childTnLst>
+        </p:cTn>
+      </p:par>
+    </p:tnLst>
+  </p:timing>
 </p:sld>
 </file>
 
@@ -4505,6 +4581,36 @@
           <a:chExt cx="0" cy="0"/>
         </a:xfrm>
       </p:grpSpPr>
+      <p:pic>
+        <p:nvPicPr>
+          <p:cNvPr id="7" name="Image 6">
+            <a:extLst>
+              <a:ext uri="{FF2B5EF4-FFF2-40B4-BE49-F238E27FC236}">
+                <a16:creationId xmlns:a16="http://schemas.microsoft.com/office/drawing/2014/main" id="{AC462534-566A-5EE3-199E-D853D94FA29A}"/>
+              </a:ext>
+            </a:extLst>
+          </p:cNvPr>
+          <p:cNvPicPr>
+            <a:picLocks noChangeAspect="1"/>
+          </p:cNvPicPr>
+          <p:nvPr/>
+        </p:nvPicPr>
+        <p:blipFill>
+          <a:blip r:embed="rId2"/>
+          <a:stretch>
+            <a:fillRect/>
+          </a:stretch>
+        </p:blipFill>
+        <p:spPr>
+          <a:xfrm>
+            <a:off x="2633871" y="807843"/>
+            <a:ext cx="8856468" cy="5242313"/>
+          </a:xfrm>
+          <a:prstGeom prst="rect">
+            <a:avLst/>
+          </a:prstGeom>
+        </p:spPr>
+      </p:pic>
       <p:sp>
         <p:nvSpPr>
           <p:cNvPr id="2" name="Titre 1">
@@ -4596,36 +4702,6 @@
           </a:p>
         </p:txBody>
       </p:sp>
-      <p:pic>
-        <p:nvPicPr>
-          <p:cNvPr id="4" name="Image 3">
-            <a:extLst>
-              <a:ext uri="{FF2B5EF4-FFF2-40B4-BE49-F238E27FC236}">
-                <a16:creationId xmlns:a16="http://schemas.microsoft.com/office/drawing/2014/main" id="{EC8C6D61-6F84-8C6A-9B27-8435521EC441}"/>
-              </a:ext>
-            </a:extLst>
-          </p:cNvPr>
-          <p:cNvPicPr>
-            <a:picLocks noChangeAspect="1"/>
-          </p:cNvPicPr>
-          <p:nvPr/>
-        </p:nvPicPr>
-        <p:blipFill>
-          <a:blip r:embed="rId2"/>
-          <a:stretch>
-            <a:fillRect/>
-          </a:stretch>
-        </p:blipFill>
-        <p:spPr>
-          <a:xfrm>
-            <a:off x="3533775" y="619922"/>
-            <a:ext cx="7539037" cy="5618155"/>
-          </a:xfrm>
-          <a:prstGeom prst="rect">
-            <a:avLst/>
-          </a:prstGeom>
-        </p:spPr>
-      </p:pic>
     </p:spTree>
     <p:extLst>
       <p:ext uri="{BB962C8B-B14F-4D97-AF65-F5344CB8AC3E}">
@@ -4656,42 +4732,12 @@
           <a:chExt cx="0" cy="0"/>
         </a:xfrm>
       </p:grpSpPr>
-      <p:sp>
-        <p:nvSpPr>
-          <p:cNvPr id="2" name="Titre 1">
-            <a:extLst>
-              <a:ext uri="{FF2B5EF4-FFF2-40B4-BE49-F238E27FC236}">
-                <a16:creationId xmlns:a16="http://schemas.microsoft.com/office/drawing/2014/main" id="{099E2E77-954A-DD7C-99BF-B9521D1A2115}"/>
-              </a:ext>
-            </a:extLst>
-          </p:cNvPr>
-          <p:cNvSpPr>
-            <a:spLocks noGrp="1"/>
-          </p:cNvSpPr>
-          <p:nvPr>
-            <p:ph type="title"/>
-          </p:nvPr>
-        </p:nvSpPr>
-        <p:spPr/>
-        <p:txBody>
-          <a:bodyPr>
-            <a:normAutofit/>
-          </a:bodyPr>
-          <a:lstStyle/>
-          <a:p>
-            <a:r>
-              <a:rPr lang="fr-FR" sz="4000" dirty="0"/>
-              <a:t>La sécurité – utilisateur et mot de passe</a:t>
-            </a:r>
-          </a:p>
-        </p:txBody>
-      </p:sp>
       <p:pic>
         <p:nvPicPr>
-          <p:cNvPr id="7" name="Image 6">
-            <a:extLst>
-              <a:ext uri="{FF2B5EF4-FFF2-40B4-BE49-F238E27FC236}">
-                <a16:creationId xmlns:a16="http://schemas.microsoft.com/office/drawing/2014/main" id="{03156513-B8D6-4C5F-B6FE-2CC120ECC581}"/>
+          <p:cNvPr id="4" name="Image 3">
+            <a:extLst>
+              <a:ext uri="{FF2B5EF4-FFF2-40B4-BE49-F238E27FC236}">
+                <a16:creationId xmlns:a16="http://schemas.microsoft.com/office/drawing/2014/main" id="{334AD3AF-3497-B948-4228-6480FBD77ED5}"/>
               </a:ext>
             </a:extLst>
           </p:cNvPr>
@@ -4708,8 +4754,8 @@
         </p:blipFill>
         <p:spPr>
           <a:xfrm>
-            <a:off x="1881963" y="1859232"/>
-            <a:ext cx="8215426" cy="3839819"/>
+            <a:off x="1194299" y="1761172"/>
+            <a:ext cx="8810625" cy="4067175"/>
           </a:xfrm>
           <a:prstGeom prst="rect">
             <a:avLst/>
@@ -4718,60 +4764,31 @@
       </p:pic>
       <p:sp>
         <p:nvSpPr>
-          <p:cNvPr id="8" name="ZoneTexte 7">
-            <a:extLst>
-              <a:ext uri="{FF2B5EF4-FFF2-40B4-BE49-F238E27FC236}">
-                <a16:creationId xmlns:a16="http://schemas.microsoft.com/office/drawing/2014/main" id="{195079EA-7582-887F-AD43-837D4907AFAD}"/>
-              </a:ext>
-            </a:extLst>
-          </p:cNvPr>
-          <p:cNvSpPr txBox="1"/>
-          <p:nvPr/>
-        </p:nvSpPr>
-        <p:spPr>
-          <a:xfrm>
-            <a:off x="2488018" y="2828066"/>
-            <a:ext cx="1679944" cy="600934"/>
-          </a:xfrm>
-          <a:prstGeom prst="rect">
-            <a:avLst/>
-          </a:prstGeom>
-          <a:noFill/>
-        </p:spPr>
-        <p:txBody>
-          <a:bodyPr wrap="square">
-            <a:spAutoFit/>
+          <p:cNvPr id="2" name="Titre 1">
+            <a:extLst>
+              <a:ext uri="{FF2B5EF4-FFF2-40B4-BE49-F238E27FC236}">
+                <a16:creationId xmlns:a16="http://schemas.microsoft.com/office/drawing/2014/main" id="{099E2E77-954A-DD7C-99BF-B9521D1A2115}"/>
+              </a:ext>
+            </a:extLst>
+          </p:cNvPr>
+          <p:cNvSpPr>
+            <a:spLocks noGrp="1"/>
+          </p:cNvSpPr>
+          <p:nvPr>
+            <p:ph type="title"/>
+          </p:nvPr>
+        </p:nvSpPr>
+        <p:spPr/>
+        <p:txBody>
+          <a:bodyPr>
+            <a:normAutofit/>
           </a:bodyPr>
           <a:lstStyle/>
           <a:p>
-            <a:pPr algn="r">
-              <a:lnSpc>
-                <a:spcPct val="107000"/>
-              </a:lnSpc>
-            </a:pPr>
-            <a:r>
-              <a:rPr lang="fr-CA" sz="1050" dirty="0">
-                <a:solidFill>
-                  <a:schemeClr val="accent5">
-                    <a:lumMod val="75000"/>
-                  </a:schemeClr>
-                </a:solidFill>
-                <a:latin typeface="Arial" panose="020B0604020202020204" pitchFamily="34" charset="0"/>
-                <a:ea typeface="Calibri" panose="020F0502020204030204" pitchFamily="34" charset="0"/>
-                <a:cs typeface="Arial" panose="020B0604020202020204" pitchFamily="34" charset="0"/>
-              </a:rPr>
-              <a:t>Mot de passe connu uniquement de l’utilisateur.</a:t>
-            </a:r>
-            <a:endParaRPr lang="fr-FR" sz="1050" dirty="0">
-              <a:solidFill>
-                <a:schemeClr val="accent5">
-                  <a:lumMod val="75000"/>
-                </a:schemeClr>
-              </a:solidFill>
-              <a:latin typeface="Arial" panose="020B0604020202020204" pitchFamily="34" charset="0"/>
-              <a:ea typeface="Calibri" panose="020F0502020204030204" pitchFamily="34" charset="0"/>
-              <a:cs typeface="Arial" panose="020B0604020202020204" pitchFamily="34" charset="0"/>
-            </a:endParaRPr>
+            <a:r>
+              <a:rPr lang="fr-FR" sz="4000" dirty="0"/>
+              <a:t>La sécurité – utilisateur</a:t>
+            </a:r>
           </a:p>
         </p:txBody>
       </p:sp>
@@ -4828,7 +4845,7 @@
         <p:spPr>
           <a:xfrm>
             <a:off x="793104" y="1641098"/>
-            <a:ext cx="3148048" cy="2035863"/>
+            <a:ext cx="3487389" cy="2255317"/>
           </a:xfrm>
           <a:prstGeom prst="rect">
             <a:avLst/>
@@ -4918,8 +4935,8 @@
         </p:blipFill>
         <p:spPr>
           <a:xfrm>
-            <a:off x="2743200" y="3409598"/>
-            <a:ext cx="3487389" cy="2726936"/>
+            <a:off x="2264230" y="3035070"/>
+            <a:ext cx="3966360" cy="3101464"/>
           </a:xfrm>
           <a:prstGeom prst="rect">
             <a:avLst/>
@@ -4957,138 +4974,159 @@
           </a:ln>
         </p:spPr>
       </p:pic>
-      <p:pic>
-        <p:nvPicPr>
-          <p:cNvPr id="10" name="Image 9">
-            <a:extLst>
-              <a:ext uri="{FF2B5EF4-FFF2-40B4-BE49-F238E27FC236}">
-                <a16:creationId xmlns:a16="http://schemas.microsoft.com/office/drawing/2014/main" id="{FE32FC81-CB3A-274B-6D18-E7F9D4723CEE}"/>
-              </a:ext>
-            </a:extLst>
-          </p:cNvPr>
-          <p:cNvPicPr>
-            <a:picLocks noChangeAspect="1"/>
-          </p:cNvPicPr>
+      <p:grpSp>
+        <p:nvGrpSpPr>
+          <p:cNvPr id="4" name="Groupe 3">
+            <a:extLst>
+              <a:ext uri="{FF2B5EF4-FFF2-40B4-BE49-F238E27FC236}">
+                <a16:creationId xmlns:a16="http://schemas.microsoft.com/office/drawing/2014/main" id="{0326B4E9-3D1D-0063-66F1-DB2D5B8A9EA4}"/>
+              </a:ext>
+            </a:extLst>
+          </p:cNvPr>
+          <p:cNvGrpSpPr/>
           <p:nvPr/>
-        </p:nvPicPr>
-        <p:blipFill>
-          <a:blip r:embed="rId4"/>
-          <a:stretch>
-            <a:fillRect/>
-          </a:stretch>
-        </p:blipFill>
-        <p:spPr>
+        </p:nvGrpSpPr>
+        <p:grpSpPr>
           <a:xfrm>
             <a:off x="6454982" y="1856272"/>
-            <a:ext cx="4304112" cy="2455654"/>
+            <a:ext cx="4304113" cy="3133246"/>
+            <a:chOff x="6454982" y="1856272"/>
+            <a:chExt cx="4304113" cy="3133246"/>
           </a:xfrm>
-          <a:prstGeom prst="rect">
-            <a:avLst/>
-          </a:prstGeom>
-          <a:ln>
-            <a:gradFill>
-              <a:gsLst>
-                <a:gs pos="0">
-                  <a:schemeClr val="accent1">
-                    <a:lumMod val="5000"/>
-                    <a:lumOff val="95000"/>
-                  </a:schemeClr>
-                </a:gs>
-                <a:gs pos="74000">
-                  <a:schemeClr val="accent1">
-                    <a:lumMod val="45000"/>
-                    <a:lumOff val="55000"/>
-                  </a:schemeClr>
-                </a:gs>
-                <a:gs pos="83000">
-                  <a:schemeClr val="accent1">
-                    <a:lumMod val="45000"/>
-                    <a:lumOff val="55000"/>
-                  </a:schemeClr>
-                </a:gs>
-                <a:gs pos="100000">
-                  <a:schemeClr val="accent1">
-                    <a:lumMod val="30000"/>
-                    <a:lumOff val="70000"/>
-                  </a:schemeClr>
-                </a:gs>
-              </a:gsLst>
-              <a:lin ang="5400000" scaled="1"/>
-            </a:gradFill>
-          </a:ln>
-        </p:spPr>
-      </p:pic>
-      <p:sp>
-        <p:nvSpPr>
-          <p:cNvPr id="12" name="ZoneTexte 11">
-            <a:extLst>
-              <a:ext uri="{FF2B5EF4-FFF2-40B4-BE49-F238E27FC236}">
-                <a16:creationId xmlns:a16="http://schemas.microsoft.com/office/drawing/2014/main" id="{9DA1F4EE-56C3-275C-65E8-BE23C6BDAF7C}"/>
-              </a:ext>
-            </a:extLst>
-          </p:cNvPr>
-          <p:cNvSpPr txBox="1"/>
-          <p:nvPr/>
-        </p:nvSpPr>
-        <p:spPr>
-          <a:xfrm>
-            <a:off x="6454983" y="4459308"/>
-            <a:ext cx="4304112" cy="530210"/>
-          </a:xfrm>
-          <a:prstGeom prst="rect">
-            <a:avLst/>
-          </a:prstGeom>
-          <a:noFill/>
-        </p:spPr>
-        <p:txBody>
-          <a:bodyPr wrap="square">
-            <a:spAutoFit/>
-          </a:bodyPr>
-          <a:lstStyle/>
-          <a:p>
-            <a:pPr algn="ctr">
-              <a:lnSpc>
-                <a:spcPct val="107000"/>
-              </a:lnSpc>
-            </a:pPr>
-            <a:r>
-              <a:rPr lang="fr-FR" sz="900" i="1" dirty="0">
-                <a:latin typeface="Avenir Next LT Pro Light" panose="020B0304020202020204" pitchFamily="34" charset="0"/>
-                <a:cs typeface="Times New Roman" panose="02020603050405020304" pitchFamily="18" charset="0"/>
-              </a:rPr>
-              <a:t>La validité du nouveau mot de passe est contrôlée avant validation.</a:t>
-            </a:r>
-          </a:p>
-          <a:p>
-            <a:pPr algn="ctr">
-              <a:lnSpc>
-                <a:spcPct val="107000"/>
-              </a:lnSpc>
-            </a:pPr>
-            <a:r>
-              <a:rPr lang="fr-FR" sz="900" i="1" dirty="0">
-                <a:latin typeface="Avenir Next LT Pro Light" panose="020B0304020202020204" pitchFamily="34" charset="0"/>
-                <a:cs typeface="Times New Roman" panose="02020603050405020304" pitchFamily="18" charset="0"/>
-              </a:rPr>
-              <a:t>Caractéristiques minimums : 12 caractères dont 1 majuscule, 1 minuscule,</a:t>
-            </a:r>
-          </a:p>
-          <a:p>
-            <a:pPr algn="ctr">
-              <a:lnSpc>
-                <a:spcPct val="107000"/>
-              </a:lnSpc>
-            </a:pPr>
-            <a:r>
-              <a:rPr lang="fr-FR" sz="900" i="1" dirty="0">
-                <a:latin typeface="Avenir Next LT Pro Light" panose="020B0304020202020204" pitchFamily="34" charset="0"/>
-                <a:cs typeface="Times New Roman" panose="02020603050405020304" pitchFamily="18" charset="0"/>
-              </a:rPr>
-              <a:t> 1 caractère spécial =&gt; ()!@#$+-*&amp;_.</a:t>
-            </a:r>
-          </a:p>
-        </p:txBody>
-      </p:sp>
+        </p:grpSpPr>
+        <p:pic>
+          <p:nvPicPr>
+            <p:cNvPr id="10" name="Image 9">
+              <a:extLst>
+                <a:ext uri="{FF2B5EF4-FFF2-40B4-BE49-F238E27FC236}">
+                  <a16:creationId xmlns:a16="http://schemas.microsoft.com/office/drawing/2014/main" id="{FE32FC81-CB3A-274B-6D18-E7F9D4723CEE}"/>
+                </a:ext>
+              </a:extLst>
+            </p:cNvPr>
+            <p:cNvPicPr>
+              <a:picLocks noChangeAspect="1"/>
+            </p:cNvPicPr>
+            <p:nvPr/>
+          </p:nvPicPr>
+          <p:blipFill>
+            <a:blip r:embed="rId4"/>
+            <a:stretch>
+              <a:fillRect/>
+            </a:stretch>
+          </p:blipFill>
+          <p:spPr>
+            <a:xfrm>
+              <a:off x="6454982" y="1856272"/>
+              <a:ext cx="4304112" cy="2455654"/>
+            </a:xfrm>
+            <a:prstGeom prst="rect">
+              <a:avLst/>
+            </a:prstGeom>
+            <a:ln>
+              <a:gradFill>
+                <a:gsLst>
+                  <a:gs pos="0">
+                    <a:schemeClr val="accent1">
+                      <a:lumMod val="5000"/>
+                      <a:lumOff val="95000"/>
+                    </a:schemeClr>
+                  </a:gs>
+                  <a:gs pos="74000">
+                    <a:schemeClr val="accent1">
+                      <a:lumMod val="45000"/>
+                      <a:lumOff val="55000"/>
+                    </a:schemeClr>
+                  </a:gs>
+                  <a:gs pos="83000">
+                    <a:schemeClr val="accent1">
+                      <a:lumMod val="45000"/>
+                      <a:lumOff val="55000"/>
+                    </a:schemeClr>
+                  </a:gs>
+                  <a:gs pos="100000">
+                    <a:schemeClr val="accent1">
+                      <a:lumMod val="30000"/>
+                      <a:lumOff val="70000"/>
+                    </a:schemeClr>
+                  </a:gs>
+                </a:gsLst>
+                <a:lin ang="5400000" scaled="1"/>
+              </a:gradFill>
+            </a:ln>
+          </p:spPr>
+        </p:pic>
+        <p:sp>
+          <p:nvSpPr>
+            <p:cNvPr id="12" name="ZoneTexte 11">
+              <a:extLst>
+                <a:ext uri="{FF2B5EF4-FFF2-40B4-BE49-F238E27FC236}">
+                  <a16:creationId xmlns:a16="http://schemas.microsoft.com/office/drawing/2014/main" id="{9DA1F4EE-56C3-275C-65E8-BE23C6BDAF7C}"/>
+                </a:ext>
+              </a:extLst>
+            </p:cNvPr>
+            <p:cNvSpPr txBox="1"/>
+            <p:nvPr/>
+          </p:nvSpPr>
+          <p:spPr>
+            <a:xfrm>
+              <a:off x="6454983" y="4459308"/>
+              <a:ext cx="4304112" cy="530210"/>
+            </a:xfrm>
+            <a:prstGeom prst="rect">
+              <a:avLst/>
+            </a:prstGeom>
+            <a:noFill/>
+          </p:spPr>
+          <p:txBody>
+            <a:bodyPr wrap="square">
+              <a:spAutoFit/>
+            </a:bodyPr>
+            <a:lstStyle/>
+            <a:p>
+              <a:pPr algn="ctr">
+                <a:lnSpc>
+                  <a:spcPct val="107000"/>
+                </a:lnSpc>
+              </a:pPr>
+              <a:r>
+                <a:rPr lang="fr-FR" sz="900" i="1" dirty="0">
+                  <a:latin typeface="Avenir Next LT Pro Light" panose="020B0304020202020204" pitchFamily="34" charset="0"/>
+                  <a:cs typeface="Times New Roman" panose="02020603050405020304" pitchFamily="18" charset="0"/>
+                </a:rPr>
+                <a:t>La validité du nouveau mot de passe est contrôlée avant validation.</a:t>
+              </a:r>
+            </a:p>
+            <a:p>
+              <a:pPr algn="ctr">
+                <a:lnSpc>
+                  <a:spcPct val="107000"/>
+                </a:lnSpc>
+              </a:pPr>
+              <a:r>
+                <a:rPr lang="fr-FR" sz="900" i="1" dirty="0">
+                  <a:latin typeface="Avenir Next LT Pro Light" panose="020B0304020202020204" pitchFamily="34" charset="0"/>
+                  <a:cs typeface="Times New Roman" panose="02020603050405020304" pitchFamily="18" charset="0"/>
+                </a:rPr>
+                <a:t>Caractéristiques minimums : 12 caractères dont 1 majuscule, 1 minuscule,</a:t>
+              </a:r>
+            </a:p>
+            <a:p>
+              <a:pPr algn="ctr">
+                <a:lnSpc>
+                  <a:spcPct val="107000"/>
+                </a:lnSpc>
+              </a:pPr>
+              <a:r>
+                <a:rPr lang="fr-FR" sz="900" i="1" dirty="0">
+                  <a:latin typeface="Avenir Next LT Pro Light" panose="020B0304020202020204" pitchFamily="34" charset="0"/>
+                  <a:cs typeface="Times New Roman" panose="02020603050405020304" pitchFamily="18" charset="0"/>
+                </a:rPr>
+                <a:t> 1 caractère spécial =&gt; ()!@#$+-*&amp;_.</a:t>
+              </a:r>
+            </a:p>
+          </p:txBody>
+        </p:sp>
+      </p:grpSp>
     </p:spTree>
     <p:extLst>
       <p:ext uri="{BB962C8B-B14F-4D97-AF65-F5344CB8AC3E}">
@@ -5099,6 +5137,126 @@
   <p:clrMapOvr>
     <a:masterClrMapping/>
   </p:clrMapOvr>
+  <p:timing>
+    <p:tnLst>
+      <p:par>
+        <p:cTn id="1" dur="indefinite" restart="never" nodeType="tmRoot">
+          <p:childTnLst>
+            <p:seq concurrent="1" nextAc="seek">
+              <p:cTn id="2" dur="indefinite" nodeType="mainSeq">
+                <p:childTnLst>
+                  <p:par>
+                    <p:cTn id="3" fill="hold">
+                      <p:stCondLst>
+                        <p:cond delay="indefinite"/>
+                      </p:stCondLst>
+                      <p:childTnLst>
+                        <p:par>
+                          <p:cTn id="4" fill="hold">
+                            <p:stCondLst>
+                              <p:cond delay="0"/>
+                            </p:stCondLst>
+                            <p:childTnLst>
+                              <p:par>
+                                <p:cTn id="5" presetID="1" presetClass="entr" presetSubtype="0" fill="hold" nodeType="clickEffect">
+                                  <p:stCondLst>
+                                    <p:cond delay="0"/>
+                                  </p:stCondLst>
+                                  <p:childTnLst>
+                                    <p:set>
+                                      <p:cBhvr>
+                                        <p:cTn id="6" dur="1" fill="hold">
+                                          <p:stCondLst>
+                                            <p:cond delay="0"/>
+                                          </p:stCondLst>
+                                        </p:cTn>
+                                        <p:tgtEl>
+                                          <p:spTgt spid="6"/>
+                                        </p:tgtEl>
+                                        <p:attrNameLst>
+                                          <p:attrName>style.visibility</p:attrName>
+                                        </p:attrNameLst>
+                                      </p:cBhvr>
+                                      <p:to>
+                                        <p:strVal val="visible"/>
+                                      </p:to>
+                                    </p:set>
+                                  </p:childTnLst>
+                                </p:cTn>
+                              </p:par>
+                            </p:childTnLst>
+                          </p:cTn>
+                        </p:par>
+                      </p:childTnLst>
+                    </p:cTn>
+                  </p:par>
+                  <p:par>
+                    <p:cTn id="7" fill="hold">
+                      <p:stCondLst>
+                        <p:cond delay="indefinite"/>
+                      </p:stCondLst>
+                      <p:childTnLst>
+                        <p:par>
+                          <p:cTn id="8" fill="hold">
+                            <p:stCondLst>
+                              <p:cond delay="0"/>
+                            </p:stCondLst>
+                            <p:childTnLst>
+                              <p:par>
+                                <p:cTn id="9" presetID="1" presetClass="entr" presetSubtype="0" fill="hold" nodeType="clickEffect">
+                                  <p:stCondLst>
+                                    <p:cond delay="0"/>
+                                  </p:stCondLst>
+                                  <p:childTnLst>
+                                    <p:set>
+                                      <p:cBhvr>
+                                        <p:cTn id="10" dur="1" fill="hold">
+                                          <p:stCondLst>
+                                            <p:cond delay="0"/>
+                                          </p:stCondLst>
+                                        </p:cTn>
+                                        <p:tgtEl>
+                                          <p:spTgt spid="4"/>
+                                        </p:tgtEl>
+                                        <p:attrNameLst>
+                                          <p:attrName>style.visibility</p:attrName>
+                                        </p:attrNameLst>
+                                      </p:cBhvr>
+                                      <p:to>
+                                        <p:strVal val="visible"/>
+                                      </p:to>
+                                    </p:set>
+                                  </p:childTnLst>
+                                </p:cTn>
+                              </p:par>
+                            </p:childTnLst>
+                          </p:cTn>
+                        </p:par>
+                      </p:childTnLst>
+                    </p:cTn>
+                  </p:par>
+                </p:childTnLst>
+              </p:cTn>
+              <p:prevCondLst>
+                <p:cond evt="onPrev" delay="0">
+                  <p:tgtEl>
+                    <p:sldTgt/>
+                  </p:tgtEl>
+                </p:cond>
+              </p:prevCondLst>
+              <p:nextCondLst>
+                <p:cond evt="onNext" delay="0">
+                  <p:tgtEl>
+                    <p:sldTgt/>
+                  </p:tgtEl>
+                </p:cond>
+              </p:nextCondLst>
+            </p:seq>
+          </p:childTnLst>
+        </p:cTn>
+      </p:par>
+    </p:tnLst>
+  </p:timing>
 </p:sld>
 </file>
 
@@ -5144,17 +5302,131 @@
           <a:p>
             <a:r>
               <a:rPr lang="fr-FR" sz="4000" dirty="0"/>
-              <a:t>La sécurité – les données </a:t>
+              <a:t>La sécurité – mot de passe</a:t>
+            </a:r>
+          </a:p>
+        </p:txBody>
+      </p:sp>
+      <p:sp>
+        <p:nvSpPr>
+          <p:cNvPr id="8" name="ZoneTexte 7">
+            <a:extLst>
+              <a:ext uri="{FF2B5EF4-FFF2-40B4-BE49-F238E27FC236}">
+                <a16:creationId xmlns:a16="http://schemas.microsoft.com/office/drawing/2014/main" id="{195079EA-7582-887F-AD43-837D4907AFAD}"/>
+              </a:ext>
+            </a:extLst>
+          </p:cNvPr>
+          <p:cNvSpPr txBox="1"/>
+          <p:nvPr/>
+        </p:nvSpPr>
+        <p:spPr>
+          <a:xfrm>
+            <a:off x="5815797" y="4151209"/>
+            <a:ext cx="2709894" cy="863570"/>
+          </a:xfrm>
+          <a:prstGeom prst="rect">
+            <a:avLst/>
+          </a:prstGeom>
+          <a:noFill/>
+        </p:spPr>
+        <p:txBody>
+          <a:bodyPr wrap="square">
+            <a:spAutoFit/>
+          </a:bodyPr>
+          <a:lstStyle/>
+          <a:p>
+            <a:pPr marL="171450" indent="-171450">
+              <a:lnSpc>
+                <a:spcPct val="107000"/>
+              </a:lnSpc>
+              <a:buFont typeface="Wingdings" panose="05000000000000000000" pitchFamily="2" charset="2"/>
+              <a:buChar char="Ø"/>
+            </a:pPr>
+            <a:r>
+              <a:rPr lang="fr-CA" sz="1600" dirty="0">
+                <a:solidFill>
+                  <a:schemeClr val="accent5">
+                    <a:lumMod val="75000"/>
+                  </a:schemeClr>
+                </a:solidFill>
+                <a:latin typeface="Arial" panose="020B0604020202020204" pitchFamily="34" charset="0"/>
+                <a:ea typeface="Calibri" panose="020F0502020204030204" pitchFamily="34" charset="0"/>
+                <a:cs typeface="Arial" panose="020B0604020202020204" pitchFamily="34" charset="0"/>
+              </a:rPr>
+              <a:t>Mot de passe connu uniquement de l’utilisateur.</a:t>
+            </a:r>
+            <a:endParaRPr lang="fr-FR" sz="1600" dirty="0">
+              <a:solidFill>
+                <a:schemeClr val="accent5">
+                  <a:lumMod val="75000"/>
+                </a:schemeClr>
+              </a:solidFill>
+              <a:latin typeface="Arial" panose="020B0604020202020204" pitchFamily="34" charset="0"/>
+              <a:ea typeface="Calibri" panose="020F0502020204030204" pitchFamily="34" charset="0"/>
+              <a:cs typeface="Arial" panose="020B0604020202020204" pitchFamily="34" charset="0"/>
+            </a:endParaRPr>
+          </a:p>
+        </p:txBody>
+      </p:sp>
+      <p:sp>
+        <p:nvSpPr>
+          <p:cNvPr id="6" name="ZoneTexte 5">
+            <a:extLst>
+              <a:ext uri="{FF2B5EF4-FFF2-40B4-BE49-F238E27FC236}">
+                <a16:creationId xmlns:a16="http://schemas.microsoft.com/office/drawing/2014/main" id="{F4F41948-6974-4A87-9100-3E5DF41E9F4E}"/>
+              </a:ext>
+            </a:extLst>
+          </p:cNvPr>
+          <p:cNvSpPr txBox="1"/>
+          <p:nvPr/>
+        </p:nvSpPr>
+        <p:spPr>
+          <a:xfrm>
+            <a:off x="1936290" y="4151209"/>
+            <a:ext cx="2844654" cy="336631"/>
+          </a:xfrm>
+          <a:prstGeom prst="rect">
+            <a:avLst/>
+          </a:prstGeom>
+          <a:noFill/>
+        </p:spPr>
+        <p:txBody>
+          <a:bodyPr wrap="square">
+            <a:spAutoFit/>
+          </a:bodyPr>
+          <a:lstStyle/>
+          <a:p>
+            <a:pPr marL="171450" indent="-171450">
+              <a:lnSpc>
+                <a:spcPct val="107000"/>
+              </a:lnSpc>
+              <a:spcBef>
+                <a:spcPts val="1000"/>
+              </a:spcBef>
+              <a:buFont typeface="Wingdings" panose="05000000000000000000" pitchFamily="2" charset="2"/>
+              <a:buChar char="Ø"/>
+            </a:pPr>
+            <a:r>
+              <a:rPr lang="fr-FR" sz="1600" dirty="0">
+                <a:solidFill>
+                  <a:schemeClr val="accent5">
+                    <a:lumMod val="75000"/>
+                  </a:schemeClr>
+                </a:solidFill>
+                <a:latin typeface="Arial" panose="020B0604020202020204" pitchFamily="34" charset="0"/>
+                <a:cs typeface="Arial" panose="020B0604020202020204" pitchFamily="34" charset="0"/>
+              </a:rPr>
+              <a:t>Hachage du mot de passe</a:t>
             </a:r>
           </a:p>
         </p:txBody>
       </p:sp>
       <p:pic>
         <p:nvPicPr>
-          <p:cNvPr id="4" name="Image 3">
-            <a:extLst>
-              <a:ext uri="{FF2B5EF4-FFF2-40B4-BE49-F238E27FC236}">
-                <a16:creationId xmlns:a16="http://schemas.microsoft.com/office/drawing/2014/main" id="{C1914AA3-704E-607C-1B1B-8AE4145EDA4C}"/>
+          <p:cNvPr id="5" name="Image 4">
+            <a:extLst>
+              <a:ext uri="{FF2B5EF4-FFF2-40B4-BE49-F238E27FC236}">
+                <a16:creationId xmlns:a16="http://schemas.microsoft.com/office/drawing/2014/main" id="{FC1347FF-9E18-2348-1C10-BD65E2EDA70B}"/>
               </a:ext>
             </a:extLst>
           </p:cNvPr>
@@ -5171,8 +5443,8 @@
         </p:blipFill>
         <p:spPr>
           <a:xfrm>
-            <a:off x="8166100" y="1119187"/>
-            <a:ext cx="2448067" cy="1420813"/>
+            <a:off x="1722120" y="2237303"/>
+            <a:ext cx="6553200" cy="1552575"/>
           </a:xfrm>
           <a:prstGeom prst="rect">
             <a:avLst/>
@@ -5181,10 +5453,10 @@
       </p:pic>
       <p:sp>
         <p:nvSpPr>
-          <p:cNvPr id="5" name="ZoneTexte 4">
-            <a:extLst>
-              <a:ext uri="{FF2B5EF4-FFF2-40B4-BE49-F238E27FC236}">
-                <a16:creationId xmlns:a16="http://schemas.microsoft.com/office/drawing/2014/main" id="{0721D0CF-F9F7-F7A5-73D0-FE435617C040}"/>
+          <p:cNvPr id="7" name="ZoneTexte 6">
+            <a:extLst>
+              <a:ext uri="{FF2B5EF4-FFF2-40B4-BE49-F238E27FC236}">
+                <a16:creationId xmlns:a16="http://schemas.microsoft.com/office/drawing/2014/main" id="{8B05EBF7-F32B-2504-8A68-29884C060E16}"/>
               </a:ext>
             </a:extLst>
           </p:cNvPr>
@@ -5193,8 +5465,8 @@
         </p:nvSpPr>
         <p:spPr>
           <a:xfrm>
-            <a:off x="1577833" y="2680357"/>
-            <a:ext cx="6972300" cy="2171044"/>
+            <a:off x="2251074" y="4458534"/>
+            <a:ext cx="2215086" cy="600101"/>
           </a:xfrm>
           <a:prstGeom prst="rect">
             <a:avLst/>
@@ -5207,88 +5479,25 @@
           </a:bodyPr>
           <a:lstStyle/>
           <a:p>
-            <a:pPr marL="628650" lvl="1" indent="-171450">
+            <a:pPr algn="ctr">
               <a:lnSpc>
                 <a:spcPct val="107000"/>
               </a:lnSpc>
               <a:spcBef>
                 <a:spcPts val="1000"/>
               </a:spcBef>
-              <a:buFont typeface="Wingdings" panose="05000000000000000000" pitchFamily="2" charset="2"/>
-              <a:buChar char="Ø"/>
             </a:pPr>
             <a:r>
-              <a:rPr lang="fr-FR" sz="1600" dirty="0" err="1"/>
-              <a:t>Uuid</a:t>
-            </a:r>
-            <a:r>
-              <a:rPr lang="fr-FR" sz="1600" dirty="0"/>
-              <a:t> aléatoire comme la clé primaire pour les tables Utilisateurs et Habilitations.</a:t>
-            </a:r>
-          </a:p>
-          <a:p>
-            <a:pPr marL="628650" lvl="1" indent="-171450">
-              <a:lnSpc>
-                <a:spcPct val="107000"/>
-              </a:lnSpc>
-              <a:spcBef>
-                <a:spcPts val="1000"/>
-              </a:spcBef>
-              <a:buFont typeface="Wingdings" panose="05000000000000000000" pitchFamily="2" charset="2"/>
-              <a:buChar char="Ø"/>
-            </a:pPr>
-            <a:r>
-              <a:rPr lang="fr-FR" sz="1600" dirty="0" err="1"/>
-              <a:t>Uuid</a:t>
-            </a:r>
-            <a:r>
-              <a:rPr lang="fr-FR" sz="1600" dirty="0"/>
-              <a:t> absents de l’interface graphique.</a:t>
-            </a:r>
-          </a:p>
-          <a:p>
-            <a:pPr marL="628650" lvl="1" indent="-171450">
-              <a:lnSpc>
-                <a:spcPct val="107000"/>
-              </a:lnSpc>
-              <a:spcBef>
-                <a:spcPts val="1000"/>
-              </a:spcBef>
-              <a:buFont typeface="Wingdings" panose="05000000000000000000" pitchFamily="2" charset="2"/>
-              <a:buChar char="Ø"/>
-            </a:pPr>
-            <a:r>
-              <a:rPr lang="fr-FR" sz="1600" dirty="0"/>
-              <a:t>Hachage du mot de passe (salé avec l’identifiant unique).</a:t>
-            </a:r>
-          </a:p>
-          <a:p>
-            <a:pPr marL="628650" lvl="1" indent="-171450">
-              <a:lnSpc>
-                <a:spcPct val="107000"/>
-              </a:lnSpc>
-              <a:spcBef>
-                <a:spcPts val="1000"/>
-              </a:spcBef>
-              <a:buFont typeface="Wingdings" panose="05000000000000000000" pitchFamily="2" charset="2"/>
-              <a:buChar char="Ø"/>
-            </a:pPr>
-            <a:endParaRPr lang="fr-FR" sz="1600" dirty="0"/>
-          </a:p>
-          <a:p>
-            <a:pPr marL="628650" lvl="1" indent="-171450">
-              <a:lnSpc>
-                <a:spcPct val="107000"/>
-              </a:lnSpc>
-              <a:spcBef>
-                <a:spcPts val="1000"/>
-              </a:spcBef>
-              <a:buFont typeface="Wingdings" panose="05000000000000000000" pitchFamily="2" charset="2"/>
-              <a:buChar char="Ø"/>
-            </a:pPr>
-            <a:r>
-              <a:rPr lang="fr-FR" sz="1600" dirty="0"/>
-              <a:t>Restriction d’accès suivant les profils.</a:t>
+              <a:rPr lang="fr-FR" sz="1600" dirty="0">
+                <a:solidFill>
+                  <a:schemeClr val="accent5">
+                    <a:lumMod val="75000"/>
+                  </a:schemeClr>
+                </a:solidFill>
+                <a:latin typeface="Arial" panose="020B0604020202020204" pitchFamily="34" charset="0"/>
+                <a:cs typeface="Arial" panose="020B0604020202020204" pitchFamily="34" charset="0"/>
+              </a:rPr>
+              <a:t>salé avec l’identifiant unique</a:t>
             </a:r>
           </a:p>
         </p:txBody>
@@ -5296,13 +5505,183 @@
     </p:spTree>
     <p:extLst>
       <p:ext uri="{BB962C8B-B14F-4D97-AF65-F5344CB8AC3E}">
-        <p14:creationId xmlns:p14="http://schemas.microsoft.com/office/powerpoint/2010/main" val="3922459309"/>
+        <p14:creationId xmlns:p14="http://schemas.microsoft.com/office/powerpoint/2010/main" val="59657099"/>
       </p:ext>
     </p:extLst>
   </p:cSld>
   <p:clrMapOvr>
     <a:masterClrMapping/>
   </p:clrMapOvr>
+  <p:timing>
+    <p:tnLst>
+      <p:par>
+        <p:cTn id="1" dur="indefinite" restart="never" nodeType="tmRoot">
+          <p:childTnLst>
+            <p:seq concurrent="1" nextAc="seek">
+              <p:cTn id="2" dur="indefinite" nodeType="mainSeq">
+                <p:childTnLst>
+                  <p:par>
+                    <p:cTn id="3" fill="hold">
+                      <p:stCondLst>
+                        <p:cond delay="indefinite"/>
+                      </p:stCondLst>
+                      <p:childTnLst>
+                        <p:par>
+                          <p:cTn id="4" fill="hold">
+                            <p:stCondLst>
+                              <p:cond delay="0"/>
+                            </p:stCondLst>
+                            <p:childTnLst>
+                              <p:par>
+                                <p:cTn id="5" presetID="1" presetClass="entr" presetSubtype="0" fill="hold" grpId="0" nodeType="clickEffect">
+                                  <p:stCondLst>
+                                    <p:cond delay="0"/>
+                                  </p:stCondLst>
+                                  <p:childTnLst>
+                                    <p:set>
+                                      <p:cBhvr>
+                                        <p:cTn id="6" dur="1" fill="hold">
+                                          <p:stCondLst>
+                                            <p:cond delay="0"/>
+                                          </p:stCondLst>
+                                        </p:cTn>
+                                        <p:tgtEl>
+                                          <p:spTgt spid="6"/>
+                                        </p:tgtEl>
+                                        <p:attrNameLst>
+                                          <p:attrName>style.visibility</p:attrName>
+                                        </p:attrNameLst>
+                                      </p:cBhvr>
+                                      <p:to>
+                                        <p:strVal val="visible"/>
+                                      </p:to>
+                                    </p:set>
+                                  </p:childTnLst>
+                                </p:cTn>
+                              </p:par>
+                            </p:childTnLst>
+                          </p:cTn>
+                        </p:par>
+                      </p:childTnLst>
+                    </p:cTn>
+                  </p:par>
+                  <p:par>
+                    <p:cTn id="7" fill="hold">
+                      <p:stCondLst>
+                        <p:cond delay="indefinite"/>
+                      </p:stCondLst>
+                      <p:childTnLst>
+                        <p:par>
+                          <p:cTn id="8" fill="hold">
+                            <p:stCondLst>
+                              <p:cond delay="0"/>
+                            </p:stCondLst>
+                            <p:childTnLst>
+                              <p:par>
+                                <p:cTn id="9" presetID="1" presetClass="entr" presetSubtype="0" fill="hold" grpId="0" nodeType="clickEffect">
+                                  <p:stCondLst>
+                                    <p:cond delay="0"/>
+                                  </p:stCondLst>
+                                  <p:childTnLst>
+                                    <p:set>
+                                      <p:cBhvr>
+                                        <p:cTn id="10" dur="1" fill="hold">
+                                          <p:stCondLst>
+                                            <p:cond delay="0"/>
+                                          </p:stCondLst>
+                                        </p:cTn>
+                                        <p:tgtEl>
+                                          <p:spTgt spid="7"/>
+                                        </p:tgtEl>
+                                        <p:attrNameLst>
+                                          <p:attrName>style.visibility</p:attrName>
+                                        </p:attrNameLst>
+                                      </p:cBhvr>
+                                      <p:to>
+                                        <p:strVal val="visible"/>
+                                      </p:to>
+                                    </p:set>
+                                  </p:childTnLst>
+                                </p:cTn>
+                              </p:par>
+                            </p:childTnLst>
+                          </p:cTn>
+                        </p:par>
+                      </p:childTnLst>
+                    </p:cTn>
+                  </p:par>
+                  <p:par>
+                    <p:cTn id="11" fill="hold">
+                      <p:stCondLst>
+                        <p:cond delay="indefinite"/>
+                      </p:stCondLst>
+                      <p:childTnLst>
+                        <p:par>
+                          <p:cTn id="12" fill="hold">
+                            <p:stCondLst>
+                              <p:cond delay="0"/>
+                            </p:stCondLst>
+                            <p:childTnLst>
+                              <p:par>
+                                <p:cTn id="13" presetID="1" presetClass="entr" presetSubtype="0" fill="hold" grpId="0" nodeType="clickEffect">
+                                  <p:stCondLst>
+                                    <p:cond delay="0"/>
+                                  </p:stCondLst>
+                                  <p:childTnLst>
+                                    <p:set>
+                                      <p:cBhvr>
+                                        <p:cTn id="14" dur="1" fill="hold">
+                                          <p:stCondLst>
+                                            <p:cond delay="0"/>
+                                          </p:stCondLst>
+                                        </p:cTn>
+                                        <p:tgtEl>
+                                          <p:spTgt spid="8"/>
+                                        </p:tgtEl>
+                                        <p:attrNameLst>
+                                          <p:attrName>style.visibility</p:attrName>
+                                        </p:attrNameLst>
+                                      </p:cBhvr>
+                                      <p:to>
+                                        <p:strVal val="visible"/>
+                                      </p:to>
+                                    </p:set>
+                                  </p:childTnLst>
+                                </p:cTn>
+                              </p:par>
+                            </p:childTnLst>
+                          </p:cTn>
+                        </p:par>
+                      </p:childTnLst>
+                    </p:cTn>
+                  </p:par>
+                </p:childTnLst>
+              </p:cTn>
+              <p:prevCondLst>
+                <p:cond evt="onPrev" delay="0">
+                  <p:tgtEl>
+                    <p:sldTgt/>
+                  </p:tgtEl>
+                </p:cond>
+              </p:prevCondLst>
+              <p:nextCondLst>
+                <p:cond evt="onNext" delay="0">
+                  <p:tgtEl>
+                    <p:sldTgt/>
+                  </p:tgtEl>
+                </p:cond>
+              </p:nextCondLst>
+            </p:seq>
+          </p:childTnLst>
+        </p:cTn>
+      </p:par>
+    </p:tnLst>
+    <p:bldLst>
+      <p:bldP spid="8" grpId="0"/>
+      <p:bldP spid="6" grpId="0"/>
+      <p:bldP spid="7" grpId="0"/>
+    </p:bldLst>
+  </p:timing>
 </p:sld>
 </file>
 
@@ -5348,6 +5727,286 @@
           <a:p>
             <a:r>
               <a:rPr lang="fr-FR" sz="4000" dirty="0"/>
+              <a:t>La sécurité – les données </a:t>
+            </a:r>
+          </a:p>
+        </p:txBody>
+      </p:sp>
+      <p:pic>
+        <p:nvPicPr>
+          <p:cNvPr id="4" name="Image 3">
+            <a:extLst>
+              <a:ext uri="{FF2B5EF4-FFF2-40B4-BE49-F238E27FC236}">
+                <a16:creationId xmlns:a16="http://schemas.microsoft.com/office/drawing/2014/main" id="{C1914AA3-704E-607C-1B1B-8AE4145EDA4C}"/>
+              </a:ext>
+            </a:extLst>
+          </p:cNvPr>
+          <p:cNvPicPr>
+            <a:picLocks noChangeAspect="1"/>
+          </p:cNvPicPr>
+          <p:nvPr/>
+        </p:nvPicPr>
+        <p:blipFill>
+          <a:blip r:embed="rId2"/>
+          <a:stretch>
+            <a:fillRect/>
+          </a:stretch>
+        </p:blipFill>
+        <p:spPr>
+          <a:xfrm>
+            <a:off x="8594582" y="1029734"/>
+            <a:ext cx="2448067" cy="1420813"/>
+          </a:xfrm>
+          <a:prstGeom prst="rect">
+            <a:avLst/>
+          </a:prstGeom>
+        </p:spPr>
+      </p:pic>
+      <p:sp>
+        <p:nvSpPr>
+          <p:cNvPr id="5" name="ZoneTexte 4">
+            <a:extLst>
+              <a:ext uri="{FF2B5EF4-FFF2-40B4-BE49-F238E27FC236}">
+                <a16:creationId xmlns:a16="http://schemas.microsoft.com/office/drawing/2014/main" id="{0721D0CF-F9F7-F7A5-73D0-FE435617C040}"/>
+              </a:ext>
+            </a:extLst>
+          </p:cNvPr>
+          <p:cNvSpPr txBox="1"/>
+          <p:nvPr/>
+        </p:nvSpPr>
+        <p:spPr>
+          <a:xfrm>
+            <a:off x="6096000" y="3917781"/>
+            <a:ext cx="5121037" cy="1257717"/>
+          </a:xfrm>
+          <a:prstGeom prst="rect">
+            <a:avLst/>
+          </a:prstGeom>
+          <a:noFill/>
+        </p:spPr>
+        <p:txBody>
+          <a:bodyPr wrap="square">
+            <a:spAutoFit/>
+          </a:bodyPr>
+          <a:lstStyle/>
+          <a:p>
+            <a:pPr marL="628650" lvl="1" indent="-171450">
+              <a:lnSpc>
+                <a:spcPct val="107000"/>
+              </a:lnSpc>
+              <a:spcBef>
+                <a:spcPts val="1000"/>
+              </a:spcBef>
+              <a:buFont typeface="Wingdings" panose="05000000000000000000" pitchFamily="2" charset="2"/>
+              <a:buChar char="Ø"/>
+            </a:pPr>
+            <a:r>
+              <a:rPr lang="fr-FR" sz="1400" dirty="0" err="1"/>
+              <a:t>Uuid</a:t>
+            </a:r>
+            <a:r>
+              <a:rPr lang="fr-FR" sz="1400" dirty="0"/>
+              <a:t> aléatoire comme la clé primaire pour les tables Utilisateurs et Habilitations.</a:t>
+            </a:r>
+          </a:p>
+          <a:p>
+            <a:pPr marL="628650" lvl="1" indent="-171450">
+              <a:lnSpc>
+                <a:spcPct val="107000"/>
+              </a:lnSpc>
+              <a:spcBef>
+                <a:spcPts val="1000"/>
+              </a:spcBef>
+              <a:buFont typeface="Wingdings" panose="05000000000000000000" pitchFamily="2" charset="2"/>
+              <a:buChar char="Ø"/>
+            </a:pPr>
+            <a:endParaRPr lang="fr-FR" sz="1400" dirty="0"/>
+          </a:p>
+          <a:p>
+            <a:pPr marL="628650" lvl="1" indent="-171450">
+              <a:lnSpc>
+                <a:spcPct val="107000"/>
+              </a:lnSpc>
+              <a:spcBef>
+                <a:spcPts val="1000"/>
+              </a:spcBef>
+              <a:buFont typeface="Wingdings" panose="05000000000000000000" pitchFamily="2" charset="2"/>
+              <a:buChar char="Ø"/>
+            </a:pPr>
+            <a:r>
+              <a:rPr lang="fr-FR" sz="1400" dirty="0" err="1"/>
+              <a:t>Uuid</a:t>
+            </a:r>
+            <a:r>
+              <a:rPr lang="fr-FR" sz="1400" dirty="0"/>
+              <a:t> absents de l’interface graphique.</a:t>
+            </a:r>
+          </a:p>
+        </p:txBody>
+      </p:sp>
+      <p:pic>
+        <p:nvPicPr>
+          <p:cNvPr id="8" name="Image 7">
+            <a:extLst>
+              <a:ext uri="{FF2B5EF4-FFF2-40B4-BE49-F238E27FC236}">
+                <a16:creationId xmlns:a16="http://schemas.microsoft.com/office/drawing/2014/main" id="{3C0FCA05-F6CD-6D46-6212-6796B01040EE}"/>
+              </a:ext>
+            </a:extLst>
+          </p:cNvPr>
+          <p:cNvPicPr>
+            <a:picLocks noChangeAspect="1"/>
+          </p:cNvPicPr>
+          <p:nvPr/>
+        </p:nvPicPr>
+        <p:blipFill>
+          <a:blip r:embed="rId3"/>
+          <a:stretch>
+            <a:fillRect/>
+          </a:stretch>
+        </p:blipFill>
+        <p:spPr>
+          <a:xfrm>
+            <a:off x="1475613" y="1740140"/>
+            <a:ext cx="4620387" cy="4355283"/>
+          </a:xfrm>
+          <a:prstGeom prst="rect">
+            <a:avLst/>
+          </a:prstGeom>
+        </p:spPr>
+      </p:pic>
+    </p:spTree>
+    <p:extLst>
+      <p:ext uri="{BB962C8B-B14F-4D97-AF65-F5344CB8AC3E}">
+        <p14:creationId xmlns:p14="http://schemas.microsoft.com/office/powerpoint/2010/main" val="3922459309"/>
+      </p:ext>
+    </p:extLst>
+  </p:cSld>
+  <p:clrMapOvr>
+    <a:masterClrMapping/>
+  </p:clrMapOvr>
+  <p:timing>
+    <p:tnLst>
+      <p:par>
+        <p:cTn id="1" dur="indefinite" restart="never" nodeType="tmRoot">
+          <p:childTnLst>
+            <p:seq concurrent="1" nextAc="seek">
+              <p:cTn id="2" dur="indefinite" nodeType="mainSeq">
+                <p:childTnLst>
+                  <p:par>
+                    <p:cTn id="3" fill="hold">
+                      <p:stCondLst>
+                        <p:cond delay="indefinite"/>
+                      </p:stCondLst>
+                      <p:childTnLst>
+                        <p:par>
+                          <p:cTn id="4" fill="hold">
+                            <p:stCondLst>
+                              <p:cond delay="0"/>
+                            </p:stCondLst>
+                            <p:childTnLst>
+                              <p:par>
+                                <p:cTn id="5" presetID="1" presetClass="entr" presetSubtype="0" fill="hold" grpId="0" nodeType="clickEffect">
+                                  <p:stCondLst>
+                                    <p:cond delay="0"/>
+                                  </p:stCondLst>
+                                  <p:childTnLst>
+                                    <p:set>
+                                      <p:cBhvr>
+                                        <p:cTn id="6" dur="1" fill="hold">
+                                          <p:stCondLst>
+                                            <p:cond delay="0"/>
+                                          </p:stCondLst>
+                                        </p:cTn>
+                                        <p:tgtEl>
+                                          <p:spTgt spid="5"/>
+                                        </p:tgtEl>
+                                        <p:attrNameLst>
+                                          <p:attrName>style.visibility</p:attrName>
+                                        </p:attrNameLst>
+                                      </p:cBhvr>
+                                      <p:to>
+                                        <p:strVal val="visible"/>
+                                      </p:to>
+                                    </p:set>
+                                  </p:childTnLst>
+                                </p:cTn>
+                              </p:par>
+                            </p:childTnLst>
+                          </p:cTn>
+                        </p:par>
+                      </p:childTnLst>
+                    </p:cTn>
+                  </p:par>
+                </p:childTnLst>
+              </p:cTn>
+              <p:prevCondLst>
+                <p:cond evt="onPrev" delay="0">
+                  <p:tgtEl>
+                    <p:sldTgt/>
+                  </p:tgtEl>
+                </p:cond>
+              </p:prevCondLst>
+              <p:nextCondLst>
+                <p:cond evt="onNext" delay="0">
+                  <p:tgtEl>
+                    <p:sldTgt/>
+                  </p:tgtEl>
+                </p:cond>
+              </p:nextCondLst>
+            </p:seq>
+          </p:childTnLst>
+        </p:cTn>
+      </p:par>
+    </p:tnLst>
+    <p:bldLst>
+      <p:bldP spid="5" grpId="0"/>
+    </p:bldLst>
+  </p:timing>
+</p:sld>
+</file>
+
+<file path=ppt/slides/slide18.xml><?xml version="1.0" encoding="utf-8"?>
+<p:sld xmlns:a="http://schemas.openxmlformats.org/drawingml/2006/main" xmlns:r="http://schemas.openxmlformats.org/officeDocument/2006/relationships" xmlns:p="http://schemas.openxmlformats.org/presentationml/2006/main">
+  <p:cSld>
+    <p:spTree>
+      <p:nvGrpSpPr>
+        <p:cNvPr id="1" name=""/>
+        <p:cNvGrpSpPr/>
+        <p:nvPr/>
+      </p:nvGrpSpPr>
+      <p:grpSpPr>
+        <a:xfrm>
+          <a:off x="0" y="0"/>
+          <a:ext cx="0" cy="0"/>
+          <a:chOff x="0" y="0"/>
+          <a:chExt cx="0" cy="0"/>
+        </a:xfrm>
+      </p:grpSpPr>
+      <p:sp>
+        <p:nvSpPr>
+          <p:cNvPr id="2" name="Titre 1">
+            <a:extLst>
+              <a:ext uri="{FF2B5EF4-FFF2-40B4-BE49-F238E27FC236}">
+                <a16:creationId xmlns:a16="http://schemas.microsoft.com/office/drawing/2014/main" id="{099E2E77-954A-DD7C-99BF-B9521D1A2115}"/>
+              </a:ext>
+            </a:extLst>
+          </p:cNvPr>
+          <p:cNvSpPr>
+            <a:spLocks noGrp="1"/>
+          </p:cNvSpPr>
+          <p:nvPr>
+            <p:ph type="title"/>
+          </p:nvPr>
+        </p:nvSpPr>
+        <p:spPr/>
+        <p:txBody>
+          <a:bodyPr>
+            <a:normAutofit/>
+          </a:bodyPr>
+          <a:lstStyle/>
+          <a:p>
+            <a:r>
+              <a:rPr lang="fr-FR" sz="4000" dirty="0"/>
               <a:t>La sécurité – cookie de session</a:t>
             </a:r>
           </a:p>
@@ -5551,7 +6210,7 @@
                 <a:ea typeface="Calibri" panose="020F0502020204030204" pitchFamily="34" charset="0"/>
                 <a:cs typeface="Times New Roman" panose="02020603050405020304" pitchFamily="18" charset="0"/>
               </a:rPr>
-              <a:t>Testé à chaque connexion avec la base de données.</a:t>
+              <a:t>Testé à chaque sollicitation de service.</a:t>
             </a:r>
           </a:p>
           <a:p>
@@ -5647,7 +6306,7 @@
                 <a:ea typeface="Calibri" panose="020F0502020204030204" pitchFamily="34" charset="0"/>
                 <a:cs typeface="Times New Roman" panose="02020603050405020304" pitchFamily="18" charset="0"/>
               </a:rPr>
-              <a:t>Sélection d’1 incident par un usager</a:t>
+              <a:t>Liste des incidents de l’utilisateur</a:t>
             </a:r>
           </a:p>
           <a:p>
@@ -5832,7 +6491,7 @@
 </p:sld>
 </file>
 
-<file path=ppt/slides/slide18.xml><?xml version="1.0" encoding="utf-8"?>
+<file path=ppt/slides/slide19.xml><?xml version="1.0" encoding="utf-8"?>
 <p:sld xmlns:a="http://schemas.openxmlformats.org/drawingml/2006/main" xmlns:r="http://schemas.openxmlformats.org/officeDocument/2006/relationships" xmlns:p="http://schemas.openxmlformats.org/presentationml/2006/main">
   <p:cSld>
     <p:spTree>
@@ -6441,266 +7100,6 @@
     <p:extLst>
       <p:ext uri="{BB962C8B-B14F-4D97-AF65-F5344CB8AC3E}">
         <p14:creationId xmlns:p14="http://schemas.microsoft.com/office/powerpoint/2010/main" val="2890170228"/>
-      </p:ext>
-    </p:extLst>
-  </p:cSld>
-  <p:clrMapOvr>
-    <a:masterClrMapping/>
-  </p:clrMapOvr>
-</p:sld>
-</file>
-
-<file path=ppt/slides/slide19.xml><?xml version="1.0" encoding="utf-8"?>
-<p:sld xmlns:a="http://schemas.openxmlformats.org/drawingml/2006/main" xmlns:r="http://schemas.openxmlformats.org/officeDocument/2006/relationships" xmlns:p="http://schemas.openxmlformats.org/presentationml/2006/main">
-  <p:cSld>
-    <p:spTree>
-      <p:nvGrpSpPr>
-        <p:cNvPr id="1" name=""/>
-        <p:cNvGrpSpPr/>
-        <p:nvPr/>
-      </p:nvGrpSpPr>
-      <p:grpSpPr>
-        <a:xfrm>
-          <a:off x="0" y="0"/>
-          <a:ext cx="0" cy="0"/>
-          <a:chOff x="0" y="0"/>
-          <a:chExt cx="0" cy="0"/>
-        </a:xfrm>
-      </p:grpSpPr>
-      <p:sp>
-        <p:nvSpPr>
-          <p:cNvPr id="2" name="Titre 1">
-            <a:extLst>
-              <a:ext uri="{FF2B5EF4-FFF2-40B4-BE49-F238E27FC236}">
-                <a16:creationId xmlns:a16="http://schemas.microsoft.com/office/drawing/2014/main" id="{099E2E77-954A-DD7C-99BF-B9521D1A2115}"/>
-              </a:ext>
-            </a:extLst>
-          </p:cNvPr>
-          <p:cNvSpPr>
-            <a:spLocks noGrp="1"/>
-          </p:cNvSpPr>
-          <p:nvPr>
-            <p:ph type="title"/>
-          </p:nvPr>
-        </p:nvSpPr>
-        <p:spPr/>
-        <p:txBody>
-          <a:bodyPr>
-            <a:normAutofit/>
-          </a:bodyPr>
-          <a:lstStyle/>
-          <a:p>
-            <a:r>
-              <a:rPr lang="fr-FR" sz="4000" dirty="0"/>
-              <a:t>Bilan</a:t>
-            </a:r>
-          </a:p>
-        </p:txBody>
-      </p:sp>
-      <p:pic>
-        <p:nvPicPr>
-          <p:cNvPr id="5" name="Image 4">
-            <a:extLst>
-              <a:ext uri="{FF2B5EF4-FFF2-40B4-BE49-F238E27FC236}">
-                <a16:creationId xmlns:a16="http://schemas.microsoft.com/office/drawing/2014/main" id="{6065B95F-F38D-A5EC-7220-4444776466A4}"/>
-              </a:ext>
-            </a:extLst>
-          </p:cNvPr>
-          <p:cNvPicPr>
-            <a:picLocks noChangeAspect="1"/>
-          </p:cNvPicPr>
-          <p:nvPr/>
-        </p:nvPicPr>
-        <p:blipFill>
-          <a:blip r:embed="rId2"/>
-          <a:stretch>
-            <a:fillRect/>
-          </a:stretch>
-        </p:blipFill>
-        <p:spPr>
-          <a:xfrm>
-            <a:off x="2906162" y="4109407"/>
-            <a:ext cx="2121558" cy="1546752"/>
-          </a:xfrm>
-          <a:prstGeom prst="rect">
-            <a:avLst/>
-          </a:prstGeom>
-        </p:spPr>
-      </p:pic>
-      <p:pic>
-        <p:nvPicPr>
-          <p:cNvPr id="7" name="Image 6">
-            <a:extLst>
-              <a:ext uri="{FF2B5EF4-FFF2-40B4-BE49-F238E27FC236}">
-                <a16:creationId xmlns:a16="http://schemas.microsoft.com/office/drawing/2014/main" id="{BBE78B0F-867F-4ECB-A437-381017ECF6FE}"/>
-              </a:ext>
-            </a:extLst>
-          </p:cNvPr>
-          <p:cNvPicPr>
-            <a:picLocks noChangeAspect="1"/>
-          </p:cNvPicPr>
-          <p:nvPr/>
-        </p:nvPicPr>
-        <p:blipFill>
-          <a:blip r:embed="rId3"/>
-          <a:stretch>
-            <a:fillRect/>
-          </a:stretch>
-        </p:blipFill>
-        <p:spPr>
-          <a:xfrm>
-            <a:off x="8060924" y="4576562"/>
-            <a:ext cx="2121558" cy="1375982"/>
-          </a:xfrm>
-          <a:prstGeom prst="rect">
-            <a:avLst/>
-          </a:prstGeom>
-        </p:spPr>
-      </p:pic>
-      <p:sp>
-        <p:nvSpPr>
-          <p:cNvPr id="4" name="ZoneTexte 3">
-            <a:extLst>
-              <a:ext uri="{FF2B5EF4-FFF2-40B4-BE49-F238E27FC236}">
-                <a16:creationId xmlns:a16="http://schemas.microsoft.com/office/drawing/2014/main" id="{D3BB03B3-C8F9-A8A2-0D1D-0F47C80FD991}"/>
-              </a:ext>
-            </a:extLst>
-          </p:cNvPr>
-          <p:cNvSpPr txBox="1"/>
-          <p:nvPr/>
-        </p:nvSpPr>
-        <p:spPr>
-          <a:xfrm>
-            <a:off x="2268444" y="2054564"/>
-            <a:ext cx="4792659" cy="369332"/>
-          </a:xfrm>
-          <a:prstGeom prst="rect">
-            <a:avLst/>
-          </a:prstGeom>
-          <a:noFill/>
-        </p:spPr>
-        <p:txBody>
-          <a:bodyPr wrap="none" rtlCol="0">
-            <a:spAutoFit/>
-          </a:bodyPr>
-          <a:lstStyle/>
-          <a:p>
-            <a:r>
-              <a:rPr lang="fr-FR" dirty="0"/>
-              <a:t>Acquisition/consolidation de connaissances</a:t>
-            </a:r>
-          </a:p>
-        </p:txBody>
-      </p:sp>
-      <p:sp>
-        <p:nvSpPr>
-          <p:cNvPr id="6" name="ZoneTexte 5">
-            <a:extLst>
-              <a:ext uri="{FF2B5EF4-FFF2-40B4-BE49-F238E27FC236}">
-                <a16:creationId xmlns:a16="http://schemas.microsoft.com/office/drawing/2014/main" id="{8BCCB28F-E72B-5F9A-69AA-A92BFEE605F8}"/>
-              </a:ext>
-            </a:extLst>
-          </p:cNvPr>
-          <p:cNvSpPr txBox="1"/>
-          <p:nvPr/>
-        </p:nvSpPr>
-        <p:spPr>
-          <a:xfrm>
-            <a:off x="3377335" y="2723449"/>
-            <a:ext cx="1778051" cy="369332"/>
-          </a:xfrm>
-          <a:prstGeom prst="rect">
-            <a:avLst/>
-          </a:prstGeom>
-          <a:noFill/>
-        </p:spPr>
-        <p:txBody>
-          <a:bodyPr wrap="none" rtlCol="0">
-            <a:spAutoFit/>
-          </a:bodyPr>
-          <a:lstStyle/>
-          <a:p>
-            <a:r>
-              <a:rPr lang="fr-FR" dirty="0"/>
-              <a:t>Rôles multiples</a:t>
-            </a:r>
-          </a:p>
-        </p:txBody>
-      </p:sp>
-      <p:sp>
-        <p:nvSpPr>
-          <p:cNvPr id="8" name="ZoneTexte 7">
-            <a:extLst>
-              <a:ext uri="{FF2B5EF4-FFF2-40B4-BE49-F238E27FC236}">
-                <a16:creationId xmlns:a16="http://schemas.microsoft.com/office/drawing/2014/main" id="{9E0E4B0B-40A7-FBAE-99DD-EAC551C006D1}"/>
-              </a:ext>
-            </a:extLst>
-          </p:cNvPr>
-          <p:cNvSpPr txBox="1"/>
-          <p:nvPr/>
-        </p:nvSpPr>
-        <p:spPr>
-          <a:xfrm>
-            <a:off x="3943911" y="3069569"/>
-            <a:ext cx="1732141" cy="369332"/>
-          </a:xfrm>
-          <a:prstGeom prst="rect">
-            <a:avLst/>
-          </a:prstGeom>
-          <a:noFill/>
-        </p:spPr>
-        <p:txBody>
-          <a:bodyPr wrap="none" rtlCol="0">
-            <a:spAutoFit/>
-          </a:bodyPr>
-          <a:lstStyle/>
-          <a:p>
-            <a:r>
-              <a:rPr lang="fr-FR" dirty="0"/>
-              <a:t>C’est pas fini…</a:t>
-            </a:r>
-          </a:p>
-        </p:txBody>
-      </p:sp>
-      <p:sp>
-        <p:nvSpPr>
-          <p:cNvPr id="3" name="ZoneTexte 2">
-            <a:extLst>
-              <a:ext uri="{FF2B5EF4-FFF2-40B4-BE49-F238E27FC236}">
-                <a16:creationId xmlns:a16="http://schemas.microsoft.com/office/drawing/2014/main" id="{55246098-10A2-5287-8047-B97F7276AA9E}"/>
-              </a:ext>
-            </a:extLst>
-          </p:cNvPr>
-          <p:cNvSpPr txBox="1"/>
-          <p:nvPr/>
-        </p:nvSpPr>
-        <p:spPr>
-          <a:xfrm>
-            <a:off x="2778002" y="2402304"/>
-            <a:ext cx="2249718" cy="369332"/>
-          </a:xfrm>
-          <a:prstGeom prst="rect">
-            <a:avLst/>
-          </a:prstGeom>
-          <a:noFill/>
-        </p:spPr>
-        <p:txBody>
-          <a:bodyPr wrap="none" rtlCol="0">
-            <a:spAutoFit/>
-          </a:bodyPr>
-          <a:lstStyle/>
-          <a:p>
-            <a:r>
-              <a:rPr lang="fr-FR" dirty="0"/>
-              <a:t>Remise en question</a:t>
-            </a:r>
-          </a:p>
-        </p:txBody>
-      </p:sp>
-    </p:spTree>
-    <p:extLst>
-      <p:ext uri="{BB962C8B-B14F-4D97-AF65-F5344CB8AC3E}">
-        <p14:creationId xmlns:p14="http://schemas.microsoft.com/office/powerpoint/2010/main" val="909714402"/>
       </p:ext>
     </p:extLst>
   </p:cSld>
@@ -7144,7 +7543,7 @@
                   <a:ea typeface="Calibri" panose="020F0502020204030204" pitchFamily="34" charset="0"/>
                   <a:cs typeface="Times New Roman" panose="02020603050405020304" pitchFamily="18" charset="0"/>
                 </a:rPr>
-                <a:t>Décommissionnement en cours de l’outil Eole vers la plateforme </a:t>
+                <a:t>Décommissionnement de l’outil Eole vers la plateforme </a:t>
               </a:r>
               <a:r>
                 <a:rPr lang="fr-FR" sz="1200" dirty="0" err="1">
@@ -7798,6 +8197,266 @@
 </p:sld>
 </file>
 
+<file path=ppt/slides/slide20.xml><?xml version="1.0" encoding="utf-8"?>
+<p:sld xmlns:a="http://schemas.openxmlformats.org/drawingml/2006/main" xmlns:r="http://schemas.openxmlformats.org/officeDocument/2006/relationships" xmlns:p="http://schemas.openxmlformats.org/presentationml/2006/main">
+  <p:cSld>
+    <p:spTree>
+      <p:nvGrpSpPr>
+        <p:cNvPr id="1" name=""/>
+        <p:cNvGrpSpPr/>
+        <p:nvPr/>
+      </p:nvGrpSpPr>
+      <p:grpSpPr>
+        <a:xfrm>
+          <a:off x="0" y="0"/>
+          <a:ext cx="0" cy="0"/>
+          <a:chOff x="0" y="0"/>
+          <a:chExt cx="0" cy="0"/>
+        </a:xfrm>
+      </p:grpSpPr>
+      <p:sp>
+        <p:nvSpPr>
+          <p:cNvPr id="2" name="Titre 1">
+            <a:extLst>
+              <a:ext uri="{FF2B5EF4-FFF2-40B4-BE49-F238E27FC236}">
+                <a16:creationId xmlns:a16="http://schemas.microsoft.com/office/drawing/2014/main" id="{099E2E77-954A-DD7C-99BF-B9521D1A2115}"/>
+              </a:ext>
+            </a:extLst>
+          </p:cNvPr>
+          <p:cNvSpPr>
+            <a:spLocks noGrp="1"/>
+          </p:cNvSpPr>
+          <p:nvPr>
+            <p:ph type="title"/>
+          </p:nvPr>
+        </p:nvSpPr>
+        <p:spPr/>
+        <p:txBody>
+          <a:bodyPr>
+            <a:normAutofit/>
+          </a:bodyPr>
+          <a:lstStyle/>
+          <a:p>
+            <a:r>
+              <a:rPr lang="fr-FR" sz="4000" dirty="0"/>
+              <a:t>Bilan</a:t>
+            </a:r>
+          </a:p>
+        </p:txBody>
+      </p:sp>
+      <p:pic>
+        <p:nvPicPr>
+          <p:cNvPr id="5" name="Image 4">
+            <a:extLst>
+              <a:ext uri="{FF2B5EF4-FFF2-40B4-BE49-F238E27FC236}">
+                <a16:creationId xmlns:a16="http://schemas.microsoft.com/office/drawing/2014/main" id="{6065B95F-F38D-A5EC-7220-4444776466A4}"/>
+              </a:ext>
+            </a:extLst>
+          </p:cNvPr>
+          <p:cNvPicPr>
+            <a:picLocks noChangeAspect="1"/>
+          </p:cNvPicPr>
+          <p:nvPr/>
+        </p:nvPicPr>
+        <p:blipFill>
+          <a:blip r:embed="rId2"/>
+          <a:stretch>
+            <a:fillRect/>
+          </a:stretch>
+        </p:blipFill>
+        <p:spPr>
+          <a:xfrm>
+            <a:off x="2906162" y="4109407"/>
+            <a:ext cx="2121558" cy="1546752"/>
+          </a:xfrm>
+          <a:prstGeom prst="rect">
+            <a:avLst/>
+          </a:prstGeom>
+        </p:spPr>
+      </p:pic>
+      <p:pic>
+        <p:nvPicPr>
+          <p:cNvPr id="7" name="Image 6">
+            <a:extLst>
+              <a:ext uri="{FF2B5EF4-FFF2-40B4-BE49-F238E27FC236}">
+                <a16:creationId xmlns:a16="http://schemas.microsoft.com/office/drawing/2014/main" id="{BBE78B0F-867F-4ECB-A437-381017ECF6FE}"/>
+              </a:ext>
+            </a:extLst>
+          </p:cNvPr>
+          <p:cNvPicPr>
+            <a:picLocks noChangeAspect="1"/>
+          </p:cNvPicPr>
+          <p:nvPr/>
+        </p:nvPicPr>
+        <p:blipFill>
+          <a:blip r:embed="rId3"/>
+          <a:stretch>
+            <a:fillRect/>
+          </a:stretch>
+        </p:blipFill>
+        <p:spPr>
+          <a:xfrm>
+            <a:off x="8060924" y="4576562"/>
+            <a:ext cx="2121558" cy="1375982"/>
+          </a:xfrm>
+          <a:prstGeom prst="rect">
+            <a:avLst/>
+          </a:prstGeom>
+        </p:spPr>
+      </p:pic>
+      <p:sp>
+        <p:nvSpPr>
+          <p:cNvPr id="4" name="ZoneTexte 3">
+            <a:extLst>
+              <a:ext uri="{FF2B5EF4-FFF2-40B4-BE49-F238E27FC236}">
+                <a16:creationId xmlns:a16="http://schemas.microsoft.com/office/drawing/2014/main" id="{D3BB03B3-C8F9-A8A2-0D1D-0F47C80FD991}"/>
+              </a:ext>
+            </a:extLst>
+          </p:cNvPr>
+          <p:cNvSpPr txBox="1"/>
+          <p:nvPr/>
+        </p:nvSpPr>
+        <p:spPr>
+          <a:xfrm>
+            <a:off x="2268444" y="2054564"/>
+            <a:ext cx="4792659" cy="369332"/>
+          </a:xfrm>
+          <a:prstGeom prst="rect">
+            <a:avLst/>
+          </a:prstGeom>
+          <a:noFill/>
+        </p:spPr>
+        <p:txBody>
+          <a:bodyPr wrap="none" rtlCol="0">
+            <a:spAutoFit/>
+          </a:bodyPr>
+          <a:lstStyle/>
+          <a:p>
+            <a:r>
+              <a:rPr lang="fr-FR" dirty="0"/>
+              <a:t>Acquisition/consolidation de connaissances</a:t>
+            </a:r>
+          </a:p>
+        </p:txBody>
+      </p:sp>
+      <p:sp>
+        <p:nvSpPr>
+          <p:cNvPr id="6" name="ZoneTexte 5">
+            <a:extLst>
+              <a:ext uri="{FF2B5EF4-FFF2-40B4-BE49-F238E27FC236}">
+                <a16:creationId xmlns:a16="http://schemas.microsoft.com/office/drawing/2014/main" id="{8BCCB28F-E72B-5F9A-69AA-A92BFEE605F8}"/>
+              </a:ext>
+            </a:extLst>
+          </p:cNvPr>
+          <p:cNvSpPr txBox="1"/>
+          <p:nvPr/>
+        </p:nvSpPr>
+        <p:spPr>
+          <a:xfrm>
+            <a:off x="3377335" y="2723449"/>
+            <a:ext cx="1778051" cy="369332"/>
+          </a:xfrm>
+          <a:prstGeom prst="rect">
+            <a:avLst/>
+          </a:prstGeom>
+          <a:noFill/>
+        </p:spPr>
+        <p:txBody>
+          <a:bodyPr wrap="none" rtlCol="0">
+            <a:spAutoFit/>
+          </a:bodyPr>
+          <a:lstStyle/>
+          <a:p>
+            <a:r>
+              <a:rPr lang="fr-FR" dirty="0"/>
+              <a:t>Rôles multiples</a:t>
+            </a:r>
+          </a:p>
+        </p:txBody>
+      </p:sp>
+      <p:sp>
+        <p:nvSpPr>
+          <p:cNvPr id="8" name="ZoneTexte 7">
+            <a:extLst>
+              <a:ext uri="{FF2B5EF4-FFF2-40B4-BE49-F238E27FC236}">
+                <a16:creationId xmlns:a16="http://schemas.microsoft.com/office/drawing/2014/main" id="{9E0E4B0B-40A7-FBAE-99DD-EAC551C006D1}"/>
+              </a:ext>
+            </a:extLst>
+          </p:cNvPr>
+          <p:cNvSpPr txBox="1"/>
+          <p:nvPr/>
+        </p:nvSpPr>
+        <p:spPr>
+          <a:xfrm>
+            <a:off x="3943911" y="3069569"/>
+            <a:ext cx="1732141" cy="369332"/>
+          </a:xfrm>
+          <a:prstGeom prst="rect">
+            <a:avLst/>
+          </a:prstGeom>
+          <a:noFill/>
+        </p:spPr>
+        <p:txBody>
+          <a:bodyPr wrap="none" rtlCol="0">
+            <a:spAutoFit/>
+          </a:bodyPr>
+          <a:lstStyle/>
+          <a:p>
+            <a:r>
+              <a:rPr lang="fr-FR" dirty="0"/>
+              <a:t>C’est pas fini…</a:t>
+            </a:r>
+          </a:p>
+        </p:txBody>
+      </p:sp>
+      <p:sp>
+        <p:nvSpPr>
+          <p:cNvPr id="3" name="ZoneTexte 2">
+            <a:extLst>
+              <a:ext uri="{FF2B5EF4-FFF2-40B4-BE49-F238E27FC236}">
+                <a16:creationId xmlns:a16="http://schemas.microsoft.com/office/drawing/2014/main" id="{55246098-10A2-5287-8047-B97F7276AA9E}"/>
+              </a:ext>
+            </a:extLst>
+          </p:cNvPr>
+          <p:cNvSpPr txBox="1"/>
+          <p:nvPr/>
+        </p:nvSpPr>
+        <p:spPr>
+          <a:xfrm>
+            <a:off x="2778002" y="2402304"/>
+            <a:ext cx="2249718" cy="369332"/>
+          </a:xfrm>
+          <a:prstGeom prst="rect">
+            <a:avLst/>
+          </a:prstGeom>
+          <a:noFill/>
+        </p:spPr>
+        <p:txBody>
+          <a:bodyPr wrap="none" rtlCol="0">
+            <a:spAutoFit/>
+          </a:bodyPr>
+          <a:lstStyle/>
+          <a:p>
+            <a:r>
+              <a:rPr lang="fr-FR" dirty="0"/>
+              <a:t>Remise en question</a:t>
+            </a:r>
+          </a:p>
+        </p:txBody>
+      </p:sp>
+    </p:spTree>
+    <p:extLst>
+      <p:ext uri="{BB962C8B-B14F-4D97-AF65-F5344CB8AC3E}">
+        <p14:creationId xmlns:p14="http://schemas.microsoft.com/office/powerpoint/2010/main" val="909714402"/>
+      </p:ext>
+    </p:extLst>
+  </p:cSld>
+  <p:clrMapOvr>
+    <a:masterClrMapping/>
+  </p:clrMapOvr>
+</p:sld>
+</file>
+
 <file path=ppt/slides/slide3.xml><?xml version="1.0" encoding="utf-8"?>
 <p:sld xmlns:a="http://schemas.openxmlformats.org/drawingml/2006/main" xmlns:r="http://schemas.openxmlformats.org/officeDocument/2006/relationships" xmlns:p="http://schemas.openxmlformats.org/presentationml/2006/main">
   <p:cSld>
@@ -8493,8 +9152,8 @@
         </p:nvSpPr>
         <p:spPr>
           <a:xfrm>
-            <a:off x="904875" y="2544098"/>
-            <a:ext cx="3082864" cy="2512932"/>
+            <a:off x="1086301" y="3456722"/>
+            <a:ext cx="3082864" cy="250774"/>
           </a:xfrm>
           <a:prstGeom prst="rect">
             <a:avLst/>
@@ -8511,53 +9170,6 @@
               <a:lnSpc>
                 <a:spcPct val="107000"/>
               </a:lnSpc>
-              <a:spcAft>
-                <a:spcPts val="800"/>
-              </a:spcAft>
-            </a:pPr>
-            <a:r>
-              <a:rPr lang="fr-FR" sz="1000" dirty="0">
-                <a:latin typeface="Book Antiqua" panose="02040602050305030304" pitchFamily="18" charset="0"/>
-                <a:ea typeface="Calibri" panose="020F0502020204030204" pitchFamily="34" charset="0"/>
-                <a:cs typeface="Times New Roman" panose="02020603050405020304" pitchFamily="18" charset="0"/>
-              </a:rPr>
-              <a:t>2 profils internes :</a:t>
-            </a:r>
-          </a:p>
-          <a:p>
-            <a:pPr>
-              <a:lnSpc>
-                <a:spcPct val="107000"/>
-              </a:lnSpc>
-              <a:spcAft>
-                <a:spcPts val="800"/>
-              </a:spcAft>
-            </a:pPr>
-            <a:r>
-              <a:rPr lang="fr-FR" sz="1000" u="sng" dirty="0">
-                <a:latin typeface="Book Antiqua" panose="02040602050305030304" pitchFamily="18" charset="0"/>
-                <a:ea typeface="Calibri" panose="020F0502020204030204" pitchFamily="34" charset="0"/>
-                <a:cs typeface="Times New Roman" panose="02020603050405020304" pitchFamily="18" charset="0"/>
-              </a:rPr>
-              <a:t>Usager</a:t>
-            </a:r>
-            <a:r>
-              <a:rPr lang="fr-FR" sz="1000" dirty="0">
-                <a:latin typeface="Book Antiqua" panose="02040602050305030304" pitchFamily="18" charset="0"/>
-                <a:ea typeface="Calibri" panose="020F0502020204030204" pitchFamily="34" charset="0"/>
-                <a:cs typeface="Times New Roman" panose="02020603050405020304" pitchFamily="18" charset="0"/>
-              </a:rPr>
-              <a:t> : occupant de l’immeuble. Il signale les incidents et valide la fin d’intervention. Il peut ajouter un commentaire à tout moment.</a:t>
-            </a:r>
-          </a:p>
-          <a:p>
-            <a:pPr>
-              <a:lnSpc>
-                <a:spcPct val="107000"/>
-              </a:lnSpc>
-              <a:spcAft>
-                <a:spcPts val="800"/>
-              </a:spcAft>
             </a:pPr>
             <a:r>
               <a:rPr lang="fr-FR" sz="1000" u="sng" dirty="0" err="1">
@@ -8574,91 +9186,6 @@
                 <a:cs typeface="Times New Roman" panose="02020603050405020304" pitchFamily="18" charset="0"/>
               </a:rPr>
               <a:t> : service immobilier. Il a tous les droits.</a:t>
-            </a:r>
-          </a:p>
-          <a:p>
-            <a:pPr>
-              <a:lnSpc>
-                <a:spcPct val="107000"/>
-              </a:lnSpc>
-              <a:spcAft>
-                <a:spcPts val="800"/>
-              </a:spcAft>
-            </a:pPr>
-            <a:endParaRPr lang="fr-FR" sz="1000" dirty="0">
-              <a:latin typeface="Book Antiqua" panose="02040602050305030304" pitchFamily="18" charset="0"/>
-              <a:ea typeface="Calibri" panose="020F0502020204030204" pitchFamily="34" charset="0"/>
-              <a:cs typeface="Times New Roman" panose="02020603050405020304" pitchFamily="18" charset="0"/>
-            </a:endParaRPr>
-          </a:p>
-          <a:p>
-            <a:pPr>
-              <a:lnSpc>
-                <a:spcPct val="107000"/>
-              </a:lnSpc>
-              <a:spcAft>
-                <a:spcPts val="800"/>
-              </a:spcAft>
-            </a:pPr>
-            <a:r>
-              <a:rPr lang="fr-FR" sz="1000" dirty="0">
-                <a:latin typeface="Book Antiqua" panose="02040602050305030304" pitchFamily="18" charset="0"/>
-                <a:ea typeface="Calibri" panose="020F0502020204030204" pitchFamily="34" charset="0"/>
-                <a:cs typeface="Times New Roman" panose="02020603050405020304" pitchFamily="18" charset="0"/>
-              </a:rPr>
-              <a:t>2 profils externes / prestataires :</a:t>
-            </a:r>
-          </a:p>
-          <a:p>
-            <a:pPr>
-              <a:lnSpc>
-                <a:spcPct val="107000"/>
-              </a:lnSpc>
-              <a:spcAft>
-                <a:spcPts val="800"/>
-              </a:spcAft>
-            </a:pPr>
-            <a:r>
-              <a:rPr lang="fr-FR" sz="1000" u="sng" dirty="0">
-                <a:latin typeface="Book Antiqua" panose="02040602050305030304" pitchFamily="18" charset="0"/>
-                <a:ea typeface="Calibri" panose="020F0502020204030204" pitchFamily="34" charset="0"/>
-                <a:cs typeface="Times New Roman" panose="02020603050405020304" pitchFamily="18" charset="0"/>
-              </a:rPr>
-              <a:t>Technicien</a:t>
-            </a:r>
-            <a:r>
-              <a:rPr lang="fr-FR" sz="1000" dirty="0">
-                <a:latin typeface="Book Antiqua" panose="02040602050305030304" pitchFamily="18" charset="0"/>
-                <a:ea typeface="Calibri" panose="020F0502020204030204" pitchFamily="34" charset="0"/>
-                <a:cs typeface="Times New Roman" panose="02020603050405020304" pitchFamily="18" charset="0"/>
-              </a:rPr>
-              <a:t> : En charge de la résolution des incidents.</a:t>
-            </a:r>
-          </a:p>
-          <a:p>
-            <a:pPr>
-              <a:lnSpc>
-                <a:spcPct val="107000"/>
-              </a:lnSpc>
-              <a:spcAft>
-                <a:spcPts val="800"/>
-              </a:spcAft>
-            </a:pPr>
-            <a:r>
-              <a:rPr lang="fr-FR" sz="1000" u="sng" dirty="0">
-                <a:latin typeface="Book Antiqua" panose="02040602050305030304" pitchFamily="18" charset="0"/>
-                <a:ea typeface="Calibri" panose="020F0502020204030204" pitchFamily="34" charset="0"/>
-                <a:cs typeface="Times New Roman" panose="02020603050405020304" pitchFamily="18" charset="0"/>
-              </a:rPr>
-              <a:t>Valideur</a:t>
-            </a:r>
-            <a:r>
-              <a:rPr lang="fr-FR" sz="1000" dirty="0">
-                <a:latin typeface="Book Antiqua" panose="02040602050305030304" pitchFamily="18" charset="0"/>
-                <a:ea typeface="Calibri" panose="020F0502020204030204" pitchFamily="34" charset="0"/>
-                <a:cs typeface="Times New Roman" panose="02020603050405020304" pitchFamily="18" charset="0"/>
-              </a:rPr>
-              <a:t> : responsable des techniciens. Il affecte et surveille l’avancement des interventions.</a:t>
             </a:r>
           </a:p>
         </p:txBody>
@@ -8693,6 +9220,320 @@
           </a:prstGeom>
         </p:spPr>
       </p:pic>
+      <p:sp>
+        <p:nvSpPr>
+          <p:cNvPr id="3" name="ZoneTexte 2">
+            <a:extLst>
+              <a:ext uri="{FF2B5EF4-FFF2-40B4-BE49-F238E27FC236}">
+                <a16:creationId xmlns:a16="http://schemas.microsoft.com/office/drawing/2014/main" id="{AD46A3BD-39A4-6E0E-C4B7-A861427841C0}"/>
+              </a:ext>
+            </a:extLst>
+          </p:cNvPr>
+          <p:cNvSpPr txBox="1"/>
+          <p:nvPr/>
+        </p:nvSpPr>
+        <p:spPr>
+          <a:xfrm>
+            <a:off x="1070659" y="2462522"/>
+            <a:ext cx="3082864" cy="1732718"/>
+          </a:xfrm>
+          <a:prstGeom prst="rect">
+            <a:avLst/>
+          </a:prstGeom>
+          <a:noFill/>
+        </p:spPr>
+        <p:txBody>
+          <a:bodyPr wrap="square">
+            <a:spAutoFit/>
+          </a:bodyPr>
+          <a:lstStyle/>
+          <a:p>
+            <a:pPr>
+              <a:lnSpc>
+                <a:spcPct val="107000"/>
+              </a:lnSpc>
+            </a:pPr>
+            <a:r>
+              <a:rPr lang="fr-FR" sz="1000" dirty="0">
+                <a:latin typeface="Book Antiqua" panose="02040602050305030304" pitchFamily="18" charset="0"/>
+                <a:ea typeface="Calibri" panose="020F0502020204030204" pitchFamily="34" charset="0"/>
+                <a:cs typeface="Times New Roman" panose="02020603050405020304" pitchFamily="18" charset="0"/>
+              </a:rPr>
+              <a:t>2 profils internes :</a:t>
+            </a:r>
+          </a:p>
+          <a:p>
+            <a:pPr>
+              <a:lnSpc>
+                <a:spcPct val="107000"/>
+              </a:lnSpc>
+            </a:pPr>
+            <a:endParaRPr lang="fr-FR" sz="1000" dirty="0">
+              <a:latin typeface="Book Antiqua" panose="02040602050305030304" pitchFamily="18" charset="0"/>
+              <a:ea typeface="Calibri" panose="020F0502020204030204" pitchFamily="34" charset="0"/>
+              <a:cs typeface="Times New Roman" panose="02020603050405020304" pitchFamily="18" charset="0"/>
+            </a:endParaRPr>
+          </a:p>
+          <a:p>
+            <a:pPr>
+              <a:lnSpc>
+                <a:spcPct val="107000"/>
+              </a:lnSpc>
+            </a:pPr>
+            <a:endParaRPr lang="fr-FR" sz="1000" u="sng" dirty="0">
+              <a:latin typeface="Book Antiqua" panose="02040602050305030304" pitchFamily="18" charset="0"/>
+              <a:ea typeface="Calibri" panose="020F0502020204030204" pitchFamily="34" charset="0"/>
+              <a:cs typeface="Times New Roman" panose="02020603050405020304" pitchFamily="18" charset="0"/>
+            </a:endParaRPr>
+          </a:p>
+          <a:p>
+            <a:pPr>
+              <a:lnSpc>
+                <a:spcPct val="107000"/>
+              </a:lnSpc>
+            </a:pPr>
+            <a:endParaRPr lang="fr-FR" sz="1000" u="sng" dirty="0">
+              <a:latin typeface="Book Antiqua" panose="02040602050305030304" pitchFamily="18" charset="0"/>
+              <a:ea typeface="Calibri" panose="020F0502020204030204" pitchFamily="34" charset="0"/>
+              <a:cs typeface="Times New Roman" panose="02020603050405020304" pitchFamily="18" charset="0"/>
+            </a:endParaRPr>
+          </a:p>
+          <a:p>
+            <a:pPr>
+              <a:lnSpc>
+                <a:spcPct val="107000"/>
+              </a:lnSpc>
+            </a:pPr>
+            <a:endParaRPr lang="fr-FR" sz="1000" u="sng" dirty="0">
+              <a:latin typeface="Book Antiqua" panose="02040602050305030304" pitchFamily="18" charset="0"/>
+              <a:ea typeface="Calibri" panose="020F0502020204030204" pitchFamily="34" charset="0"/>
+              <a:cs typeface="Times New Roman" panose="02020603050405020304" pitchFamily="18" charset="0"/>
+            </a:endParaRPr>
+          </a:p>
+          <a:p>
+            <a:pPr>
+              <a:lnSpc>
+                <a:spcPct val="107000"/>
+              </a:lnSpc>
+            </a:pPr>
+            <a:endParaRPr lang="fr-FR" sz="1000" u="sng" dirty="0">
+              <a:latin typeface="Book Antiqua" panose="02040602050305030304" pitchFamily="18" charset="0"/>
+              <a:ea typeface="Calibri" panose="020F0502020204030204" pitchFamily="34" charset="0"/>
+              <a:cs typeface="Times New Roman" panose="02020603050405020304" pitchFamily="18" charset="0"/>
+            </a:endParaRPr>
+          </a:p>
+          <a:p>
+            <a:pPr>
+              <a:lnSpc>
+                <a:spcPct val="107000"/>
+              </a:lnSpc>
+            </a:pPr>
+            <a:endParaRPr lang="fr-FR" sz="1000" dirty="0">
+              <a:latin typeface="Book Antiqua" panose="02040602050305030304" pitchFamily="18" charset="0"/>
+              <a:ea typeface="Calibri" panose="020F0502020204030204" pitchFamily="34" charset="0"/>
+              <a:cs typeface="Times New Roman" panose="02020603050405020304" pitchFamily="18" charset="0"/>
+            </a:endParaRPr>
+          </a:p>
+          <a:p>
+            <a:pPr>
+              <a:lnSpc>
+                <a:spcPct val="107000"/>
+              </a:lnSpc>
+            </a:pPr>
+            <a:r>
+              <a:rPr lang="fr-FR" sz="1000" dirty="0">
+                <a:latin typeface="Book Antiqua" panose="02040602050305030304" pitchFamily="18" charset="0"/>
+                <a:ea typeface="Calibri" panose="020F0502020204030204" pitchFamily="34" charset="0"/>
+                <a:cs typeface="Times New Roman" panose="02020603050405020304" pitchFamily="18" charset="0"/>
+              </a:rPr>
+              <a:t>.</a:t>
+            </a:r>
+          </a:p>
+          <a:p>
+            <a:pPr>
+              <a:lnSpc>
+                <a:spcPct val="107000"/>
+              </a:lnSpc>
+            </a:pPr>
+            <a:endParaRPr lang="fr-FR" sz="1000" dirty="0">
+              <a:latin typeface="Book Antiqua" panose="02040602050305030304" pitchFamily="18" charset="0"/>
+              <a:ea typeface="Calibri" panose="020F0502020204030204" pitchFamily="34" charset="0"/>
+              <a:cs typeface="Times New Roman" panose="02020603050405020304" pitchFamily="18" charset="0"/>
+            </a:endParaRPr>
+          </a:p>
+          <a:p>
+            <a:pPr>
+              <a:lnSpc>
+                <a:spcPct val="107000"/>
+              </a:lnSpc>
+            </a:pPr>
+            <a:r>
+              <a:rPr lang="fr-FR" sz="1000" dirty="0">
+                <a:latin typeface="Book Antiqua" panose="02040602050305030304" pitchFamily="18" charset="0"/>
+                <a:ea typeface="Calibri" panose="020F0502020204030204" pitchFamily="34" charset="0"/>
+                <a:cs typeface="Times New Roman" panose="02020603050405020304" pitchFamily="18" charset="0"/>
+              </a:rPr>
+              <a:t>2 profils externes / prestataires :</a:t>
+            </a:r>
+          </a:p>
+        </p:txBody>
+      </p:sp>
+      <p:sp>
+        <p:nvSpPr>
+          <p:cNvPr id="7" name="ZoneTexte 6">
+            <a:extLst>
+              <a:ext uri="{FF2B5EF4-FFF2-40B4-BE49-F238E27FC236}">
+                <a16:creationId xmlns:a16="http://schemas.microsoft.com/office/drawing/2014/main" id="{150D2229-DB61-BB2E-6265-3E6E881B0FFD}"/>
+              </a:ext>
+            </a:extLst>
+          </p:cNvPr>
+          <p:cNvSpPr txBox="1"/>
+          <p:nvPr/>
+        </p:nvSpPr>
+        <p:spPr>
+          <a:xfrm>
+            <a:off x="1086301" y="2732653"/>
+            <a:ext cx="3082864" cy="580095"/>
+          </a:xfrm>
+          <a:prstGeom prst="rect">
+            <a:avLst/>
+          </a:prstGeom>
+          <a:noFill/>
+        </p:spPr>
+        <p:txBody>
+          <a:bodyPr wrap="square">
+            <a:spAutoFit/>
+          </a:bodyPr>
+          <a:lstStyle/>
+          <a:p>
+            <a:pPr>
+              <a:lnSpc>
+                <a:spcPct val="107000"/>
+              </a:lnSpc>
+            </a:pPr>
+            <a:r>
+              <a:rPr lang="fr-FR" sz="1000" u="sng" dirty="0">
+                <a:latin typeface="Book Antiqua" panose="02040602050305030304" pitchFamily="18" charset="0"/>
+                <a:ea typeface="Calibri" panose="020F0502020204030204" pitchFamily="34" charset="0"/>
+                <a:cs typeface="Times New Roman" panose="02020603050405020304" pitchFamily="18" charset="0"/>
+              </a:rPr>
+              <a:t>Usager</a:t>
+            </a:r>
+            <a:r>
+              <a:rPr lang="fr-FR" sz="1000" dirty="0">
+                <a:latin typeface="Book Antiqua" panose="02040602050305030304" pitchFamily="18" charset="0"/>
+                <a:ea typeface="Calibri" panose="020F0502020204030204" pitchFamily="34" charset="0"/>
+                <a:cs typeface="Times New Roman" panose="02020603050405020304" pitchFamily="18" charset="0"/>
+              </a:rPr>
+              <a:t> : occupant de l’immeuble. Il signale les incidents et valide la fin d’intervention. Il peut ajouter un commentaire à tout moment.</a:t>
+            </a:r>
+          </a:p>
+        </p:txBody>
+      </p:sp>
+      <p:sp>
+        <p:nvSpPr>
+          <p:cNvPr id="9" name="ZoneTexte 8">
+            <a:extLst>
+              <a:ext uri="{FF2B5EF4-FFF2-40B4-BE49-F238E27FC236}">
+                <a16:creationId xmlns:a16="http://schemas.microsoft.com/office/drawing/2014/main" id="{A7D4E5C1-7B9B-2BA9-0800-50243D2B8A18}"/>
+              </a:ext>
+            </a:extLst>
+          </p:cNvPr>
+          <p:cNvSpPr txBox="1"/>
+          <p:nvPr/>
+        </p:nvSpPr>
+        <p:spPr>
+          <a:xfrm>
+            <a:off x="1034817" y="4243910"/>
+            <a:ext cx="3082864" cy="415435"/>
+          </a:xfrm>
+          <a:prstGeom prst="rect">
+            <a:avLst/>
+          </a:prstGeom>
+          <a:noFill/>
+        </p:spPr>
+        <p:txBody>
+          <a:bodyPr wrap="square">
+            <a:spAutoFit/>
+          </a:bodyPr>
+          <a:lstStyle/>
+          <a:p>
+            <a:pPr>
+              <a:lnSpc>
+                <a:spcPct val="107000"/>
+              </a:lnSpc>
+            </a:pPr>
+            <a:r>
+              <a:rPr lang="fr-FR" sz="1000" u="sng" dirty="0">
+                <a:latin typeface="Book Antiqua" panose="02040602050305030304" pitchFamily="18" charset="0"/>
+                <a:ea typeface="Calibri" panose="020F0502020204030204" pitchFamily="34" charset="0"/>
+                <a:cs typeface="Times New Roman" panose="02020603050405020304" pitchFamily="18" charset="0"/>
+              </a:rPr>
+              <a:t>Technicien</a:t>
+            </a:r>
+            <a:r>
+              <a:rPr lang="fr-FR" sz="1000" dirty="0">
+                <a:latin typeface="Book Antiqua" panose="02040602050305030304" pitchFamily="18" charset="0"/>
+                <a:ea typeface="Calibri" panose="020F0502020204030204" pitchFamily="34" charset="0"/>
+                <a:cs typeface="Times New Roman" panose="02020603050405020304" pitchFamily="18" charset="0"/>
+              </a:rPr>
+              <a:t> : En charge de la résolution des incidents.</a:t>
+            </a:r>
+          </a:p>
+        </p:txBody>
+      </p:sp>
+      <p:sp>
+        <p:nvSpPr>
+          <p:cNvPr id="10" name="ZoneTexte 9">
+            <a:extLst>
+              <a:ext uri="{FF2B5EF4-FFF2-40B4-BE49-F238E27FC236}">
+                <a16:creationId xmlns:a16="http://schemas.microsoft.com/office/drawing/2014/main" id="{B6C44F0A-FC4E-45DF-3841-105417C0DC16}"/>
+              </a:ext>
+            </a:extLst>
+          </p:cNvPr>
+          <p:cNvSpPr txBox="1"/>
+          <p:nvPr/>
+        </p:nvSpPr>
+        <p:spPr>
+          <a:xfrm>
+            <a:off x="1034817" y="4782446"/>
+            <a:ext cx="3082864" cy="415435"/>
+          </a:xfrm>
+          <a:prstGeom prst="rect">
+            <a:avLst/>
+          </a:prstGeom>
+          <a:noFill/>
+        </p:spPr>
+        <p:txBody>
+          <a:bodyPr wrap="square">
+            <a:spAutoFit/>
+          </a:bodyPr>
+          <a:lstStyle/>
+          <a:p>
+            <a:pPr>
+              <a:lnSpc>
+                <a:spcPct val="107000"/>
+              </a:lnSpc>
+            </a:pPr>
+            <a:r>
+              <a:rPr lang="fr-FR" sz="1000" u="sng" dirty="0">
+                <a:latin typeface="Book Antiqua" panose="02040602050305030304" pitchFamily="18" charset="0"/>
+                <a:ea typeface="Calibri" panose="020F0502020204030204" pitchFamily="34" charset="0"/>
+                <a:cs typeface="Times New Roman" panose="02020603050405020304" pitchFamily="18" charset="0"/>
+              </a:rPr>
+              <a:t>Valideur</a:t>
+            </a:r>
+            <a:r>
+              <a:rPr lang="fr-FR" sz="1000" dirty="0">
+                <a:latin typeface="Book Antiqua" panose="02040602050305030304" pitchFamily="18" charset="0"/>
+                <a:ea typeface="Calibri" panose="020F0502020204030204" pitchFamily="34" charset="0"/>
+                <a:cs typeface="Times New Roman" panose="02020603050405020304" pitchFamily="18" charset="0"/>
+              </a:rPr>
+              <a:t> : responsable des techniciens. Il affecte et surveille l’avancement des interventions.</a:t>
+            </a:r>
+          </a:p>
+        </p:txBody>
+      </p:sp>
     </p:spTree>
     <p:extLst>
       <p:ext uri="{BB962C8B-B14F-4D97-AF65-F5344CB8AC3E}">
@@ -8703,6 +9544,268 @@
   <p:clrMapOvr>
     <a:masterClrMapping/>
   </p:clrMapOvr>
+  <p:timing>
+    <p:tnLst>
+      <p:par>
+        <p:cTn id="1" dur="indefinite" restart="never" nodeType="tmRoot">
+          <p:childTnLst>
+            <p:seq concurrent="1" nextAc="seek">
+              <p:cTn id="2" dur="indefinite" nodeType="mainSeq">
+                <p:childTnLst>
+                  <p:par>
+                    <p:cTn id="3" fill="hold">
+                      <p:stCondLst>
+                        <p:cond delay="indefinite"/>
+                      </p:stCondLst>
+                      <p:childTnLst>
+                        <p:par>
+                          <p:cTn id="4" fill="hold">
+                            <p:stCondLst>
+                              <p:cond delay="0"/>
+                            </p:stCondLst>
+                            <p:childTnLst>
+                              <p:par>
+                                <p:cTn id="5" presetID="1" presetClass="entr" presetSubtype="0" fill="hold" grpId="0" nodeType="clickEffect">
+                                  <p:stCondLst>
+                                    <p:cond delay="0"/>
+                                  </p:stCondLst>
+                                  <p:childTnLst>
+                                    <p:set>
+                                      <p:cBhvr>
+                                        <p:cTn id="6" dur="1" fill="hold">
+                                          <p:stCondLst>
+                                            <p:cond delay="0"/>
+                                          </p:stCondLst>
+                                        </p:cTn>
+                                        <p:tgtEl>
+                                          <p:spTgt spid="3"/>
+                                        </p:tgtEl>
+                                        <p:attrNameLst>
+                                          <p:attrName>style.visibility</p:attrName>
+                                        </p:attrNameLst>
+                                      </p:cBhvr>
+                                      <p:to>
+                                        <p:strVal val="visible"/>
+                                      </p:to>
+                                    </p:set>
+                                  </p:childTnLst>
+                                </p:cTn>
+                              </p:par>
+                            </p:childTnLst>
+                          </p:cTn>
+                        </p:par>
+                      </p:childTnLst>
+                    </p:cTn>
+                  </p:par>
+                  <p:par>
+                    <p:cTn id="7" fill="hold">
+                      <p:stCondLst>
+                        <p:cond delay="indefinite"/>
+                      </p:stCondLst>
+                      <p:childTnLst>
+                        <p:par>
+                          <p:cTn id="8" fill="hold">
+                            <p:stCondLst>
+                              <p:cond delay="0"/>
+                            </p:stCondLst>
+                            <p:childTnLst>
+                              <p:par>
+                                <p:cTn id="9" presetID="1" presetClass="entr" presetSubtype="0" fill="hold" grpId="0" nodeType="clickEffect">
+                                  <p:stCondLst>
+                                    <p:cond delay="0"/>
+                                  </p:stCondLst>
+                                  <p:childTnLst>
+                                    <p:set>
+                                      <p:cBhvr>
+                                        <p:cTn id="10" dur="1" fill="hold">
+                                          <p:stCondLst>
+                                            <p:cond delay="0"/>
+                                          </p:stCondLst>
+                                        </p:cTn>
+                                        <p:tgtEl>
+                                          <p:spTgt spid="7"/>
+                                        </p:tgtEl>
+                                        <p:attrNameLst>
+                                          <p:attrName>style.visibility</p:attrName>
+                                        </p:attrNameLst>
+                                      </p:cBhvr>
+                                      <p:to>
+                                        <p:strVal val="visible"/>
+                                      </p:to>
+                                    </p:set>
+                                  </p:childTnLst>
+                                </p:cTn>
+                              </p:par>
+                            </p:childTnLst>
+                          </p:cTn>
+                        </p:par>
+                      </p:childTnLst>
+                    </p:cTn>
+                  </p:par>
+                  <p:par>
+                    <p:cTn id="11" fill="hold">
+                      <p:stCondLst>
+                        <p:cond delay="indefinite"/>
+                      </p:stCondLst>
+                      <p:childTnLst>
+                        <p:par>
+                          <p:cTn id="12" fill="hold">
+                            <p:stCondLst>
+                              <p:cond delay="0"/>
+                            </p:stCondLst>
+                            <p:childTnLst>
+                              <p:par>
+                                <p:cTn id="13" presetID="1" presetClass="entr" presetSubtype="0" fill="hold" grpId="0" nodeType="clickEffect">
+                                  <p:stCondLst>
+                                    <p:cond delay="0"/>
+                                  </p:stCondLst>
+                                  <p:childTnLst>
+                                    <p:set>
+                                      <p:cBhvr>
+                                        <p:cTn id="14" dur="1" fill="hold">
+                                          <p:stCondLst>
+                                            <p:cond delay="0"/>
+                                          </p:stCondLst>
+                                        </p:cTn>
+                                        <p:tgtEl>
+                                          <p:spTgt spid="5"/>
+                                        </p:tgtEl>
+                                        <p:attrNameLst>
+                                          <p:attrName>style.visibility</p:attrName>
+                                        </p:attrNameLst>
+                                      </p:cBhvr>
+                                      <p:to>
+                                        <p:strVal val="visible"/>
+                                      </p:to>
+                                    </p:set>
+                                  </p:childTnLst>
+                                </p:cTn>
+                              </p:par>
+                            </p:childTnLst>
+                          </p:cTn>
+                        </p:par>
+                      </p:childTnLst>
+                    </p:cTn>
+                  </p:par>
+                  <p:par>
+                    <p:cTn id="15" fill="hold">
+                      <p:stCondLst>
+                        <p:cond delay="indefinite"/>
+                      </p:stCondLst>
+                      <p:childTnLst>
+                        <p:par>
+                          <p:cTn id="16" fill="hold">
+                            <p:stCondLst>
+                              <p:cond delay="0"/>
+                            </p:stCondLst>
+                            <p:childTnLst>
+                              <p:par>
+                                <p:cTn id="17" presetID="1" presetClass="entr" presetSubtype="0" fill="hold" grpId="0" nodeType="clickEffect">
+                                  <p:stCondLst>
+                                    <p:cond delay="0"/>
+                                  </p:stCondLst>
+                                  <p:childTnLst>
+                                    <p:set>
+                                      <p:cBhvr>
+                                        <p:cTn id="18" dur="1" fill="hold">
+                                          <p:stCondLst>
+                                            <p:cond delay="0"/>
+                                          </p:stCondLst>
+                                        </p:cTn>
+                                        <p:tgtEl>
+                                          <p:spTgt spid="9"/>
+                                        </p:tgtEl>
+                                        <p:attrNameLst>
+                                          <p:attrName>style.visibility</p:attrName>
+                                        </p:attrNameLst>
+                                      </p:cBhvr>
+                                      <p:to>
+                                        <p:strVal val="visible"/>
+                                      </p:to>
+                                    </p:set>
+                                  </p:childTnLst>
+                                </p:cTn>
+                              </p:par>
+                            </p:childTnLst>
+                          </p:cTn>
+                        </p:par>
+                      </p:childTnLst>
+                    </p:cTn>
+                  </p:par>
+                  <p:par>
+                    <p:cTn id="19" fill="hold">
+                      <p:stCondLst>
+                        <p:cond delay="indefinite"/>
+                      </p:stCondLst>
+                      <p:childTnLst>
+                        <p:par>
+                          <p:cTn id="20" fill="hold">
+                            <p:stCondLst>
+                              <p:cond delay="0"/>
+                            </p:stCondLst>
+                            <p:childTnLst>
+                              <p:par>
+                                <p:cTn id="21" presetID="1" presetClass="entr" presetSubtype="0" fill="hold" grpId="0" nodeType="clickEffect">
+                                  <p:stCondLst>
+                                    <p:cond delay="0"/>
+                                  </p:stCondLst>
+                                  <p:childTnLst>
+                                    <p:set>
+                                      <p:cBhvr>
+                                        <p:cTn id="22" dur="1" fill="hold">
+                                          <p:stCondLst>
+                                            <p:cond delay="0"/>
+                                          </p:stCondLst>
+                                        </p:cTn>
+                                        <p:tgtEl>
+                                          <p:spTgt spid="10"/>
+                                        </p:tgtEl>
+                                        <p:attrNameLst>
+                                          <p:attrName>style.visibility</p:attrName>
+                                        </p:attrNameLst>
+                                      </p:cBhvr>
+                                      <p:to>
+                                        <p:strVal val="visible"/>
+                                      </p:to>
+                                    </p:set>
+                                  </p:childTnLst>
+                                </p:cTn>
+                              </p:par>
+                            </p:childTnLst>
+                          </p:cTn>
+                        </p:par>
+                      </p:childTnLst>
+                    </p:cTn>
+                  </p:par>
+                </p:childTnLst>
+              </p:cTn>
+              <p:prevCondLst>
+                <p:cond evt="onPrev" delay="0">
+                  <p:tgtEl>
+                    <p:sldTgt/>
+                  </p:tgtEl>
+                </p:cond>
+              </p:prevCondLst>
+              <p:nextCondLst>
+                <p:cond evt="onNext" delay="0">
+                  <p:tgtEl>
+                    <p:sldTgt/>
+                  </p:tgtEl>
+                </p:cond>
+              </p:nextCondLst>
+            </p:seq>
+          </p:childTnLst>
+        </p:cTn>
+      </p:par>
+    </p:tnLst>
+    <p:bldLst>
+      <p:bldP spid="5" grpId="0"/>
+      <p:bldP spid="3" grpId="0"/>
+      <p:bldP spid="7" grpId="0"/>
+      <p:bldP spid="9" grpId="0"/>
+      <p:bldP spid="10" grpId="0"/>
+    </p:bldLst>
+  </p:timing>
 </p:sld>
 </file>
 
@@ -8755,10 +9858,10 @@
       </p:sp>
       <p:pic>
         <p:nvPicPr>
-          <p:cNvPr id="5" name="Image 4">
-            <a:extLst>
-              <a:ext uri="{FF2B5EF4-FFF2-40B4-BE49-F238E27FC236}">
-                <a16:creationId xmlns:a16="http://schemas.microsoft.com/office/drawing/2014/main" id="{F0E86876-7961-67FF-C647-D135B88D0CD2}"/>
+          <p:cNvPr id="4" name="Image 3">
+            <a:extLst>
+              <a:ext uri="{FF2B5EF4-FFF2-40B4-BE49-F238E27FC236}">
+                <a16:creationId xmlns:a16="http://schemas.microsoft.com/office/drawing/2014/main" id="{A2CDE620-9817-E440-0D8E-34BE7EDA27B5}"/>
               </a:ext>
             </a:extLst>
           </p:cNvPr>
@@ -8775,8 +9878,8 @@
         </p:blipFill>
         <p:spPr>
           <a:xfrm>
-            <a:off x="1704702" y="2041496"/>
-            <a:ext cx="8568826" cy="3224650"/>
+            <a:off x="977554" y="1843087"/>
+            <a:ext cx="10018317" cy="3752643"/>
           </a:xfrm>
           <a:prstGeom prst="rect">
             <a:avLst/>
